--- a/Quality Improvement Standards Roadmap.pptx
+++ b/Quality Improvement Standards Roadmap.pptx
@@ -4,15 +4,16 @@
   <p:sldMasterIdLst>
     <p:sldMasterId id="2147483648" r:id="rId1"/>
   </p:sldMasterIdLst>
+  <p:notesMasterIdLst>
+    <p:notesMasterId r:id="rId8"/>
+  </p:notesMasterIdLst>
   <p:sldIdLst>
     <p:sldId id="262" r:id="rId2"/>
-    <p:sldId id="266" r:id="rId3"/>
-    <p:sldId id="267" r:id="rId4"/>
-    <p:sldId id="263" r:id="rId5"/>
-    <p:sldId id="264" r:id="rId6"/>
-    <p:sldId id="265" r:id="rId7"/>
-    <p:sldId id="258" r:id="rId8"/>
-    <p:sldId id="261" r:id="rId9"/>
+    <p:sldId id="267" r:id="rId3"/>
+    <p:sldId id="263" r:id="rId4"/>
+    <p:sldId id="264" r:id="rId5"/>
+    <p:sldId id="393" r:id="rId6"/>
+    <p:sldId id="261" r:id="rId7"/>
   </p:sldIdLst>
   <p:sldSz cx="12192000" cy="6858000"/>
   <p:notesSz cx="6858000" cy="9144000"/>
@@ -119,6 +120,565 @@
 </p:presentation>
 </file>
 
+<file path=ppt/notesMasters/notesMaster1.xml><?xml version="1.0" encoding="utf-8"?>
+<p:notesMaster xmlns:a="http://schemas.openxmlformats.org/drawingml/2006/main" xmlns:r="http://schemas.openxmlformats.org/officeDocument/2006/relationships" xmlns:p="http://schemas.openxmlformats.org/presentationml/2006/main">
+  <p:cSld>
+    <p:bg>
+      <p:bgRef idx="1001">
+        <a:schemeClr val="bg1"/>
+      </p:bgRef>
+    </p:bg>
+    <p:spTree>
+      <p:nvGrpSpPr>
+        <p:cNvPr id="1" name=""/>
+        <p:cNvGrpSpPr/>
+        <p:nvPr/>
+      </p:nvGrpSpPr>
+      <p:grpSpPr>
+        <a:xfrm>
+          <a:off x="0" y="0"/>
+          <a:ext cx="0" cy="0"/>
+          <a:chOff x="0" y="0"/>
+          <a:chExt cx="0" cy="0"/>
+        </a:xfrm>
+      </p:grpSpPr>
+      <p:sp>
+        <p:nvSpPr>
+          <p:cNvPr id="2" name="Header Placeholder 1"/>
+          <p:cNvSpPr>
+            <a:spLocks noGrp="1"/>
+          </p:cNvSpPr>
+          <p:nvPr>
+            <p:ph type="hdr" sz="quarter"/>
+          </p:nvPr>
+        </p:nvSpPr>
+        <p:spPr>
+          <a:xfrm>
+            <a:off x="0" y="0"/>
+            <a:ext cx="2971800" cy="458788"/>
+          </a:xfrm>
+          <a:prstGeom prst="rect">
+            <a:avLst/>
+          </a:prstGeom>
+        </p:spPr>
+        <p:txBody>
+          <a:bodyPr vert="horz" lIns="91440" tIns="45720" rIns="91440" bIns="45720" rtlCol="0"/>
+          <a:lstStyle>
+            <a:lvl1pPr algn="l">
+              <a:defRPr sz="1200"/>
+            </a:lvl1pPr>
+          </a:lstStyle>
+          <a:p>
+            <a:endParaRPr lang="en-US"/>
+          </a:p>
+        </p:txBody>
+      </p:sp>
+      <p:sp>
+        <p:nvSpPr>
+          <p:cNvPr id="3" name="Date Placeholder 2"/>
+          <p:cNvSpPr>
+            <a:spLocks noGrp="1"/>
+          </p:cNvSpPr>
+          <p:nvPr>
+            <p:ph type="dt" idx="1"/>
+          </p:nvPr>
+        </p:nvSpPr>
+        <p:spPr>
+          <a:xfrm>
+            <a:off x="3884613" y="0"/>
+            <a:ext cx="2971800" cy="458788"/>
+          </a:xfrm>
+          <a:prstGeom prst="rect">
+            <a:avLst/>
+          </a:prstGeom>
+        </p:spPr>
+        <p:txBody>
+          <a:bodyPr vert="horz" lIns="91440" tIns="45720" rIns="91440" bIns="45720" rtlCol="0"/>
+          <a:lstStyle>
+            <a:lvl1pPr algn="r">
+              <a:defRPr sz="1200"/>
+            </a:lvl1pPr>
+          </a:lstStyle>
+          <a:p>
+            <a:fld id="{97144F2F-B3C9-4EE2-ACC6-7ECC2B5E55CF}" type="datetimeFigureOut">
+              <a:rPr lang="en-US" smtClean="0"/>
+              <a:t>8/14/2020</a:t>
+            </a:fld>
+            <a:endParaRPr lang="en-US"/>
+          </a:p>
+        </p:txBody>
+      </p:sp>
+      <p:sp>
+        <p:nvSpPr>
+          <p:cNvPr id="4" name="Slide Image Placeholder 3"/>
+          <p:cNvSpPr>
+            <a:spLocks noGrp="1" noRot="1" noChangeAspect="1"/>
+          </p:cNvSpPr>
+          <p:nvPr>
+            <p:ph type="sldImg" idx="2"/>
+          </p:nvPr>
+        </p:nvSpPr>
+        <p:spPr>
+          <a:xfrm>
+            <a:off x="685800" y="1143000"/>
+            <a:ext cx="5486400" cy="3086100"/>
+          </a:xfrm>
+          <a:prstGeom prst="rect">
+            <a:avLst/>
+          </a:prstGeom>
+          <a:noFill/>
+          <a:ln w="12700">
+            <a:solidFill>
+              <a:prstClr val="black"/>
+            </a:solidFill>
+          </a:ln>
+        </p:spPr>
+        <p:txBody>
+          <a:bodyPr vert="horz" lIns="91440" tIns="45720" rIns="91440" bIns="45720" rtlCol="0" anchor="ctr"/>
+          <a:lstStyle/>
+          <a:p>
+            <a:endParaRPr lang="en-US"/>
+          </a:p>
+        </p:txBody>
+      </p:sp>
+      <p:sp>
+        <p:nvSpPr>
+          <p:cNvPr id="5" name="Notes Placeholder 4"/>
+          <p:cNvSpPr>
+            <a:spLocks noGrp="1"/>
+          </p:cNvSpPr>
+          <p:nvPr>
+            <p:ph type="body" sz="quarter" idx="3"/>
+          </p:nvPr>
+        </p:nvSpPr>
+        <p:spPr>
+          <a:xfrm>
+            <a:off x="685800" y="4400550"/>
+            <a:ext cx="5486400" cy="3600450"/>
+          </a:xfrm>
+          <a:prstGeom prst="rect">
+            <a:avLst/>
+          </a:prstGeom>
+        </p:spPr>
+        <p:txBody>
+          <a:bodyPr vert="horz" lIns="91440" tIns="45720" rIns="91440" bIns="45720" rtlCol="0"/>
+          <a:lstStyle/>
+          <a:p>
+            <a:pPr lvl="0"/>
+            <a:r>
+              <a:rPr lang="en-US"/>
+              <a:t>Click to edit Master text styles</a:t>
+            </a:r>
+          </a:p>
+          <a:p>
+            <a:pPr lvl="1"/>
+            <a:r>
+              <a:rPr lang="en-US"/>
+              <a:t>Second level</a:t>
+            </a:r>
+          </a:p>
+          <a:p>
+            <a:pPr lvl="2"/>
+            <a:r>
+              <a:rPr lang="en-US"/>
+              <a:t>Third level</a:t>
+            </a:r>
+          </a:p>
+          <a:p>
+            <a:pPr lvl="3"/>
+            <a:r>
+              <a:rPr lang="en-US"/>
+              <a:t>Fourth level</a:t>
+            </a:r>
+          </a:p>
+          <a:p>
+            <a:pPr lvl="4"/>
+            <a:r>
+              <a:rPr lang="en-US"/>
+              <a:t>Fifth level</a:t>
+            </a:r>
+          </a:p>
+        </p:txBody>
+      </p:sp>
+      <p:sp>
+        <p:nvSpPr>
+          <p:cNvPr id="6" name="Footer Placeholder 5"/>
+          <p:cNvSpPr>
+            <a:spLocks noGrp="1"/>
+          </p:cNvSpPr>
+          <p:nvPr>
+            <p:ph type="ftr" sz="quarter" idx="4"/>
+          </p:nvPr>
+        </p:nvSpPr>
+        <p:spPr>
+          <a:xfrm>
+            <a:off x="0" y="8685213"/>
+            <a:ext cx="2971800" cy="458787"/>
+          </a:xfrm>
+          <a:prstGeom prst="rect">
+            <a:avLst/>
+          </a:prstGeom>
+        </p:spPr>
+        <p:txBody>
+          <a:bodyPr vert="horz" lIns="91440" tIns="45720" rIns="91440" bIns="45720" rtlCol="0" anchor="b"/>
+          <a:lstStyle>
+            <a:lvl1pPr algn="l">
+              <a:defRPr sz="1200"/>
+            </a:lvl1pPr>
+          </a:lstStyle>
+          <a:p>
+            <a:endParaRPr lang="en-US"/>
+          </a:p>
+        </p:txBody>
+      </p:sp>
+      <p:sp>
+        <p:nvSpPr>
+          <p:cNvPr id="7" name="Slide Number Placeholder 6"/>
+          <p:cNvSpPr>
+            <a:spLocks noGrp="1"/>
+          </p:cNvSpPr>
+          <p:nvPr>
+            <p:ph type="sldNum" sz="quarter" idx="5"/>
+          </p:nvPr>
+        </p:nvSpPr>
+        <p:spPr>
+          <a:xfrm>
+            <a:off x="3884613" y="8685213"/>
+            <a:ext cx="2971800" cy="458787"/>
+          </a:xfrm>
+          <a:prstGeom prst="rect">
+            <a:avLst/>
+          </a:prstGeom>
+        </p:spPr>
+        <p:txBody>
+          <a:bodyPr vert="horz" lIns="91440" tIns="45720" rIns="91440" bIns="45720" rtlCol="0" anchor="b"/>
+          <a:lstStyle>
+            <a:lvl1pPr algn="r">
+              <a:defRPr sz="1200"/>
+            </a:lvl1pPr>
+          </a:lstStyle>
+          <a:p>
+            <a:fld id="{0F200BCC-C81C-427F-BAC9-E9623E22473F}" type="slidenum">
+              <a:rPr lang="en-US" smtClean="0"/>
+              <a:t>‹#›</a:t>
+            </a:fld>
+            <a:endParaRPr lang="en-US"/>
+          </a:p>
+        </p:txBody>
+      </p:sp>
+    </p:spTree>
+    <p:extLst>
+      <p:ext uri="{BB962C8B-B14F-4D97-AF65-F5344CB8AC3E}">
+        <p14:creationId xmlns:p14="http://schemas.microsoft.com/office/powerpoint/2010/main" val="456983463"/>
+      </p:ext>
+    </p:extLst>
+  </p:cSld>
+  <p:clrMap bg1="lt1" tx1="dk1" bg2="lt2" tx2="dk2" accent1="accent1" accent2="accent2" accent3="accent3" accent4="accent4" accent5="accent5" accent6="accent6" hlink="hlink" folHlink="folHlink"/>
+  <p:notesStyle>
+    <a:lvl1pPr marL="0" algn="l" defTabSz="914400" rtl="0" eaLnBrk="1" latinLnBrk="0" hangingPunct="1">
+      <a:defRPr sz="1200" kern="1200">
+        <a:solidFill>
+          <a:schemeClr val="tx1"/>
+        </a:solidFill>
+        <a:latin typeface="+mn-lt"/>
+        <a:ea typeface="+mn-ea"/>
+        <a:cs typeface="+mn-cs"/>
+      </a:defRPr>
+    </a:lvl1pPr>
+    <a:lvl2pPr marL="457200" algn="l" defTabSz="914400" rtl="0" eaLnBrk="1" latinLnBrk="0" hangingPunct="1">
+      <a:defRPr sz="1200" kern="1200">
+        <a:solidFill>
+          <a:schemeClr val="tx1"/>
+        </a:solidFill>
+        <a:latin typeface="+mn-lt"/>
+        <a:ea typeface="+mn-ea"/>
+        <a:cs typeface="+mn-cs"/>
+      </a:defRPr>
+    </a:lvl2pPr>
+    <a:lvl3pPr marL="914400" algn="l" defTabSz="914400" rtl="0" eaLnBrk="1" latinLnBrk="0" hangingPunct="1">
+      <a:defRPr sz="1200" kern="1200">
+        <a:solidFill>
+          <a:schemeClr val="tx1"/>
+        </a:solidFill>
+        <a:latin typeface="+mn-lt"/>
+        <a:ea typeface="+mn-ea"/>
+        <a:cs typeface="+mn-cs"/>
+      </a:defRPr>
+    </a:lvl3pPr>
+    <a:lvl4pPr marL="1371600" algn="l" defTabSz="914400" rtl="0" eaLnBrk="1" latinLnBrk="0" hangingPunct="1">
+      <a:defRPr sz="1200" kern="1200">
+        <a:solidFill>
+          <a:schemeClr val="tx1"/>
+        </a:solidFill>
+        <a:latin typeface="+mn-lt"/>
+        <a:ea typeface="+mn-ea"/>
+        <a:cs typeface="+mn-cs"/>
+      </a:defRPr>
+    </a:lvl4pPr>
+    <a:lvl5pPr marL="1828800" algn="l" defTabSz="914400" rtl="0" eaLnBrk="1" latinLnBrk="0" hangingPunct="1">
+      <a:defRPr sz="1200" kern="1200">
+        <a:solidFill>
+          <a:schemeClr val="tx1"/>
+        </a:solidFill>
+        <a:latin typeface="+mn-lt"/>
+        <a:ea typeface="+mn-ea"/>
+        <a:cs typeface="+mn-cs"/>
+      </a:defRPr>
+    </a:lvl5pPr>
+    <a:lvl6pPr marL="2286000" algn="l" defTabSz="914400" rtl="0" eaLnBrk="1" latinLnBrk="0" hangingPunct="1">
+      <a:defRPr sz="1200" kern="1200">
+        <a:solidFill>
+          <a:schemeClr val="tx1"/>
+        </a:solidFill>
+        <a:latin typeface="+mn-lt"/>
+        <a:ea typeface="+mn-ea"/>
+        <a:cs typeface="+mn-cs"/>
+      </a:defRPr>
+    </a:lvl6pPr>
+    <a:lvl7pPr marL="2743200" algn="l" defTabSz="914400" rtl="0" eaLnBrk="1" latinLnBrk="0" hangingPunct="1">
+      <a:defRPr sz="1200" kern="1200">
+        <a:solidFill>
+          <a:schemeClr val="tx1"/>
+        </a:solidFill>
+        <a:latin typeface="+mn-lt"/>
+        <a:ea typeface="+mn-ea"/>
+        <a:cs typeface="+mn-cs"/>
+      </a:defRPr>
+    </a:lvl7pPr>
+    <a:lvl8pPr marL="3200400" algn="l" defTabSz="914400" rtl="0" eaLnBrk="1" latinLnBrk="0" hangingPunct="1">
+      <a:defRPr sz="1200" kern="1200">
+        <a:solidFill>
+          <a:schemeClr val="tx1"/>
+        </a:solidFill>
+        <a:latin typeface="+mn-lt"/>
+        <a:ea typeface="+mn-ea"/>
+        <a:cs typeface="+mn-cs"/>
+      </a:defRPr>
+    </a:lvl8pPr>
+    <a:lvl9pPr marL="3657600" algn="l" defTabSz="914400" rtl="0" eaLnBrk="1" latinLnBrk="0" hangingPunct="1">
+      <a:defRPr sz="1200" kern="1200">
+        <a:solidFill>
+          <a:schemeClr val="tx1"/>
+        </a:solidFill>
+        <a:latin typeface="+mn-lt"/>
+        <a:ea typeface="+mn-ea"/>
+        <a:cs typeface="+mn-cs"/>
+      </a:defRPr>
+    </a:lvl9pPr>
+  </p:notesStyle>
+</p:notesMaster>
+</file>
+
+<file path=ppt/notesSlides/notesSlide1.xml><?xml version="1.0" encoding="utf-8"?>
+<p:notes xmlns:a="http://schemas.openxmlformats.org/drawingml/2006/main" xmlns:r="http://schemas.openxmlformats.org/officeDocument/2006/relationships" xmlns:p="http://schemas.openxmlformats.org/presentationml/2006/main">
+  <p:cSld>
+    <p:spTree>
+      <p:nvGrpSpPr>
+        <p:cNvPr id="1" name=""/>
+        <p:cNvGrpSpPr/>
+        <p:nvPr/>
+      </p:nvGrpSpPr>
+      <p:grpSpPr>
+        <a:xfrm>
+          <a:off x="0" y="0"/>
+          <a:ext cx="0" cy="0"/>
+          <a:chOff x="0" y="0"/>
+          <a:chExt cx="0" cy="0"/>
+        </a:xfrm>
+      </p:grpSpPr>
+      <p:sp>
+        <p:nvSpPr>
+          <p:cNvPr id="2" name="Slide Image Placeholder 1"/>
+          <p:cNvSpPr>
+            <a:spLocks noGrp="1" noRot="1" noChangeAspect="1"/>
+          </p:cNvSpPr>
+          <p:nvPr>
+            <p:ph type="sldImg"/>
+          </p:nvPr>
+        </p:nvSpPr>
+        <p:spPr/>
+      </p:sp>
+      <p:sp>
+        <p:nvSpPr>
+          <p:cNvPr id="3" name="Notes Placeholder 2"/>
+          <p:cNvSpPr>
+            <a:spLocks noGrp="1"/>
+          </p:cNvSpPr>
+          <p:nvPr>
+            <p:ph type="body" idx="1"/>
+          </p:nvPr>
+        </p:nvSpPr>
+        <p:spPr/>
+        <p:txBody>
+          <a:bodyPr/>
+          <a:lstStyle/>
+          <a:p>
+            <a:r>
+              <a:rPr lang="en-US" dirty="0"/>
+              <a:t>FHIR-based Knowledge Representation Specifications</a:t>
+            </a:r>
+          </a:p>
+          <a:p>
+            <a:r>
+              <a:rPr lang="en-US" dirty="0"/>
+              <a:t>This diagram depicts 4 categories of specifications, with representative examples of each category, illustrating how the various pieces can be used together to deliver shareable clinical reasoning artifacts such as quality measures and decision support rules.</a:t>
+            </a:r>
+          </a:p>
+          <a:p>
+            <a:r>
+              <a:rPr lang="en-US" dirty="0"/>
+              <a:t>Along the bottom of the diagram are the foundational standards, including FHIR, with the 5 layers of Foundation, Conformance, Administration, Clinical, and Reasoning, as well as expression language and integration standards including </a:t>
+            </a:r>
+            <a:r>
+              <a:rPr lang="en-US" dirty="0" err="1"/>
+              <a:t>FHIRPath</a:t>
+            </a:r>
+            <a:r>
+              <a:rPr lang="en-US" dirty="0"/>
+              <a:t>, Clinical Quality Language, CDS Hooks, and SMART-on-FHIR.</a:t>
+            </a:r>
+          </a:p>
+          <a:p>
+            <a:r>
+              <a:rPr lang="en-US" dirty="0"/>
+              <a:t>In the middle left are the Model Implementation Guides, typically derived from Administration and Clinical resources such as Patient, Encounter, and </a:t>
+            </a:r>
+            <a:r>
+              <a:rPr lang="en-US" dirty="0" err="1"/>
+              <a:t>MedicationRequest</a:t>
+            </a:r>
+            <a:r>
+              <a:rPr lang="en-US" dirty="0"/>
+              <a:t>. Model IGs are typically built to address a broad range of use cases, focused on a particular target realm or domain.</a:t>
+            </a:r>
+          </a:p>
+          <a:p>
+            <a:r>
+              <a:rPr lang="en-US" dirty="0"/>
+              <a:t>In the middle right are the Specification Implementation Guides, which derive from the FHIR Clinical Reasoning resources to provide implementation guidance and conformance requirements for the creation, distribution, evaluation, and maintenance of shareable clinical knowledge. For example, the Quality Measure IG provides guidance on and conformance requirements for the use of the FHIR Measure and Library resources to create and share clinical quality measures, Data Exchange for Quality Measures (DEQM) provides guidance for reporting quality measures, and the Clinical Practice Guidelines IG (CPG-on-FHIR) demonstrates how to </a:t>
+            </a:r>
+            <a:r>
+              <a:rPr lang="en-US"/>
+              <a:t>build shareable computable </a:t>
+            </a:r>
+            <a:r>
+              <a:rPr lang="en-US" dirty="0"/>
+              <a:t>guideline content.</a:t>
+            </a:r>
+          </a:p>
+          <a:p>
+            <a:r>
+              <a:rPr lang="en-US" dirty="0"/>
+              <a:t>And finally, at the top of the diagram, the Content Implementation Guides are FHIR Implementation Guides, but not necessarily balloted as HL7 standards, rather these use the FHIR publication toolchain to support authoring and distribution, but the content is stewarded by separate authorities such as quality agencies and guideline developers; groups that have their own governance and maintenance policies. For example, the HEDIS IG contains HEDIS quality measures expressed using FHIR Measure and Library resources, and conforming to the Quality Measure IG profiles, while the CDC Opioid Prescribing IG and WHO Antenatal Care IGs contain decision support content to streamline guideline implementation. The content IGs conform to the specification IGs, and typically make use of the model IGs to define content focused on a particular realm.</a:t>
+            </a:r>
+          </a:p>
+          <a:p>
+            <a:endParaRPr lang="en-US" dirty="0"/>
+          </a:p>
+          <a:p>
+            <a:r>
+              <a:rPr lang="en-US" dirty="0"/>
+              <a:t>The Foundation layer of FHIR defines the core data exchange protocol. The Conformance layer defines how resources, profiles, and terminologies are represented and used. The Administration layer defines individuals, locations, organizations, and encounters. The Clinical layer defines clinical information such as observations, medications, procedures, and orders. And the Reasoning layer provides definitional artifacts like plan and activity definitions, libraries, and measures.</a:t>
+            </a:r>
+          </a:p>
+          <a:p>
+            <a:endParaRPr lang="en-US" dirty="0"/>
+          </a:p>
+          <a:p>
+            <a:r>
+              <a:rPr lang="en-US" dirty="0" err="1"/>
+              <a:t>FHIRPath</a:t>
+            </a:r>
+            <a:r>
+              <a:rPr lang="en-US" dirty="0"/>
+              <a:t> is a simple, yet powerful, model-independent expression language that is used extensively throughout FHIR to describe paths to elements on resources, and define invariants on profiles.</a:t>
+            </a:r>
+          </a:p>
+          <a:p>
+            <a:r>
+              <a:rPr lang="en-US" dirty="0"/>
+              <a:t>CQL is a superset of </a:t>
+            </a:r>
+            <a:r>
+              <a:rPr lang="en-US" dirty="0" err="1"/>
+              <a:t>FHIRPath</a:t>
+            </a:r>
+            <a:r>
+              <a:rPr lang="en-US" dirty="0"/>
+              <a:t> that provides an author-friendly format for the description of clinical logic, as well as a machine-friendly format for processing the logic.</a:t>
+            </a:r>
+          </a:p>
+          <a:p>
+            <a:r>
+              <a:rPr lang="en-US" dirty="0"/>
+              <a:t>CDS Hooks is an HL7 standard specification for integrating decision support services with clinical systems. It is primarily focused on provide-facing remote decision support within an EMR.</a:t>
+            </a:r>
+          </a:p>
+          <a:p>
+            <a:r>
+              <a:rPr lang="en-US" dirty="0"/>
+              <a:t>SMART-on-FHIR is an HL7 standard specification for integrating clinical applications into EMRs using FHIR.</a:t>
+            </a:r>
+          </a:p>
+          <a:p>
+            <a:endParaRPr lang="en-US" dirty="0"/>
+          </a:p>
+          <a:p>
+            <a:r>
+              <a:rPr lang="en-US" dirty="0"/>
+              <a:t>International Patient Summary (IPS) is a set of internationally applicable FHIR profiles used to share patient information across international boundaries. As a result, it forms an excellent foundation for expressing universally applicable content guidelines such as the WHO Antenatal Care (WHO ANC).</a:t>
+            </a:r>
+          </a:p>
+          <a:p>
+            <a:r>
+              <a:rPr lang="en-US" dirty="0"/>
+              <a:t>US Core is a set of profiles focused on enabling exchange of the US Clinical Data for Interoperability (US CDI), and is supported by a broad range of EMR vendors within the US.</a:t>
+            </a:r>
+          </a:p>
+          <a:p>
+            <a:r>
+              <a:rPr lang="en-US" dirty="0"/>
+              <a:t>QI Core is a set of profiles that derives from US Core to enable quality improvement use cases such as quality measurement and decision support within the US.</a:t>
+            </a:r>
+          </a:p>
+        </p:txBody>
+      </p:sp>
+      <p:sp>
+        <p:nvSpPr>
+          <p:cNvPr id="4" name="Slide Number Placeholder 3"/>
+          <p:cNvSpPr>
+            <a:spLocks noGrp="1"/>
+          </p:cNvSpPr>
+          <p:nvPr>
+            <p:ph type="sldNum" sz="quarter" idx="5"/>
+          </p:nvPr>
+        </p:nvSpPr>
+        <p:spPr/>
+        <p:txBody>
+          <a:bodyPr/>
+          <a:lstStyle/>
+          <a:p>
+            <a:fld id="{0F200BCC-C81C-427F-BAC9-E9623E22473F}" type="slidenum">
+              <a:rPr lang="en-US" smtClean="0"/>
+              <a:t>5</a:t>
+            </a:fld>
+            <a:endParaRPr lang="en-US"/>
+          </a:p>
+        </p:txBody>
+      </p:sp>
+    </p:spTree>
+    <p:extLst>
+      <p:ext uri="{BB962C8B-B14F-4D97-AF65-F5344CB8AC3E}">
+        <p14:creationId xmlns:p14="http://schemas.microsoft.com/office/powerpoint/2010/main" val="2511664075"/>
+      </p:ext>
+    </p:extLst>
+  </p:cSld>
+  <p:clrMapOvr>
+    <a:masterClrMapping/>
+  </p:clrMapOvr>
+</p:notes>
+</file>
+
 <file path=ppt/slideLayouts/slideLayout1.xml><?xml version="1.0" encoding="utf-8"?>
 <p:sldLayout xmlns:a="http://schemas.openxmlformats.org/drawingml/2006/main" xmlns:r="http://schemas.openxmlformats.org/officeDocument/2006/relationships" xmlns:p="http://schemas.openxmlformats.org/presentationml/2006/main" type="title" preserve="1">
   <p:cSld name="Title Slide">
@@ -266,7 +826,7 @@
           <a:p>
             <a:fld id="{F201E405-9471-4BE3-8A8B-95E639A9EAAC}" type="datetimeFigureOut">
               <a:rPr lang="en-US" smtClean="0"/>
-              <a:t>3/26/2020</a:t>
+              <a:t>8/14/2020</a:t>
             </a:fld>
             <a:endParaRPr lang="en-US"/>
           </a:p>
@@ -464,7 +1024,7 @@
           <a:p>
             <a:fld id="{F201E405-9471-4BE3-8A8B-95E639A9EAAC}" type="datetimeFigureOut">
               <a:rPr lang="en-US" smtClean="0"/>
-              <a:t>3/26/2020</a:t>
+              <a:t>8/14/2020</a:t>
             </a:fld>
             <a:endParaRPr lang="en-US"/>
           </a:p>
@@ -672,7 +1232,7 @@
           <a:p>
             <a:fld id="{F201E405-9471-4BE3-8A8B-95E639A9EAAC}" type="datetimeFigureOut">
               <a:rPr lang="en-US" smtClean="0"/>
-              <a:t>3/26/2020</a:t>
+              <a:t>8/14/2020</a:t>
             </a:fld>
             <a:endParaRPr lang="en-US"/>
           </a:p>
@@ -870,7 +1430,7 @@
           <a:p>
             <a:fld id="{F201E405-9471-4BE3-8A8B-95E639A9EAAC}" type="datetimeFigureOut">
               <a:rPr lang="en-US" smtClean="0"/>
-              <a:t>3/26/2020</a:t>
+              <a:t>8/14/2020</a:t>
             </a:fld>
             <a:endParaRPr lang="en-US"/>
           </a:p>
@@ -1145,7 +1705,7 @@
           <a:p>
             <a:fld id="{F201E405-9471-4BE3-8A8B-95E639A9EAAC}" type="datetimeFigureOut">
               <a:rPr lang="en-US" smtClean="0"/>
-              <a:t>3/26/2020</a:t>
+              <a:t>8/14/2020</a:t>
             </a:fld>
             <a:endParaRPr lang="en-US"/>
           </a:p>
@@ -1410,7 +1970,7 @@
           <a:p>
             <a:fld id="{F201E405-9471-4BE3-8A8B-95E639A9EAAC}" type="datetimeFigureOut">
               <a:rPr lang="en-US" smtClean="0"/>
-              <a:t>3/26/2020</a:t>
+              <a:t>8/14/2020</a:t>
             </a:fld>
             <a:endParaRPr lang="en-US"/>
           </a:p>
@@ -1822,7 +2382,7 @@
           <a:p>
             <a:fld id="{F201E405-9471-4BE3-8A8B-95E639A9EAAC}" type="datetimeFigureOut">
               <a:rPr lang="en-US" smtClean="0"/>
-              <a:t>3/26/2020</a:t>
+              <a:t>8/14/2020</a:t>
             </a:fld>
             <a:endParaRPr lang="en-US"/>
           </a:p>
@@ -1963,7 +2523,7 @@
           <a:p>
             <a:fld id="{F201E405-9471-4BE3-8A8B-95E639A9EAAC}" type="datetimeFigureOut">
               <a:rPr lang="en-US" smtClean="0"/>
-              <a:t>3/26/2020</a:t>
+              <a:t>8/14/2020</a:t>
             </a:fld>
             <a:endParaRPr lang="en-US"/>
           </a:p>
@@ -2076,7 +2636,7 @@
           <a:p>
             <a:fld id="{F201E405-9471-4BE3-8A8B-95E639A9EAAC}" type="datetimeFigureOut">
               <a:rPr lang="en-US" smtClean="0"/>
-              <a:t>3/26/2020</a:t>
+              <a:t>8/14/2020</a:t>
             </a:fld>
             <a:endParaRPr lang="en-US"/>
           </a:p>
@@ -2387,7 +2947,7 @@
           <a:p>
             <a:fld id="{F201E405-9471-4BE3-8A8B-95E639A9EAAC}" type="datetimeFigureOut">
               <a:rPr lang="en-US" smtClean="0"/>
-              <a:t>3/26/2020</a:t>
+              <a:t>8/14/2020</a:t>
             </a:fld>
             <a:endParaRPr lang="en-US"/>
           </a:p>
@@ -2675,7 +3235,7 @@
           <a:p>
             <a:fld id="{F201E405-9471-4BE3-8A8B-95E639A9EAAC}" type="datetimeFigureOut">
               <a:rPr lang="en-US" smtClean="0"/>
-              <a:t>3/26/2020</a:t>
+              <a:t>8/14/2020</a:t>
             </a:fld>
             <a:endParaRPr lang="en-US"/>
           </a:p>
@@ -2916,7 +3476,7 @@
           <a:p>
             <a:fld id="{F201E405-9471-4BE3-8A8B-95E639A9EAAC}" type="datetimeFigureOut">
               <a:rPr lang="en-US" smtClean="0"/>
-              <a:t>3/26/2020</a:t>
+              <a:t>8/14/2020</a:t>
             </a:fld>
             <a:endParaRPr lang="en-US"/>
           </a:p>
@@ -4428,6 +4988,42 @@
           </a:fontRef>
         </p:style>
       </p:cxnSp>
+      <p:pic>
+        <p:nvPicPr>
+          <p:cNvPr id="4" name="Picture 3">
+            <a:extLst>
+              <a:ext uri="{FF2B5EF4-FFF2-40B4-BE49-F238E27FC236}">
+                <a16:creationId xmlns:a16="http://schemas.microsoft.com/office/drawing/2014/main" id="{E0A15FE3-40C3-4CB0-B33B-A98F6FF39733}"/>
+              </a:ext>
+            </a:extLst>
+          </p:cNvPr>
+          <p:cNvPicPr>
+            <a:picLocks noChangeAspect="1"/>
+          </p:cNvPicPr>
+          <p:nvPr/>
+        </p:nvPicPr>
+        <p:blipFill>
+          <a:blip r:embed="rId9">
+            <a:extLst>
+              <a:ext uri="{28A0092B-C50C-407E-A947-70E740481C1C}">
+                <a14:useLocalDpi xmlns:a14="http://schemas.microsoft.com/office/drawing/2010/main" val="0"/>
+              </a:ext>
+            </a:extLst>
+          </a:blip>
+          <a:stretch>
+            <a:fillRect/>
+          </a:stretch>
+        </p:blipFill>
+        <p:spPr>
+          <a:xfrm>
+            <a:off x="0" y="6563030"/>
+            <a:ext cx="1128965" cy="211681"/>
+          </a:xfrm>
+          <a:prstGeom prst="rect">
+            <a:avLst/>
+          </a:prstGeom>
+        </p:spPr>
+      </p:pic>
     </p:spTree>
     <p:extLst>
       <p:ext uri="{BB962C8B-B14F-4D97-AF65-F5344CB8AC3E}">
@@ -5567,7 +6163,7 @@
         </p:nvGrpSpPr>
         <p:grpSpPr>
           <a:xfrm>
-            <a:off x="8409096" y="5265467"/>
+            <a:off x="8685261" y="5745669"/>
             <a:ext cx="1071080" cy="469360"/>
             <a:chOff x="573231" y="6245052"/>
             <a:chExt cx="1071080" cy="469360"/>
@@ -5849,7 +6445,7 @@
         </p:nvGrpSpPr>
         <p:grpSpPr>
           <a:xfrm>
-            <a:off x="7755217" y="4087916"/>
+            <a:off x="8601754" y="2795720"/>
             <a:ext cx="1466490" cy="469360"/>
             <a:chOff x="5446652" y="6210853"/>
             <a:chExt cx="1466490" cy="469360"/>
@@ -6127,7 +6723,7 @@
         </p:nvGrpSpPr>
         <p:grpSpPr>
           <a:xfrm>
-            <a:off x="4575979" y="4393140"/>
+            <a:off x="5007378" y="3667142"/>
             <a:ext cx="1207061" cy="469360"/>
             <a:chOff x="8127101" y="6122756"/>
             <a:chExt cx="1207061" cy="469360"/>
@@ -6266,7 +6862,7 @@
         </p:nvGrpSpPr>
         <p:grpSpPr>
           <a:xfrm>
-            <a:off x="1438680" y="5267744"/>
+            <a:off x="5230796" y="5745669"/>
             <a:ext cx="1068039" cy="469360"/>
             <a:chOff x="2716212" y="6306901"/>
             <a:chExt cx="1068039" cy="469360"/>
@@ -6405,7 +7001,7 @@
         </p:nvGrpSpPr>
         <p:grpSpPr>
           <a:xfrm>
-            <a:off x="4731057" y="3676460"/>
+            <a:off x="4103666" y="3676488"/>
             <a:ext cx="864688" cy="469360"/>
             <a:chOff x="125913" y="5331262"/>
             <a:chExt cx="864688" cy="469360"/>
@@ -6540,2239 +7136,6 @@
         </p:nvGrpSpPr>
         <p:grpSpPr>
           <a:xfrm>
-            <a:off x="6141331" y="3658675"/>
-            <a:ext cx="864688" cy="469360"/>
-            <a:chOff x="125913" y="5331262"/>
-            <a:chExt cx="864688" cy="469360"/>
-          </a:xfrm>
-        </p:grpSpPr>
-        <p:sp>
-          <p:nvSpPr>
-            <p:cNvPr id="85" name="Rectangle: Rounded Corners 84">
-              <a:extLst>
-                <a:ext uri="{FF2B5EF4-FFF2-40B4-BE49-F238E27FC236}">
-                  <a16:creationId xmlns:a16="http://schemas.microsoft.com/office/drawing/2014/main" id="{7498804A-2DF7-4383-B4E5-812BD81917D4}"/>
-                </a:ext>
-              </a:extLst>
-            </p:cNvPr>
-            <p:cNvSpPr/>
-            <p:nvPr/>
-          </p:nvSpPr>
-          <p:spPr>
-            <a:xfrm>
-              <a:off x="125913" y="5331262"/>
-              <a:ext cx="864688" cy="469360"/>
-            </a:xfrm>
-            <a:prstGeom prst="roundRect">
-              <a:avLst/>
-            </a:prstGeom>
-            <a:solidFill>
-              <a:srgbClr val="00B0F0"/>
-            </a:solidFill>
-          </p:spPr>
-          <p:style>
-            <a:lnRef idx="2">
-              <a:schemeClr val="accent1">
-                <a:shade val="50000"/>
-              </a:schemeClr>
-            </a:lnRef>
-            <a:fillRef idx="1">
-              <a:schemeClr val="accent1"/>
-            </a:fillRef>
-            <a:effectRef idx="0">
-              <a:schemeClr val="accent1"/>
-            </a:effectRef>
-            <a:fontRef idx="minor">
-              <a:schemeClr val="lt1"/>
-            </a:fontRef>
-          </p:style>
-          <p:txBody>
-            <a:bodyPr rtlCol="0" anchor="ctr"/>
-            <a:lstStyle/>
-            <a:p>
-              <a:pPr algn="ctr"/>
-              <a:endParaRPr lang="en-US"/>
-            </a:p>
-          </p:txBody>
-        </p:sp>
-        <p:pic>
-          <p:nvPicPr>
-            <p:cNvPr id="86" name="Picture 85">
-              <a:extLst>
-                <a:ext uri="{FF2B5EF4-FFF2-40B4-BE49-F238E27FC236}">
-                  <a16:creationId xmlns:a16="http://schemas.microsoft.com/office/drawing/2014/main" id="{9865AEA2-91A8-42B9-A662-8EB8C72353D6}"/>
-                </a:ext>
-              </a:extLst>
-            </p:cNvPr>
-            <p:cNvPicPr>
-              <a:picLocks noChangeAspect="1"/>
-            </p:cNvPicPr>
-            <p:nvPr/>
-          </p:nvPicPr>
-          <p:blipFill>
-            <a:blip r:embed="rId9"/>
-            <a:stretch>
-              <a:fillRect/>
-            </a:stretch>
-          </p:blipFill>
-          <p:spPr>
-            <a:xfrm>
-              <a:off x="162362" y="5431290"/>
-              <a:ext cx="278075" cy="318157"/>
-            </a:xfrm>
-            <a:prstGeom prst="rect">
-              <a:avLst/>
-            </a:prstGeom>
-          </p:spPr>
-        </p:pic>
-        <p:sp>
-          <p:nvSpPr>
-            <p:cNvPr id="87" name="TextBox 86">
-              <a:extLst>
-                <a:ext uri="{FF2B5EF4-FFF2-40B4-BE49-F238E27FC236}">
-                  <a16:creationId xmlns:a16="http://schemas.microsoft.com/office/drawing/2014/main" id="{9CC302DA-D44C-4915-AF77-58D43E408848}"/>
-                </a:ext>
-              </a:extLst>
-            </p:cNvPr>
-            <p:cNvSpPr txBox="1"/>
-            <p:nvPr/>
-          </p:nvSpPr>
-          <p:spPr>
-            <a:xfrm>
-              <a:off x="373190" y="5405702"/>
-              <a:ext cx="436338" cy="369332"/>
-            </a:xfrm>
-            <a:prstGeom prst="rect">
-              <a:avLst/>
-            </a:prstGeom>
-            <a:noFill/>
-          </p:spPr>
-          <p:txBody>
-            <a:bodyPr wrap="none" rtlCol="0">
-              <a:spAutoFit/>
-            </a:bodyPr>
-            <a:lstStyle/>
-            <a:p>
-              <a:r>
-                <a:rPr lang="en-US" b="1" dirty="0"/>
-                <a:t>CR</a:t>
-              </a:r>
-            </a:p>
-          </p:txBody>
-        </p:sp>
-      </p:grpSp>
-    </p:spTree>
-    <p:extLst>
-      <p:ext uri="{BB962C8B-B14F-4D97-AF65-F5344CB8AC3E}">
-        <p14:creationId xmlns:p14="http://schemas.microsoft.com/office/powerpoint/2010/main" val="3873461575"/>
-      </p:ext>
-    </p:extLst>
-  </p:cSld>
-  <p:clrMapOvr>
-    <a:masterClrMapping/>
-  </p:clrMapOvr>
-</p:sld>
-</file>
-
-<file path=ppt/slides/slide3.xml><?xml version="1.0" encoding="utf-8"?>
-<p:sld xmlns:a="http://schemas.openxmlformats.org/drawingml/2006/main" xmlns:r="http://schemas.openxmlformats.org/officeDocument/2006/relationships" xmlns:p="http://schemas.openxmlformats.org/presentationml/2006/main">
-  <p:cSld>
-    <p:spTree>
-      <p:nvGrpSpPr>
-        <p:cNvPr id="1" name=""/>
-        <p:cNvGrpSpPr/>
-        <p:nvPr/>
-      </p:nvGrpSpPr>
-      <p:grpSpPr>
-        <a:xfrm>
-          <a:off x="0" y="0"/>
-          <a:ext cx="0" cy="0"/>
-          <a:chOff x="0" y="0"/>
-          <a:chExt cx="0" cy="0"/>
-        </a:xfrm>
-      </p:grpSpPr>
-      <p:sp>
-        <p:nvSpPr>
-          <p:cNvPr id="2" name="Title 1">
-            <a:extLst>
-              <a:ext uri="{FF2B5EF4-FFF2-40B4-BE49-F238E27FC236}">
-                <a16:creationId xmlns:a16="http://schemas.microsoft.com/office/drawing/2014/main" id="{8905E8EF-F08A-4697-A0C4-EC1BE5F60C31}"/>
-              </a:ext>
-            </a:extLst>
-          </p:cNvPr>
-          <p:cNvSpPr>
-            <a:spLocks noGrp="1"/>
-          </p:cNvSpPr>
-          <p:nvPr>
-            <p:ph type="title"/>
-          </p:nvPr>
-        </p:nvSpPr>
-        <p:spPr>
-          <a:xfrm>
-            <a:off x="838200" y="365125"/>
-            <a:ext cx="10515600" cy="1325563"/>
-          </a:xfrm>
-        </p:spPr>
-        <p:txBody>
-          <a:bodyPr/>
-          <a:lstStyle/>
-          <a:p>
-            <a:r>
-              <a:rPr lang="en-US" dirty="0"/>
-              <a:t>Quality Improvement Ecosystem</a:t>
-            </a:r>
-          </a:p>
-        </p:txBody>
-      </p:sp>
-      <p:sp>
-        <p:nvSpPr>
-          <p:cNvPr id="56" name="TextBox 55">
-            <a:extLst>
-              <a:ext uri="{FF2B5EF4-FFF2-40B4-BE49-F238E27FC236}">
-                <a16:creationId xmlns:a16="http://schemas.microsoft.com/office/drawing/2014/main" id="{261DBFD1-1BF8-489A-B090-89B99C9A9447}"/>
-              </a:ext>
-            </a:extLst>
-          </p:cNvPr>
-          <p:cNvSpPr txBox="1"/>
-          <p:nvPr/>
-        </p:nvSpPr>
-        <p:spPr>
-          <a:xfrm>
-            <a:off x="1761864" y="2671064"/>
-            <a:ext cx="2169322" cy="830997"/>
-          </a:xfrm>
-          <a:prstGeom prst="rect">
-            <a:avLst/>
-          </a:prstGeom>
-          <a:noFill/>
-        </p:spPr>
-        <p:txBody>
-          <a:bodyPr wrap="square" rtlCol="0">
-            <a:spAutoFit/>
-          </a:bodyPr>
-          <a:lstStyle/>
-          <a:p>
-            <a:pPr algn="ctr"/>
-            <a:r>
-              <a:rPr lang="en-US" sz="1600" b="1" dirty="0"/>
-              <a:t>1. RESEARCH, PAYER &amp; PUBLIC HEALTH SURVEILLANCE</a:t>
-            </a:r>
-          </a:p>
-        </p:txBody>
-      </p:sp>
-      <p:sp>
-        <p:nvSpPr>
-          <p:cNvPr id="57" name="TextBox 56">
-            <a:extLst>
-              <a:ext uri="{FF2B5EF4-FFF2-40B4-BE49-F238E27FC236}">
-                <a16:creationId xmlns:a16="http://schemas.microsoft.com/office/drawing/2014/main" id="{C95949AD-377D-4930-AD53-6A96513F74C8}"/>
-              </a:ext>
-            </a:extLst>
-          </p:cNvPr>
-          <p:cNvSpPr txBox="1"/>
-          <p:nvPr/>
-        </p:nvSpPr>
-        <p:spPr>
-          <a:xfrm>
-            <a:off x="1954641" y="3436310"/>
-            <a:ext cx="1724824" cy="461665"/>
-          </a:xfrm>
-          <a:prstGeom prst="rect">
-            <a:avLst/>
-          </a:prstGeom>
-          <a:noFill/>
-        </p:spPr>
-        <p:txBody>
-          <a:bodyPr wrap="square" rtlCol="0">
-            <a:spAutoFit/>
-          </a:bodyPr>
-          <a:lstStyle/>
-          <a:p>
-            <a:pPr algn="ctr"/>
-            <a:r>
-              <a:rPr lang="en-US" sz="1200" dirty="0">
-                <a:solidFill>
-                  <a:schemeClr val="accent4">
-                    <a:lumMod val="75000"/>
-                  </a:schemeClr>
-                </a:solidFill>
-              </a:rPr>
-              <a:t>What is ACTUALLY happening and why?  </a:t>
-            </a:r>
-          </a:p>
-        </p:txBody>
-      </p:sp>
-      <p:pic>
-        <p:nvPicPr>
-          <p:cNvPr id="58" name="Picture 57">
-            <a:extLst>
-              <a:ext uri="{FF2B5EF4-FFF2-40B4-BE49-F238E27FC236}">
-                <a16:creationId xmlns:a16="http://schemas.microsoft.com/office/drawing/2014/main" id="{64724405-0692-45F9-BED1-D07F151E9136}"/>
-              </a:ext>
-            </a:extLst>
-          </p:cNvPr>
-          <p:cNvPicPr>
-            <a:picLocks noChangeAspect="1"/>
-          </p:cNvPicPr>
-          <p:nvPr/>
-        </p:nvPicPr>
-        <p:blipFill>
-          <a:blip r:embed="rId2" cstate="print">
-            <a:extLst>
-              <a:ext uri="{28A0092B-C50C-407E-A947-70E740481C1C}">
-                <a14:useLocalDpi xmlns:a14="http://schemas.microsoft.com/office/drawing/2010/main" val="0"/>
-              </a:ext>
-            </a:extLst>
-          </a:blip>
-          <a:stretch>
-            <a:fillRect/>
-          </a:stretch>
-        </p:blipFill>
-        <p:spPr>
-          <a:xfrm>
-            <a:off x="2541682" y="1830937"/>
-            <a:ext cx="588485" cy="1023453"/>
-          </a:xfrm>
-          <a:prstGeom prst="rect">
-            <a:avLst/>
-          </a:prstGeom>
-        </p:spPr>
-      </p:pic>
-      <p:sp>
-        <p:nvSpPr>
-          <p:cNvPr id="59" name="TextBox 58">
-            <a:extLst>
-              <a:ext uri="{FF2B5EF4-FFF2-40B4-BE49-F238E27FC236}">
-                <a16:creationId xmlns:a16="http://schemas.microsoft.com/office/drawing/2014/main" id="{4104B11D-EE7E-4AE1-8341-A137E53ED68D}"/>
-              </a:ext>
-            </a:extLst>
-          </p:cNvPr>
-          <p:cNvSpPr txBox="1"/>
-          <p:nvPr/>
-        </p:nvSpPr>
-        <p:spPr>
-          <a:xfrm>
-            <a:off x="4168343" y="2534341"/>
-            <a:ext cx="2081594" cy="769441"/>
-          </a:xfrm>
-          <a:prstGeom prst="rect">
-            <a:avLst/>
-          </a:prstGeom>
-          <a:noFill/>
-        </p:spPr>
-        <p:txBody>
-          <a:bodyPr wrap="square" rtlCol="0">
-            <a:spAutoFit/>
-          </a:bodyPr>
-          <a:lstStyle/>
-          <a:p>
-            <a:pPr algn="ctr"/>
-            <a:r>
-              <a:rPr lang="en-US" sz="1600" b="1" dirty="0"/>
-              <a:t>2. GUIDELINES </a:t>
-            </a:r>
-          </a:p>
-          <a:p>
-            <a:pPr algn="ctr"/>
-            <a:r>
-              <a:rPr lang="en-US" sz="1400" b="1" dirty="0"/>
-              <a:t>(Professional Societies, CDC, etc.)</a:t>
-            </a:r>
-          </a:p>
-        </p:txBody>
-      </p:sp>
-      <p:sp>
-        <p:nvSpPr>
-          <p:cNvPr id="60" name="TextBox 59">
-            <a:extLst>
-              <a:ext uri="{FF2B5EF4-FFF2-40B4-BE49-F238E27FC236}">
-                <a16:creationId xmlns:a16="http://schemas.microsoft.com/office/drawing/2014/main" id="{C9DC7D3E-A723-463D-A6E0-59D84199CF40}"/>
-              </a:ext>
-            </a:extLst>
-          </p:cNvPr>
-          <p:cNvSpPr txBox="1"/>
-          <p:nvPr/>
-        </p:nvSpPr>
-        <p:spPr>
-          <a:xfrm>
-            <a:off x="4125670" y="3216587"/>
-            <a:ext cx="2081595" cy="461665"/>
-          </a:xfrm>
-          <a:prstGeom prst="rect">
-            <a:avLst/>
-          </a:prstGeom>
-          <a:noFill/>
-        </p:spPr>
-        <p:txBody>
-          <a:bodyPr wrap="square" rtlCol="0">
-            <a:spAutoFit/>
-          </a:bodyPr>
-          <a:lstStyle/>
-          <a:p>
-            <a:pPr algn="ctr"/>
-            <a:r>
-              <a:rPr lang="en-US" sz="1200" dirty="0">
-                <a:solidFill>
-                  <a:schemeClr val="accent4">
-                    <a:lumMod val="75000"/>
-                  </a:schemeClr>
-                </a:solidFill>
-              </a:rPr>
-              <a:t>What SHOULD happen. What do we want to happen? </a:t>
-            </a:r>
-          </a:p>
-        </p:txBody>
-      </p:sp>
-      <p:pic>
-        <p:nvPicPr>
-          <p:cNvPr id="61" name="Picture 60">
-            <a:extLst>
-              <a:ext uri="{FF2B5EF4-FFF2-40B4-BE49-F238E27FC236}">
-                <a16:creationId xmlns:a16="http://schemas.microsoft.com/office/drawing/2014/main" id="{274AFC73-6931-4875-BFEB-77E7BCF6A3FD}"/>
-              </a:ext>
-            </a:extLst>
-          </p:cNvPr>
-          <p:cNvPicPr>
-            <a:picLocks noChangeAspect="1"/>
-          </p:cNvPicPr>
-          <p:nvPr/>
-        </p:nvPicPr>
-        <p:blipFill>
-          <a:blip r:embed="rId3" cstate="print">
-            <a:extLst>
-              <a:ext uri="{28A0092B-C50C-407E-A947-70E740481C1C}">
-                <a14:useLocalDpi xmlns:a14="http://schemas.microsoft.com/office/drawing/2010/main" val="0"/>
-              </a:ext>
-            </a:extLst>
-          </a:blip>
-          <a:stretch>
-            <a:fillRect/>
-          </a:stretch>
-        </p:blipFill>
-        <p:spPr>
-          <a:xfrm>
-            <a:off x="4558913" y="1851389"/>
-            <a:ext cx="1236766" cy="695680"/>
-          </a:xfrm>
-          <a:prstGeom prst="rect">
-            <a:avLst/>
-          </a:prstGeom>
-        </p:spPr>
-      </p:pic>
-      <p:sp>
-        <p:nvSpPr>
-          <p:cNvPr id="62" name="TextBox 61">
-            <a:extLst>
-              <a:ext uri="{FF2B5EF4-FFF2-40B4-BE49-F238E27FC236}">
-                <a16:creationId xmlns:a16="http://schemas.microsoft.com/office/drawing/2014/main" id="{DBE5FC02-F7A6-4AB3-BDEA-4BAF9DA6E445}"/>
-              </a:ext>
-            </a:extLst>
-          </p:cNvPr>
-          <p:cNvSpPr txBox="1"/>
-          <p:nvPr/>
-        </p:nvSpPr>
-        <p:spPr>
-          <a:xfrm>
-            <a:off x="3575777" y="5052965"/>
-            <a:ext cx="1552197" cy="338554"/>
-          </a:xfrm>
-          <a:prstGeom prst="rect">
-            <a:avLst/>
-          </a:prstGeom>
-          <a:noFill/>
-        </p:spPr>
-        <p:txBody>
-          <a:bodyPr wrap="square" rtlCol="0">
-            <a:spAutoFit/>
-          </a:bodyPr>
-          <a:lstStyle/>
-          <a:p>
-            <a:pPr algn="r"/>
-            <a:r>
-              <a:rPr lang="en-US" sz="1600" b="1" dirty="0"/>
-              <a:t>6. REPORTING</a:t>
-            </a:r>
-          </a:p>
-        </p:txBody>
-      </p:sp>
-      <p:sp>
-        <p:nvSpPr>
-          <p:cNvPr id="63" name="TextBox 62">
-            <a:extLst>
-              <a:ext uri="{FF2B5EF4-FFF2-40B4-BE49-F238E27FC236}">
-                <a16:creationId xmlns:a16="http://schemas.microsoft.com/office/drawing/2014/main" id="{161602B3-C846-4070-97FD-D963CE4C0945}"/>
-              </a:ext>
-            </a:extLst>
-          </p:cNvPr>
-          <p:cNvSpPr txBox="1"/>
-          <p:nvPr/>
-        </p:nvSpPr>
-        <p:spPr>
-          <a:xfrm>
-            <a:off x="3895630" y="5424304"/>
-            <a:ext cx="1280338" cy="646331"/>
-          </a:xfrm>
-          <a:prstGeom prst="rect">
-            <a:avLst/>
-          </a:prstGeom>
-          <a:noFill/>
-        </p:spPr>
-        <p:txBody>
-          <a:bodyPr wrap="square" rtlCol="0">
-            <a:spAutoFit/>
-          </a:bodyPr>
-          <a:lstStyle/>
-          <a:p>
-            <a:pPr marL="114300" indent="-114300">
-              <a:buFont typeface="Arial" panose="020B0604020202020204" pitchFamily="34" charset="0"/>
-              <a:buChar char="•"/>
-            </a:pPr>
-            <a:r>
-              <a:rPr lang="en-US" sz="1200" dirty="0">
-                <a:solidFill>
-                  <a:schemeClr val="accent4">
-                    <a:lumMod val="75000"/>
-                  </a:schemeClr>
-                </a:solidFill>
-              </a:rPr>
-              <a:t>Public Health </a:t>
-            </a:r>
-          </a:p>
-          <a:p>
-            <a:pPr marL="114300" indent="-114300">
-              <a:buFont typeface="Arial" panose="020B0604020202020204" pitchFamily="34" charset="0"/>
-              <a:buChar char="•"/>
-            </a:pPr>
-            <a:r>
-              <a:rPr lang="en-US" sz="1200" dirty="0">
-                <a:solidFill>
-                  <a:schemeClr val="accent4">
-                    <a:lumMod val="75000"/>
-                  </a:schemeClr>
-                </a:solidFill>
-              </a:rPr>
-              <a:t>Quality</a:t>
-            </a:r>
-          </a:p>
-          <a:p>
-            <a:pPr marL="114300" indent="-114300">
-              <a:buFont typeface="Arial" panose="020B0604020202020204" pitchFamily="34" charset="0"/>
-              <a:buChar char="•"/>
-            </a:pPr>
-            <a:r>
-              <a:rPr lang="en-US" sz="1200" dirty="0">
-                <a:solidFill>
-                  <a:schemeClr val="accent4">
-                    <a:lumMod val="75000"/>
-                  </a:schemeClr>
-                </a:solidFill>
-              </a:rPr>
-              <a:t>Safety</a:t>
-            </a:r>
-          </a:p>
-        </p:txBody>
-      </p:sp>
-      <p:pic>
-        <p:nvPicPr>
-          <p:cNvPr id="64" name="Picture 63">
-            <a:extLst>
-              <a:ext uri="{FF2B5EF4-FFF2-40B4-BE49-F238E27FC236}">
-                <a16:creationId xmlns:a16="http://schemas.microsoft.com/office/drawing/2014/main" id="{7A8AF27A-2010-4102-A1BD-92294BBD5315}"/>
-              </a:ext>
-            </a:extLst>
-          </p:cNvPr>
-          <p:cNvPicPr>
-            <a:picLocks noChangeAspect="1"/>
-          </p:cNvPicPr>
-          <p:nvPr/>
-        </p:nvPicPr>
-        <p:blipFill>
-          <a:blip r:embed="rId4" cstate="print">
-            <a:extLst>
-              <a:ext uri="{28A0092B-C50C-407E-A947-70E740481C1C}">
-                <a14:useLocalDpi xmlns:a14="http://schemas.microsoft.com/office/drawing/2010/main" val="0"/>
-              </a:ext>
-            </a:extLst>
-          </a:blip>
-          <a:stretch>
-            <a:fillRect/>
-          </a:stretch>
-        </p:blipFill>
-        <p:spPr>
-          <a:xfrm>
-            <a:off x="2876878" y="5088364"/>
-            <a:ext cx="1159047" cy="977946"/>
-          </a:xfrm>
-          <a:prstGeom prst="rect">
-            <a:avLst/>
-          </a:prstGeom>
-          <a:noFill/>
-        </p:spPr>
-      </p:pic>
-      <p:sp>
-        <p:nvSpPr>
-          <p:cNvPr id="65" name="TextBox 64">
-            <a:extLst>
-              <a:ext uri="{FF2B5EF4-FFF2-40B4-BE49-F238E27FC236}">
-                <a16:creationId xmlns:a16="http://schemas.microsoft.com/office/drawing/2014/main" id="{DBAA027C-0DFE-4014-B5CA-F0A413B63481}"/>
-              </a:ext>
-            </a:extLst>
-          </p:cNvPr>
-          <p:cNvSpPr txBox="1"/>
-          <p:nvPr/>
-        </p:nvSpPr>
-        <p:spPr>
-          <a:xfrm>
-            <a:off x="7478720" y="1968927"/>
-            <a:ext cx="1236765" cy="830997"/>
-          </a:xfrm>
-          <a:prstGeom prst="rect">
-            <a:avLst/>
-          </a:prstGeom>
-          <a:noFill/>
-        </p:spPr>
-        <p:txBody>
-          <a:bodyPr wrap="square" rtlCol="0">
-            <a:spAutoFit/>
-          </a:bodyPr>
-          <a:lstStyle/>
-          <a:p>
-            <a:r>
-              <a:rPr lang="en-US" sz="1600" b="1" dirty="0"/>
-              <a:t>3. CLINICAL DECISION SUPPORT</a:t>
-            </a:r>
-          </a:p>
-        </p:txBody>
-      </p:sp>
-      <p:sp>
-        <p:nvSpPr>
-          <p:cNvPr id="66" name="TextBox 65">
-            <a:extLst>
-              <a:ext uri="{FF2B5EF4-FFF2-40B4-BE49-F238E27FC236}">
-                <a16:creationId xmlns:a16="http://schemas.microsoft.com/office/drawing/2014/main" id="{D1921C7B-0E2D-462F-9E9A-0C92FCFC828C}"/>
-              </a:ext>
-            </a:extLst>
-          </p:cNvPr>
-          <p:cNvSpPr txBox="1"/>
-          <p:nvPr/>
-        </p:nvSpPr>
-        <p:spPr>
-          <a:xfrm>
-            <a:off x="7498342" y="2739462"/>
-            <a:ext cx="1319859" cy="646331"/>
-          </a:xfrm>
-          <a:prstGeom prst="rect">
-            <a:avLst/>
-          </a:prstGeom>
-          <a:noFill/>
-        </p:spPr>
-        <p:txBody>
-          <a:bodyPr wrap="square" rtlCol="0">
-            <a:spAutoFit/>
-          </a:bodyPr>
-          <a:lstStyle/>
-          <a:p>
-            <a:r>
-              <a:rPr lang="en-US" sz="1200" dirty="0">
-                <a:solidFill>
-                  <a:schemeClr val="accent4">
-                    <a:lumMod val="75000"/>
-                  </a:schemeClr>
-                </a:solidFill>
-              </a:rPr>
-              <a:t>MAKING it happen within local workflow.</a:t>
-            </a:r>
-          </a:p>
-        </p:txBody>
-      </p:sp>
-      <p:pic>
-        <p:nvPicPr>
-          <p:cNvPr id="67" name="Picture 66">
-            <a:extLst>
-              <a:ext uri="{FF2B5EF4-FFF2-40B4-BE49-F238E27FC236}">
-                <a16:creationId xmlns:a16="http://schemas.microsoft.com/office/drawing/2014/main" id="{91C8B2B0-D2AE-4486-9F54-B3416160E4F6}"/>
-              </a:ext>
-            </a:extLst>
-          </p:cNvPr>
-          <p:cNvPicPr>
-            <a:picLocks noChangeAspect="1"/>
-          </p:cNvPicPr>
-          <p:nvPr/>
-        </p:nvPicPr>
-        <p:blipFill>
-          <a:blip r:embed="rId5" cstate="print">
-            <a:extLst>
-              <a:ext uri="{28A0092B-C50C-407E-A947-70E740481C1C}">
-                <a14:useLocalDpi xmlns:a14="http://schemas.microsoft.com/office/drawing/2010/main" val="0"/>
-              </a:ext>
-            </a:extLst>
-          </a:blip>
-          <a:stretch>
-            <a:fillRect/>
-          </a:stretch>
-        </p:blipFill>
-        <p:spPr>
-          <a:xfrm>
-            <a:off x="6738729" y="2248539"/>
-            <a:ext cx="931135" cy="921587"/>
-          </a:xfrm>
-          <a:prstGeom prst="rect">
-            <a:avLst/>
-          </a:prstGeom>
-        </p:spPr>
-      </p:pic>
-      <p:sp>
-        <p:nvSpPr>
-          <p:cNvPr id="68" name="TextBox 67">
-            <a:extLst>
-              <a:ext uri="{FF2B5EF4-FFF2-40B4-BE49-F238E27FC236}">
-                <a16:creationId xmlns:a16="http://schemas.microsoft.com/office/drawing/2014/main" id="{3CE50687-C376-4601-9B8B-5A1BA3FE0696}"/>
-              </a:ext>
-            </a:extLst>
-          </p:cNvPr>
-          <p:cNvSpPr txBox="1"/>
-          <p:nvPr/>
-        </p:nvSpPr>
-        <p:spPr>
-          <a:xfrm>
-            <a:off x="6535300" y="4995574"/>
-            <a:ext cx="2260806" cy="584775"/>
-          </a:xfrm>
-          <a:prstGeom prst="rect">
-            <a:avLst/>
-          </a:prstGeom>
-          <a:noFill/>
-        </p:spPr>
-        <p:txBody>
-          <a:bodyPr wrap="square" rtlCol="0">
-            <a:spAutoFit/>
-          </a:bodyPr>
-          <a:lstStyle/>
-          <a:p>
-            <a:r>
-              <a:rPr lang="en-US" sz="1600" b="1" dirty="0"/>
-              <a:t>5. MEASUREMENT ANALYTICS</a:t>
-            </a:r>
-          </a:p>
-        </p:txBody>
-      </p:sp>
-      <p:sp>
-        <p:nvSpPr>
-          <p:cNvPr id="69" name="TextBox 68">
-            <a:extLst>
-              <a:ext uri="{FF2B5EF4-FFF2-40B4-BE49-F238E27FC236}">
-                <a16:creationId xmlns:a16="http://schemas.microsoft.com/office/drawing/2014/main" id="{EEFB8484-5220-4F95-8B3C-1FC563D67F24}"/>
-              </a:ext>
-            </a:extLst>
-          </p:cNvPr>
-          <p:cNvSpPr txBox="1"/>
-          <p:nvPr/>
-        </p:nvSpPr>
-        <p:spPr>
-          <a:xfrm>
-            <a:off x="6535300" y="5560516"/>
-            <a:ext cx="1963746" cy="646331"/>
-          </a:xfrm>
-          <a:prstGeom prst="rect">
-            <a:avLst/>
-          </a:prstGeom>
-          <a:noFill/>
-        </p:spPr>
-        <p:txBody>
-          <a:bodyPr wrap="square" rtlCol="0">
-            <a:spAutoFit/>
-          </a:bodyPr>
-          <a:lstStyle/>
-          <a:p>
-            <a:r>
-              <a:rPr lang="en-US" sz="1200" dirty="0">
-                <a:solidFill>
-                  <a:schemeClr val="accent4">
-                    <a:lumMod val="75000"/>
-                  </a:schemeClr>
-                </a:solidFill>
-              </a:rPr>
-              <a:t>What DID happen? What processes and outcomes have been achieved? </a:t>
-            </a:r>
-          </a:p>
-        </p:txBody>
-      </p:sp>
-      <p:pic>
-        <p:nvPicPr>
-          <p:cNvPr id="70" name="Picture 69">
-            <a:extLst>
-              <a:ext uri="{FF2B5EF4-FFF2-40B4-BE49-F238E27FC236}">
-                <a16:creationId xmlns:a16="http://schemas.microsoft.com/office/drawing/2014/main" id="{4753B1CA-0350-4457-A4B5-C7EF9B25838D}"/>
-              </a:ext>
-            </a:extLst>
-          </p:cNvPr>
-          <p:cNvPicPr>
-            <a:picLocks noChangeAspect="1"/>
-          </p:cNvPicPr>
-          <p:nvPr/>
-        </p:nvPicPr>
-        <p:blipFill>
-          <a:blip r:embed="rId6" cstate="print">
-            <a:extLst>
-              <a:ext uri="{28A0092B-C50C-407E-A947-70E740481C1C}">
-                <a14:useLocalDpi xmlns:a14="http://schemas.microsoft.com/office/drawing/2010/main" val="0"/>
-              </a:ext>
-            </a:extLst>
-          </a:blip>
-          <a:stretch>
-            <a:fillRect/>
-          </a:stretch>
-        </p:blipFill>
-        <p:spPr>
-          <a:xfrm>
-            <a:off x="6833688" y="4425329"/>
-            <a:ext cx="921529" cy="633552"/>
-          </a:xfrm>
-          <a:prstGeom prst="rect">
-            <a:avLst/>
-          </a:prstGeom>
-        </p:spPr>
-      </p:pic>
-      <p:cxnSp>
-        <p:nvCxnSpPr>
-          <p:cNvPr id="71" name="Straight Arrow Connector 70">
-            <a:extLst>
-              <a:ext uri="{FF2B5EF4-FFF2-40B4-BE49-F238E27FC236}">
-                <a16:creationId xmlns:a16="http://schemas.microsoft.com/office/drawing/2014/main" id="{E44011DC-41D1-490F-BA09-67C42C7AC1D3}"/>
-              </a:ext>
-            </a:extLst>
-          </p:cNvPr>
-          <p:cNvCxnSpPr>
-            <a:cxnSpLocks/>
-          </p:cNvCxnSpPr>
-          <p:nvPr/>
-        </p:nvCxnSpPr>
-        <p:spPr>
-          <a:xfrm>
-            <a:off x="3448616" y="2215217"/>
-            <a:ext cx="945223" cy="0"/>
-          </a:xfrm>
-          <a:prstGeom prst="straightConnector1">
-            <a:avLst/>
-          </a:prstGeom>
-          <a:ln w="79375">
-            <a:solidFill>
-              <a:schemeClr val="bg2">
-                <a:lumMod val="50000"/>
-              </a:schemeClr>
-            </a:solidFill>
-            <a:tailEnd type="triangle"/>
-          </a:ln>
-        </p:spPr>
-        <p:style>
-          <a:lnRef idx="1">
-            <a:schemeClr val="accent1"/>
-          </a:lnRef>
-          <a:fillRef idx="0">
-            <a:schemeClr val="accent1"/>
-          </a:fillRef>
-          <a:effectRef idx="0">
-            <a:schemeClr val="accent1"/>
-          </a:effectRef>
-          <a:fontRef idx="minor">
-            <a:schemeClr val="tx1"/>
-          </a:fontRef>
-        </p:style>
-      </p:cxnSp>
-      <p:cxnSp>
-        <p:nvCxnSpPr>
-          <p:cNvPr id="72" name="Straight Arrow Connector 71">
-            <a:extLst>
-              <a:ext uri="{FF2B5EF4-FFF2-40B4-BE49-F238E27FC236}">
-                <a16:creationId xmlns:a16="http://schemas.microsoft.com/office/drawing/2014/main" id="{0FAA7D3F-C064-4138-9A1C-D9D019AC1236}"/>
-              </a:ext>
-            </a:extLst>
-          </p:cNvPr>
-          <p:cNvCxnSpPr/>
-          <p:nvPr/>
-        </p:nvCxnSpPr>
-        <p:spPr>
-          <a:xfrm>
-            <a:off x="6109152" y="2215217"/>
-            <a:ext cx="713996" cy="0"/>
-          </a:xfrm>
-          <a:prstGeom prst="straightConnector1">
-            <a:avLst/>
-          </a:prstGeom>
-          <a:ln w="79375">
-            <a:solidFill>
-              <a:schemeClr val="bg2">
-                <a:lumMod val="50000"/>
-              </a:schemeClr>
-            </a:solidFill>
-            <a:tailEnd type="triangle"/>
-          </a:ln>
-        </p:spPr>
-        <p:style>
-          <a:lnRef idx="1">
-            <a:schemeClr val="accent1"/>
-          </a:lnRef>
-          <a:fillRef idx="0">
-            <a:schemeClr val="accent1"/>
-          </a:fillRef>
-          <a:effectRef idx="0">
-            <a:schemeClr val="accent1"/>
-          </a:effectRef>
-          <a:fontRef idx="minor">
-            <a:schemeClr val="tx1"/>
-          </a:fontRef>
-        </p:style>
-      </p:cxnSp>
-      <p:cxnSp>
-        <p:nvCxnSpPr>
-          <p:cNvPr id="73" name="Straight Arrow Connector 72">
-            <a:extLst>
-              <a:ext uri="{FF2B5EF4-FFF2-40B4-BE49-F238E27FC236}">
-                <a16:creationId xmlns:a16="http://schemas.microsoft.com/office/drawing/2014/main" id="{D992D7D5-E04D-49F8-B187-731275CC4AC7}"/>
-              </a:ext>
-            </a:extLst>
-          </p:cNvPr>
-          <p:cNvCxnSpPr>
-            <a:cxnSpLocks/>
-          </p:cNvCxnSpPr>
-          <p:nvPr/>
-        </p:nvCxnSpPr>
-        <p:spPr>
-          <a:xfrm>
-            <a:off x="7271628" y="3448317"/>
-            <a:ext cx="22825" cy="839617"/>
-          </a:xfrm>
-          <a:prstGeom prst="straightConnector1">
-            <a:avLst/>
-          </a:prstGeom>
-          <a:ln w="79375">
-            <a:solidFill>
-              <a:schemeClr val="bg2">
-                <a:lumMod val="50000"/>
-              </a:schemeClr>
-            </a:solidFill>
-            <a:tailEnd type="triangle"/>
-          </a:ln>
-        </p:spPr>
-        <p:style>
-          <a:lnRef idx="1">
-            <a:schemeClr val="accent1"/>
-          </a:lnRef>
-          <a:fillRef idx="0">
-            <a:schemeClr val="accent1"/>
-          </a:fillRef>
-          <a:effectRef idx="0">
-            <a:schemeClr val="accent1"/>
-          </a:effectRef>
-          <a:fontRef idx="minor">
-            <a:schemeClr val="tx1"/>
-          </a:fontRef>
-        </p:style>
-      </p:cxnSp>
-      <p:cxnSp>
-        <p:nvCxnSpPr>
-          <p:cNvPr id="74" name="Straight Arrow Connector 73">
-            <a:extLst>
-              <a:ext uri="{FF2B5EF4-FFF2-40B4-BE49-F238E27FC236}">
-                <a16:creationId xmlns:a16="http://schemas.microsoft.com/office/drawing/2014/main" id="{D78165D4-A138-4193-AF5D-D24457DE9CCB}"/>
-              </a:ext>
-            </a:extLst>
-          </p:cNvPr>
-          <p:cNvCxnSpPr>
-            <a:cxnSpLocks/>
-          </p:cNvCxnSpPr>
-          <p:nvPr/>
-        </p:nvCxnSpPr>
-        <p:spPr>
-          <a:xfrm flipH="1">
-            <a:off x="5211327" y="5474166"/>
-            <a:ext cx="995938" cy="0"/>
-          </a:xfrm>
-          <a:prstGeom prst="straightConnector1">
-            <a:avLst/>
-          </a:prstGeom>
-          <a:ln w="79375">
-            <a:solidFill>
-              <a:schemeClr val="bg2">
-                <a:lumMod val="50000"/>
-              </a:schemeClr>
-            </a:solidFill>
-            <a:tailEnd type="triangle"/>
-          </a:ln>
-        </p:spPr>
-        <p:style>
-          <a:lnRef idx="1">
-            <a:schemeClr val="accent1"/>
-          </a:lnRef>
-          <a:fillRef idx="0">
-            <a:schemeClr val="accent1"/>
-          </a:fillRef>
-          <a:effectRef idx="0">
-            <a:schemeClr val="accent1"/>
-          </a:effectRef>
-          <a:fontRef idx="minor">
-            <a:schemeClr val="tx1"/>
-          </a:fontRef>
-        </p:style>
-      </p:cxnSp>
-      <p:cxnSp>
-        <p:nvCxnSpPr>
-          <p:cNvPr id="75" name="Elbow Connector 18">
-            <a:extLst>
-              <a:ext uri="{FF2B5EF4-FFF2-40B4-BE49-F238E27FC236}">
-                <a16:creationId xmlns:a16="http://schemas.microsoft.com/office/drawing/2014/main" id="{D79B4200-7CD5-45C4-B92D-9A503944590E}"/>
-              </a:ext>
-            </a:extLst>
-          </p:cNvPr>
-          <p:cNvCxnSpPr>
-            <a:cxnSpLocks/>
-            <a:stCxn id="64" idx="1"/>
-          </p:cNvCxnSpPr>
-          <p:nvPr/>
-        </p:nvCxnSpPr>
-        <p:spPr>
-          <a:xfrm rot="10800000">
-            <a:off x="2530730" y="4083981"/>
-            <a:ext cx="346148" cy="1493356"/>
-          </a:xfrm>
-          <a:prstGeom prst="bentConnector2">
-            <a:avLst/>
-          </a:prstGeom>
-          <a:ln w="79375">
-            <a:solidFill>
-              <a:schemeClr val="bg2">
-                <a:lumMod val="50000"/>
-              </a:schemeClr>
-            </a:solidFill>
-            <a:tailEnd type="triangle"/>
-          </a:ln>
-        </p:spPr>
-        <p:style>
-          <a:lnRef idx="1">
-            <a:schemeClr val="accent1"/>
-          </a:lnRef>
-          <a:fillRef idx="0">
-            <a:schemeClr val="accent1"/>
-          </a:fillRef>
-          <a:effectRef idx="0">
-            <a:schemeClr val="accent1"/>
-          </a:effectRef>
-          <a:fontRef idx="minor">
-            <a:schemeClr val="tx1"/>
-          </a:fontRef>
-        </p:style>
-      </p:cxnSp>
-      <p:sp>
-        <p:nvSpPr>
-          <p:cNvPr id="76" name="TextBox 75">
-            <a:extLst>
-              <a:ext uri="{FF2B5EF4-FFF2-40B4-BE49-F238E27FC236}">
-                <a16:creationId xmlns:a16="http://schemas.microsoft.com/office/drawing/2014/main" id="{370B4891-0C3B-4104-BE87-B059463F0E7A}"/>
-              </a:ext>
-            </a:extLst>
-          </p:cNvPr>
-          <p:cNvSpPr txBox="1"/>
-          <p:nvPr/>
-        </p:nvSpPr>
-        <p:spPr>
-          <a:xfrm>
-            <a:off x="4148867" y="4150502"/>
-            <a:ext cx="2712115" cy="200055"/>
-          </a:xfrm>
-          <a:prstGeom prst="rect">
-            <a:avLst/>
-          </a:prstGeom>
-          <a:noFill/>
-        </p:spPr>
-        <p:txBody>
-          <a:bodyPr wrap="square" lIns="0" tIns="0" rIns="0" bIns="0" rtlCol="0">
-            <a:spAutoFit/>
-          </a:bodyPr>
-          <a:lstStyle/>
-          <a:p>
-            <a:r>
-              <a:rPr lang="en-US" sz="1300" dirty="0"/>
-              <a:t>Patient, provider, population, public</a:t>
-            </a:r>
-          </a:p>
-        </p:txBody>
-      </p:sp>
-      <p:pic>
-        <p:nvPicPr>
-          <p:cNvPr id="77" name="Picture 76">
-            <a:extLst>
-              <a:ext uri="{FF2B5EF4-FFF2-40B4-BE49-F238E27FC236}">
-                <a16:creationId xmlns:a16="http://schemas.microsoft.com/office/drawing/2014/main" id="{99ABF394-C9F9-4928-83F6-9560E2BFBEE9}"/>
-              </a:ext>
-            </a:extLst>
-          </p:cNvPr>
-          <p:cNvPicPr>
-            <a:picLocks noChangeAspect="1"/>
-          </p:cNvPicPr>
-          <p:nvPr/>
-        </p:nvPicPr>
-        <p:blipFill>
-          <a:blip r:embed="rId7"/>
-          <a:stretch>
-            <a:fillRect/>
-          </a:stretch>
-        </p:blipFill>
-        <p:spPr>
-          <a:xfrm>
-            <a:off x="3369499" y="3935399"/>
-            <a:ext cx="799655" cy="649320"/>
-          </a:xfrm>
-          <a:prstGeom prst="rect">
-            <a:avLst/>
-          </a:prstGeom>
-        </p:spPr>
-      </p:pic>
-      <p:sp>
-        <p:nvSpPr>
-          <p:cNvPr id="78" name="TextBox 77">
-            <a:extLst>
-              <a:ext uri="{FF2B5EF4-FFF2-40B4-BE49-F238E27FC236}">
-                <a16:creationId xmlns:a16="http://schemas.microsoft.com/office/drawing/2014/main" id="{57203055-5D7B-43D8-84F9-29C07B8B15BF}"/>
-              </a:ext>
-            </a:extLst>
-          </p:cNvPr>
-          <p:cNvSpPr txBox="1"/>
-          <p:nvPr/>
-        </p:nvSpPr>
-        <p:spPr>
-          <a:xfrm>
-            <a:off x="8926132" y="3392932"/>
-            <a:ext cx="1193912" cy="584775"/>
-          </a:xfrm>
-          <a:prstGeom prst="rect">
-            <a:avLst/>
-          </a:prstGeom>
-          <a:noFill/>
-        </p:spPr>
-        <p:txBody>
-          <a:bodyPr wrap="square" rtlCol="0">
-            <a:spAutoFit/>
-          </a:bodyPr>
-          <a:lstStyle/>
-          <a:p>
-            <a:r>
-              <a:rPr lang="en-US" sz="1600" b="1" dirty="0"/>
-              <a:t>4. CLINICAL CARE</a:t>
-            </a:r>
-          </a:p>
-        </p:txBody>
-      </p:sp>
-      <p:sp>
-        <p:nvSpPr>
-          <p:cNvPr id="79" name="TextBox 78">
-            <a:extLst>
-              <a:ext uri="{FF2B5EF4-FFF2-40B4-BE49-F238E27FC236}">
-                <a16:creationId xmlns:a16="http://schemas.microsoft.com/office/drawing/2014/main" id="{0EDCC91C-3311-45D7-86E9-F6A488903631}"/>
-              </a:ext>
-            </a:extLst>
-          </p:cNvPr>
-          <p:cNvSpPr txBox="1"/>
-          <p:nvPr/>
-        </p:nvSpPr>
-        <p:spPr>
-          <a:xfrm>
-            <a:off x="8986176" y="3860931"/>
-            <a:ext cx="1342467" cy="461665"/>
-          </a:xfrm>
-          <a:prstGeom prst="rect">
-            <a:avLst/>
-          </a:prstGeom>
-          <a:noFill/>
-        </p:spPr>
-        <p:txBody>
-          <a:bodyPr wrap="square" rtlCol="0">
-            <a:spAutoFit/>
-          </a:bodyPr>
-          <a:lstStyle/>
-          <a:p>
-            <a:r>
-              <a:rPr lang="en-US" sz="1200" dirty="0">
-                <a:solidFill>
-                  <a:schemeClr val="accent4">
-                    <a:lumMod val="75000"/>
-                  </a:schemeClr>
-                </a:solidFill>
-              </a:rPr>
-              <a:t>Clinician and Patient Workflow.</a:t>
-            </a:r>
-          </a:p>
-        </p:txBody>
-      </p:sp>
-      <p:pic>
-        <p:nvPicPr>
-          <p:cNvPr id="80" name="Picture 79">
-            <a:extLst>
-              <a:ext uri="{FF2B5EF4-FFF2-40B4-BE49-F238E27FC236}">
-                <a16:creationId xmlns:a16="http://schemas.microsoft.com/office/drawing/2014/main" id="{0850B545-2EA6-4588-A007-541A6AE93967}"/>
-              </a:ext>
-            </a:extLst>
-          </p:cNvPr>
-          <p:cNvPicPr>
-            <a:picLocks noChangeAspect="1"/>
-          </p:cNvPicPr>
-          <p:nvPr/>
-        </p:nvPicPr>
-        <p:blipFill>
-          <a:blip r:embed="rId8" cstate="print">
-            <a:extLst>
-              <a:ext uri="{28A0092B-C50C-407E-A947-70E740481C1C}">
-                <a14:useLocalDpi xmlns:a14="http://schemas.microsoft.com/office/drawing/2010/main" val="0"/>
-              </a:ext>
-            </a:extLst>
-          </a:blip>
-          <a:stretch>
-            <a:fillRect/>
-          </a:stretch>
-        </p:blipFill>
-        <p:spPr>
-          <a:xfrm>
-            <a:off x="8063194" y="3570362"/>
-            <a:ext cx="1045989" cy="634131"/>
-          </a:xfrm>
-          <a:prstGeom prst="rect">
-            <a:avLst/>
-          </a:prstGeom>
-        </p:spPr>
-      </p:pic>
-      <p:cxnSp>
-        <p:nvCxnSpPr>
-          <p:cNvPr id="81" name="Straight Arrow Connector 80">
-            <a:extLst>
-              <a:ext uri="{FF2B5EF4-FFF2-40B4-BE49-F238E27FC236}">
-                <a16:creationId xmlns:a16="http://schemas.microsoft.com/office/drawing/2014/main" id="{75DF8450-2378-4191-983D-EFB42DE54D36}"/>
-              </a:ext>
-            </a:extLst>
-          </p:cNvPr>
-          <p:cNvCxnSpPr>
-            <a:cxnSpLocks/>
-          </p:cNvCxnSpPr>
-          <p:nvPr/>
-        </p:nvCxnSpPr>
-        <p:spPr>
-          <a:xfrm flipH="1">
-            <a:off x="7441738" y="3808431"/>
-            <a:ext cx="658036" cy="0"/>
-          </a:xfrm>
-          <a:prstGeom prst="straightConnector1">
-            <a:avLst/>
-          </a:prstGeom>
-          <a:ln w="60325">
-            <a:solidFill>
-              <a:schemeClr val="bg2">
-                <a:lumMod val="75000"/>
-              </a:schemeClr>
-            </a:solidFill>
-            <a:headEnd type="triangle"/>
-            <a:tailEnd type="triangle"/>
-          </a:ln>
-        </p:spPr>
-        <p:style>
-          <a:lnRef idx="1">
-            <a:schemeClr val="accent1"/>
-          </a:lnRef>
-          <a:fillRef idx="0">
-            <a:schemeClr val="accent1"/>
-          </a:fillRef>
-          <a:effectRef idx="0">
-            <a:schemeClr val="accent1"/>
-          </a:effectRef>
-          <a:fontRef idx="minor">
-            <a:schemeClr val="tx1"/>
-          </a:fontRef>
-        </p:style>
-      </p:cxnSp>
-      <p:grpSp>
-        <p:nvGrpSpPr>
-          <p:cNvPr id="30" name="Group 29">
-            <a:extLst>
-              <a:ext uri="{FF2B5EF4-FFF2-40B4-BE49-F238E27FC236}">
-                <a16:creationId xmlns:a16="http://schemas.microsoft.com/office/drawing/2014/main" id="{11859A90-D428-4C9A-B69D-2716BF187A9B}"/>
-              </a:ext>
-            </a:extLst>
-          </p:cNvPr>
-          <p:cNvGrpSpPr/>
-          <p:nvPr/>
-        </p:nvGrpSpPr>
-        <p:grpSpPr>
-          <a:xfrm>
-            <a:off x="8685261" y="5745669"/>
-            <a:ext cx="1071080" cy="469360"/>
-            <a:chOff x="573231" y="6245052"/>
-            <a:chExt cx="1071080" cy="469360"/>
-          </a:xfrm>
-        </p:grpSpPr>
-        <p:sp>
-          <p:nvSpPr>
-            <p:cNvPr id="31" name="Rectangle: Rounded Corners 30">
-              <a:extLst>
-                <a:ext uri="{FF2B5EF4-FFF2-40B4-BE49-F238E27FC236}">
-                  <a16:creationId xmlns:a16="http://schemas.microsoft.com/office/drawing/2014/main" id="{D8B556D5-2842-4BED-9559-E68D556A161E}"/>
-                </a:ext>
-              </a:extLst>
-            </p:cNvPr>
-            <p:cNvSpPr/>
-            <p:nvPr/>
-          </p:nvSpPr>
-          <p:spPr>
-            <a:xfrm>
-              <a:off x="573231" y="6245052"/>
-              <a:ext cx="1071080" cy="469360"/>
-            </a:xfrm>
-            <a:prstGeom prst="roundRect">
-              <a:avLst/>
-            </a:prstGeom>
-            <a:solidFill>
-              <a:srgbClr val="7030A0"/>
-            </a:solidFill>
-          </p:spPr>
-          <p:style>
-            <a:lnRef idx="2">
-              <a:schemeClr val="accent1">
-                <a:shade val="50000"/>
-              </a:schemeClr>
-            </a:lnRef>
-            <a:fillRef idx="1">
-              <a:schemeClr val="accent1"/>
-            </a:fillRef>
-            <a:effectRef idx="0">
-              <a:schemeClr val="accent1"/>
-            </a:effectRef>
-            <a:fontRef idx="minor">
-              <a:schemeClr val="lt1"/>
-            </a:fontRef>
-          </p:style>
-          <p:txBody>
-            <a:bodyPr rtlCol="0" anchor="ctr"/>
-            <a:lstStyle/>
-            <a:p>
-              <a:pPr algn="ctr"/>
-              <a:endParaRPr lang="en-US"/>
-            </a:p>
-          </p:txBody>
-        </p:sp>
-        <p:pic>
-          <p:nvPicPr>
-            <p:cNvPr id="32" name="Picture 31">
-              <a:extLst>
-                <a:ext uri="{FF2B5EF4-FFF2-40B4-BE49-F238E27FC236}">
-                  <a16:creationId xmlns:a16="http://schemas.microsoft.com/office/drawing/2014/main" id="{CBE7FC7B-9D0F-4D9A-960A-04BB633A8756}"/>
-                </a:ext>
-              </a:extLst>
-            </p:cNvPr>
-            <p:cNvPicPr>
-              <a:picLocks noChangeAspect="1"/>
-            </p:cNvPicPr>
-            <p:nvPr/>
-          </p:nvPicPr>
-          <p:blipFill>
-            <a:blip r:embed="rId9"/>
-            <a:stretch>
-              <a:fillRect/>
-            </a:stretch>
-          </p:blipFill>
-          <p:spPr>
-            <a:xfrm>
-              <a:off x="626852" y="6333797"/>
-              <a:ext cx="278075" cy="318157"/>
-            </a:xfrm>
-            <a:prstGeom prst="rect">
-              <a:avLst/>
-            </a:prstGeom>
-          </p:spPr>
-        </p:pic>
-        <p:sp>
-          <p:nvSpPr>
-            <p:cNvPr id="33" name="TextBox 32">
-              <a:extLst>
-                <a:ext uri="{FF2B5EF4-FFF2-40B4-BE49-F238E27FC236}">
-                  <a16:creationId xmlns:a16="http://schemas.microsoft.com/office/drawing/2014/main" id="{7382C399-B4E6-4106-B0BE-D5908E1020C2}"/>
-                </a:ext>
-              </a:extLst>
-            </p:cNvPr>
-            <p:cNvSpPr txBox="1"/>
-            <p:nvPr/>
-          </p:nvSpPr>
-          <p:spPr>
-            <a:xfrm>
-              <a:off x="837680" y="6308209"/>
-              <a:ext cx="806631" cy="369332"/>
-            </a:xfrm>
-            <a:prstGeom prst="rect">
-              <a:avLst/>
-            </a:prstGeom>
-            <a:noFill/>
-          </p:spPr>
-          <p:txBody>
-            <a:bodyPr wrap="none" rtlCol="0">
-              <a:spAutoFit/>
-            </a:bodyPr>
-            <a:lstStyle/>
-            <a:p>
-              <a:r>
-                <a:rPr lang="en-US" b="1" dirty="0">
-                  <a:solidFill>
-                    <a:schemeClr val="bg1"/>
-                  </a:solidFill>
-                </a:rPr>
-                <a:t>QM IG</a:t>
-              </a:r>
-            </a:p>
-          </p:txBody>
-        </p:sp>
-      </p:grpSp>
-      <p:grpSp>
-        <p:nvGrpSpPr>
-          <p:cNvPr id="34" name="Group 33">
-            <a:extLst>
-              <a:ext uri="{FF2B5EF4-FFF2-40B4-BE49-F238E27FC236}">
-                <a16:creationId xmlns:a16="http://schemas.microsoft.com/office/drawing/2014/main" id="{3FC7E7CF-5574-41F5-AB77-B435712FA1BD}"/>
-              </a:ext>
-            </a:extLst>
-          </p:cNvPr>
-          <p:cNvGrpSpPr/>
-          <p:nvPr/>
-        </p:nvGrpSpPr>
-        <p:grpSpPr>
-          <a:xfrm>
-            <a:off x="6207265" y="1452941"/>
-            <a:ext cx="1140877" cy="469360"/>
-            <a:chOff x="189466" y="3622532"/>
-            <a:chExt cx="1140877" cy="469360"/>
-          </a:xfrm>
-        </p:grpSpPr>
-        <p:sp>
-          <p:nvSpPr>
-            <p:cNvPr id="35" name="Rectangle: Rounded Corners 34">
-              <a:extLst>
-                <a:ext uri="{FF2B5EF4-FFF2-40B4-BE49-F238E27FC236}">
-                  <a16:creationId xmlns:a16="http://schemas.microsoft.com/office/drawing/2014/main" id="{107E568F-812A-429D-A3A9-1B5A3DF26E7B}"/>
-                </a:ext>
-              </a:extLst>
-            </p:cNvPr>
-            <p:cNvSpPr/>
-            <p:nvPr/>
-          </p:nvSpPr>
-          <p:spPr>
-            <a:xfrm>
-              <a:off x="189466" y="3622532"/>
-              <a:ext cx="1083966" cy="469360"/>
-            </a:xfrm>
-            <a:prstGeom prst="roundRect">
-              <a:avLst/>
-            </a:prstGeom>
-            <a:solidFill>
-              <a:srgbClr val="00B0F0"/>
-            </a:solidFill>
-          </p:spPr>
-          <p:style>
-            <a:lnRef idx="2">
-              <a:schemeClr val="accent1">
-                <a:shade val="50000"/>
-              </a:schemeClr>
-            </a:lnRef>
-            <a:fillRef idx="1">
-              <a:schemeClr val="accent1"/>
-            </a:fillRef>
-            <a:effectRef idx="0">
-              <a:schemeClr val="accent1"/>
-            </a:effectRef>
-            <a:fontRef idx="minor">
-              <a:schemeClr val="lt1"/>
-            </a:fontRef>
-          </p:style>
-          <p:txBody>
-            <a:bodyPr rtlCol="0" anchor="ctr"/>
-            <a:lstStyle/>
-            <a:p>
-              <a:pPr algn="ctr"/>
-              <a:endParaRPr lang="en-US"/>
-            </a:p>
-          </p:txBody>
-        </p:sp>
-        <p:pic>
-          <p:nvPicPr>
-            <p:cNvPr id="36" name="Picture 35">
-              <a:extLst>
-                <a:ext uri="{FF2B5EF4-FFF2-40B4-BE49-F238E27FC236}">
-                  <a16:creationId xmlns:a16="http://schemas.microsoft.com/office/drawing/2014/main" id="{821C6E45-888A-4D65-B397-7A4936F3C94D}"/>
-                </a:ext>
-              </a:extLst>
-            </p:cNvPr>
-            <p:cNvPicPr>
-              <a:picLocks noChangeAspect="1"/>
-            </p:cNvPicPr>
-            <p:nvPr/>
-          </p:nvPicPr>
-          <p:blipFill>
-            <a:blip r:embed="rId9"/>
-            <a:stretch>
-              <a:fillRect/>
-            </a:stretch>
-          </p:blipFill>
-          <p:spPr>
-            <a:xfrm>
-              <a:off x="280824" y="3699630"/>
-              <a:ext cx="278075" cy="318157"/>
-            </a:xfrm>
-            <a:prstGeom prst="rect">
-              <a:avLst/>
-            </a:prstGeom>
-            <a:solidFill>
-              <a:schemeClr val="accent1"/>
-            </a:solidFill>
-            <a:ln>
-              <a:solidFill>
-                <a:schemeClr val="bg1"/>
-              </a:solidFill>
-            </a:ln>
-          </p:spPr>
-        </p:pic>
-        <p:sp>
-          <p:nvSpPr>
-            <p:cNvPr id="37" name="TextBox 36">
-              <a:extLst>
-                <a:ext uri="{FF2B5EF4-FFF2-40B4-BE49-F238E27FC236}">
-                  <a16:creationId xmlns:a16="http://schemas.microsoft.com/office/drawing/2014/main" id="{1391EC3C-98AB-4204-A324-C916F1DBBE8E}"/>
-                </a:ext>
-              </a:extLst>
-            </p:cNvPr>
-            <p:cNvSpPr txBox="1"/>
-            <p:nvPr/>
-          </p:nvSpPr>
-          <p:spPr>
-            <a:xfrm>
-              <a:off x="491652" y="3674042"/>
-              <a:ext cx="838691" cy="369332"/>
-            </a:xfrm>
-            <a:prstGeom prst="rect">
-              <a:avLst/>
-            </a:prstGeom>
-            <a:noFill/>
-          </p:spPr>
-          <p:txBody>
-            <a:bodyPr wrap="none" rtlCol="0">
-              <a:spAutoFit/>
-            </a:bodyPr>
-            <a:lstStyle/>
-            <a:p>
-              <a:r>
-                <a:rPr lang="en-US" b="1" dirty="0"/>
-                <a:t>CPG IG</a:t>
-              </a:r>
-            </a:p>
-          </p:txBody>
-        </p:sp>
-      </p:grpSp>
-      <p:grpSp>
-        <p:nvGrpSpPr>
-          <p:cNvPr id="38" name="Group 37">
-            <a:extLst>
-              <a:ext uri="{FF2B5EF4-FFF2-40B4-BE49-F238E27FC236}">
-                <a16:creationId xmlns:a16="http://schemas.microsoft.com/office/drawing/2014/main" id="{A0D4381E-FE67-4463-BE81-E624698D1533}"/>
-              </a:ext>
-            </a:extLst>
-          </p:cNvPr>
-          <p:cNvGrpSpPr/>
-          <p:nvPr/>
-        </p:nvGrpSpPr>
-        <p:grpSpPr>
-          <a:xfrm>
-            <a:off x="8601754" y="2795720"/>
-            <a:ext cx="1466490" cy="469360"/>
-            <a:chOff x="5446652" y="6210853"/>
-            <a:chExt cx="1466490" cy="469360"/>
-          </a:xfrm>
-        </p:grpSpPr>
-        <p:sp>
-          <p:nvSpPr>
-            <p:cNvPr id="39" name="Rectangle: Rounded Corners 38">
-              <a:extLst>
-                <a:ext uri="{FF2B5EF4-FFF2-40B4-BE49-F238E27FC236}">
-                  <a16:creationId xmlns:a16="http://schemas.microsoft.com/office/drawing/2014/main" id="{FFE67871-21BC-4804-8380-6283678D87C3}"/>
-                </a:ext>
-              </a:extLst>
-            </p:cNvPr>
-            <p:cNvSpPr/>
-            <p:nvPr/>
-          </p:nvSpPr>
-          <p:spPr>
-            <a:xfrm>
-              <a:off x="5446652" y="6210853"/>
-              <a:ext cx="1431837" cy="469360"/>
-            </a:xfrm>
-            <a:prstGeom prst="roundRect">
-              <a:avLst/>
-            </a:prstGeom>
-            <a:solidFill>
-              <a:srgbClr val="00B0F0"/>
-            </a:solidFill>
-          </p:spPr>
-          <p:style>
-            <a:lnRef idx="2">
-              <a:schemeClr val="accent1">
-                <a:shade val="50000"/>
-              </a:schemeClr>
-            </a:lnRef>
-            <a:fillRef idx="1">
-              <a:schemeClr val="accent1"/>
-            </a:fillRef>
-            <a:effectRef idx="0">
-              <a:schemeClr val="accent1"/>
-            </a:effectRef>
-            <a:fontRef idx="minor">
-              <a:schemeClr val="lt1"/>
-            </a:fontRef>
-          </p:style>
-          <p:txBody>
-            <a:bodyPr rtlCol="0" anchor="ctr"/>
-            <a:lstStyle/>
-            <a:p>
-              <a:pPr algn="ctr"/>
-              <a:endParaRPr lang="en-US"/>
-            </a:p>
-          </p:txBody>
-        </p:sp>
-        <p:pic>
-          <p:nvPicPr>
-            <p:cNvPr id="40" name="Picture 39">
-              <a:extLst>
-                <a:ext uri="{FF2B5EF4-FFF2-40B4-BE49-F238E27FC236}">
-                  <a16:creationId xmlns:a16="http://schemas.microsoft.com/office/drawing/2014/main" id="{2E8AF269-F4F4-4E4D-B447-AA1F186F68FC}"/>
-                </a:ext>
-              </a:extLst>
-            </p:cNvPr>
-            <p:cNvPicPr>
-              <a:picLocks noChangeAspect="1"/>
-            </p:cNvPicPr>
-            <p:nvPr/>
-          </p:nvPicPr>
-          <p:blipFill>
-            <a:blip r:embed="rId9"/>
-            <a:stretch>
-              <a:fillRect/>
-            </a:stretch>
-          </p:blipFill>
-          <p:spPr>
-            <a:xfrm>
-              <a:off x="5481305" y="6292628"/>
-              <a:ext cx="278075" cy="318157"/>
-            </a:xfrm>
-            <a:prstGeom prst="rect">
-              <a:avLst/>
-            </a:prstGeom>
-          </p:spPr>
-        </p:pic>
-        <p:sp>
-          <p:nvSpPr>
-            <p:cNvPr id="41" name="TextBox 40">
-              <a:extLst>
-                <a:ext uri="{FF2B5EF4-FFF2-40B4-BE49-F238E27FC236}">
-                  <a16:creationId xmlns:a16="http://schemas.microsoft.com/office/drawing/2014/main" id="{2FD7AFAC-5802-4849-A270-B13534C0DE3D}"/>
-                </a:ext>
-              </a:extLst>
-            </p:cNvPr>
-            <p:cNvSpPr txBox="1"/>
-            <p:nvPr/>
-          </p:nvSpPr>
-          <p:spPr>
-            <a:xfrm>
-              <a:off x="5706080" y="6272683"/>
-              <a:ext cx="1207062" cy="369332"/>
-            </a:xfrm>
-            <a:prstGeom prst="rect">
-              <a:avLst/>
-            </a:prstGeom>
-            <a:noFill/>
-          </p:spPr>
-          <p:txBody>
-            <a:bodyPr wrap="none" rtlCol="0">
-              <a:spAutoFit/>
-            </a:bodyPr>
-            <a:lstStyle/>
-            <a:p>
-              <a:r>
-                <a:rPr lang="en-US" b="1" dirty="0"/>
-                <a:t>CDS Hooks</a:t>
-              </a:r>
-            </a:p>
-          </p:txBody>
-        </p:sp>
-      </p:grpSp>
-      <p:grpSp>
-        <p:nvGrpSpPr>
-          <p:cNvPr id="42" name="Group 41">
-            <a:extLst>
-              <a:ext uri="{FF2B5EF4-FFF2-40B4-BE49-F238E27FC236}">
-                <a16:creationId xmlns:a16="http://schemas.microsoft.com/office/drawing/2014/main" id="{3C91E37C-7EC5-4341-9D2A-1F2A51D59303}"/>
-              </a:ext>
-            </a:extLst>
-          </p:cNvPr>
-          <p:cNvGrpSpPr/>
-          <p:nvPr/>
-        </p:nvGrpSpPr>
-        <p:grpSpPr>
-          <a:xfrm>
-            <a:off x="3418036" y="1452941"/>
-            <a:ext cx="1083966" cy="469360"/>
-            <a:chOff x="189466" y="3622532"/>
-            <a:chExt cx="1083966" cy="469360"/>
-          </a:xfrm>
-        </p:grpSpPr>
-        <p:sp>
-          <p:nvSpPr>
-            <p:cNvPr id="43" name="Rectangle: Rounded Corners 42">
-              <a:extLst>
-                <a:ext uri="{FF2B5EF4-FFF2-40B4-BE49-F238E27FC236}">
-                  <a16:creationId xmlns:a16="http://schemas.microsoft.com/office/drawing/2014/main" id="{4FB2345A-2BA8-41EB-BBB8-B8CCC0023239}"/>
-                </a:ext>
-              </a:extLst>
-            </p:cNvPr>
-            <p:cNvSpPr/>
-            <p:nvPr/>
-          </p:nvSpPr>
-          <p:spPr>
-            <a:xfrm>
-              <a:off x="189466" y="3622532"/>
-              <a:ext cx="1083966" cy="469360"/>
-            </a:xfrm>
-            <a:prstGeom prst="roundRect">
-              <a:avLst/>
-            </a:prstGeom>
-            <a:solidFill>
-              <a:srgbClr val="00B0F0"/>
-            </a:solidFill>
-          </p:spPr>
-          <p:style>
-            <a:lnRef idx="2">
-              <a:schemeClr val="accent1">
-                <a:shade val="50000"/>
-              </a:schemeClr>
-            </a:lnRef>
-            <a:fillRef idx="1">
-              <a:schemeClr val="accent1"/>
-            </a:fillRef>
-            <a:effectRef idx="0">
-              <a:schemeClr val="accent1"/>
-            </a:effectRef>
-            <a:fontRef idx="minor">
-              <a:schemeClr val="lt1"/>
-            </a:fontRef>
-          </p:style>
-          <p:txBody>
-            <a:bodyPr rtlCol="0" anchor="ctr"/>
-            <a:lstStyle/>
-            <a:p>
-              <a:pPr algn="ctr"/>
-              <a:endParaRPr lang="en-US"/>
-            </a:p>
-          </p:txBody>
-        </p:sp>
-        <p:pic>
-          <p:nvPicPr>
-            <p:cNvPr id="44" name="Picture 43">
-              <a:extLst>
-                <a:ext uri="{FF2B5EF4-FFF2-40B4-BE49-F238E27FC236}">
-                  <a16:creationId xmlns:a16="http://schemas.microsoft.com/office/drawing/2014/main" id="{28309C9C-9496-4144-8752-CBB789EAF799}"/>
-                </a:ext>
-              </a:extLst>
-            </p:cNvPr>
-            <p:cNvPicPr>
-              <a:picLocks noChangeAspect="1"/>
-            </p:cNvPicPr>
-            <p:nvPr/>
-          </p:nvPicPr>
-          <p:blipFill>
-            <a:blip r:embed="rId9"/>
-            <a:stretch>
-              <a:fillRect/>
-            </a:stretch>
-          </p:blipFill>
-          <p:spPr>
-            <a:xfrm>
-              <a:off x="280824" y="3699630"/>
-              <a:ext cx="278075" cy="318157"/>
-            </a:xfrm>
-            <a:prstGeom prst="rect">
-              <a:avLst/>
-            </a:prstGeom>
-            <a:solidFill>
-              <a:schemeClr val="accent1"/>
-            </a:solidFill>
-            <a:ln>
-              <a:solidFill>
-                <a:schemeClr val="bg1"/>
-              </a:solidFill>
-            </a:ln>
-          </p:spPr>
-        </p:pic>
-        <p:sp>
-          <p:nvSpPr>
-            <p:cNvPr id="45" name="TextBox 44">
-              <a:extLst>
-                <a:ext uri="{FF2B5EF4-FFF2-40B4-BE49-F238E27FC236}">
-                  <a16:creationId xmlns:a16="http://schemas.microsoft.com/office/drawing/2014/main" id="{0B32677E-B555-4CF9-AF9A-933AEB717F60}"/>
-                </a:ext>
-              </a:extLst>
-            </p:cNvPr>
-            <p:cNvSpPr txBox="1"/>
-            <p:nvPr/>
-          </p:nvSpPr>
-          <p:spPr>
-            <a:xfrm>
-              <a:off x="491652" y="3674042"/>
-              <a:ext cx="628698" cy="369332"/>
-            </a:xfrm>
-            <a:prstGeom prst="rect">
-              <a:avLst/>
-            </a:prstGeom>
-            <a:noFill/>
-          </p:spPr>
-          <p:txBody>
-            <a:bodyPr wrap="none" rtlCol="0">
-              <a:spAutoFit/>
-            </a:bodyPr>
-            <a:lstStyle/>
-            <a:p>
-              <a:r>
-                <a:rPr lang="en-US" b="1" dirty="0"/>
-                <a:t>EBM</a:t>
-              </a:r>
-            </a:p>
-          </p:txBody>
-        </p:sp>
-      </p:grpSp>
-      <p:grpSp>
-        <p:nvGrpSpPr>
-          <p:cNvPr id="46" name="Group 45">
-            <a:extLst>
-              <a:ext uri="{FF2B5EF4-FFF2-40B4-BE49-F238E27FC236}">
-                <a16:creationId xmlns:a16="http://schemas.microsoft.com/office/drawing/2014/main" id="{5BD40F32-1C5C-40EE-A2F5-7870AA41D55D}"/>
-              </a:ext>
-            </a:extLst>
-          </p:cNvPr>
-          <p:cNvGrpSpPr/>
-          <p:nvPr/>
-        </p:nvGrpSpPr>
-        <p:grpSpPr>
-          <a:xfrm>
-            <a:off x="5007378" y="3667142"/>
-            <a:ext cx="1207061" cy="469360"/>
-            <a:chOff x="8127101" y="6122756"/>
-            <a:chExt cx="1207061" cy="469360"/>
-          </a:xfrm>
-        </p:grpSpPr>
-        <p:sp>
-          <p:nvSpPr>
-            <p:cNvPr id="47" name="Rectangle: Rounded Corners 46">
-              <a:extLst>
-                <a:ext uri="{FF2B5EF4-FFF2-40B4-BE49-F238E27FC236}">
-                  <a16:creationId xmlns:a16="http://schemas.microsoft.com/office/drawing/2014/main" id="{6E528DCF-4BDD-4414-81D2-39612F04DBCC}"/>
-                </a:ext>
-              </a:extLst>
-            </p:cNvPr>
-            <p:cNvSpPr/>
-            <p:nvPr/>
-          </p:nvSpPr>
-          <p:spPr>
-            <a:xfrm>
-              <a:off x="8127101" y="6122756"/>
-              <a:ext cx="1207061" cy="469360"/>
-            </a:xfrm>
-            <a:prstGeom prst="roundRect">
-              <a:avLst/>
-            </a:prstGeom>
-            <a:solidFill>
-              <a:srgbClr val="7030A0"/>
-            </a:solidFill>
-          </p:spPr>
-          <p:style>
-            <a:lnRef idx="2">
-              <a:schemeClr val="accent1">
-                <a:shade val="50000"/>
-              </a:schemeClr>
-            </a:lnRef>
-            <a:fillRef idx="1">
-              <a:schemeClr val="accent1"/>
-            </a:fillRef>
-            <a:effectRef idx="0">
-              <a:schemeClr val="accent1"/>
-            </a:effectRef>
-            <a:fontRef idx="minor">
-              <a:schemeClr val="lt1"/>
-            </a:fontRef>
-          </p:style>
-          <p:txBody>
-            <a:bodyPr rtlCol="0" anchor="ctr"/>
-            <a:lstStyle/>
-            <a:p>
-              <a:pPr algn="ctr"/>
-              <a:endParaRPr lang="en-US"/>
-            </a:p>
-          </p:txBody>
-        </p:sp>
-        <p:pic>
-          <p:nvPicPr>
-            <p:cNvPr id="48" name="Picture 47">
-              <a:extLst>
-                <a:ext uri="{FF2B5EF4-FFF2-40B4-BE49-F238E27FC236}">
-                  <a16:creationId xmlns:a16="http://schemas.microsoft.com/office/drawing/2014/main" id="{FE7FFACD-ABEF-43BE-A18E-C391D4CA5041}"/>
-                </a:ext>
-              </a:extLst>
-            </p:cNvPr>
-            <p:cNvPicPr>
-              <a:picLocks noChangeAspect="1"/>
-            </p:cNvPicPr>
-            <p:nvPr/>
-          </p:nvPicPr>
-          <p:blipFill>
-            <a:blip r:embed="rId9"/>
-            <a:stretch>
-              <a:fillRect/>
-            </a:stretch>
-          </p:blipFill>
-          <p:spPr>
-            <a:xfrm>
-              <a:off x="8221454" y="6206857"/>
-              <a:ext cx="278075" cy="318157"/>
-            </a:xfrm>
-            <a:prstGeom prst="rect">
-              <a:avLst/>
-            </a:prstGeom>
-          </p:spPr>
-        </p:pic>
-        <p:sp>
-          <p:nvSpPr>
-            <p:cNvPr id="49" name="TextBox 48">
-              <a:extLst>
-                <a:ext uri="{FF2B5EF4-FFF2-40B4-BE49-F238E27FC236}">
-                  <a16:creationId xmlns:a16="http://schemas.microsoft.com/office/drawing/2014/main" id="{4E472C9F-F56A-4D14-961D-FF610AB2584B}"/>
-                </a:ext>
-              </a:extLst>
-            </p:cNvPr>
-            <p:cNvSpPr txBox="1"/>
-            <p:nvPr/>
-          </p:nvSpPr>
-          <p:spPr>
-            <a:xfrm>
-              <a:off x="8432282" y="6181269"/>
-              <a:ext cx="897040" cy="369332"/>
-            </a:xfrm>
-            <a:prstGeom prst="rect">
-              <a:avLst/>
-            </a:prstGeom>
-            <a:noFill/>
-          </p:spPr>
-          <p:txBody>
-            <a:bodyPr wrap="none" rtlCol="0">
-              <a:spAutoFit/>
-            </a:bodyPr>
-            <a:lstStyle/>
-            <a:p>
-              <a:r>
-                <a:rPr lang="en-US" b="1" dirty="0">
-                  <a:solidFill>
-                    <a:schemeClr val="bg1"/>
-                  </a:solidFill>
-                </a:rPr>
-                <a:t>QI Core</a:t>
-              </a:r>
-            </a:p>
-          </p:txBody>
-        </p:sp>
-      </p:grpSp>
-      <p:grpSp>
-        <p:nvGrpSpPr>
-          <p:cNvPr id="50" name="Group 49">
-            <a:extLst>
-              <a:ext uri="{FF2B5EF4-FFF2-40B4-BE49-F238E27FC236}">
-                <a16:creationId xmlns:a16="http://schemas.microsoft.com/office/drawing/2014/main" id="{9123FF6E-3CDE-4756-83D3-36E504C49533}"/>
-              </a:ext>
-            </a:extLst>
-          </p:cNvPr>
-          <p:cNvGrpSpPr/>
-          <p:nvPr/>
-        </p:nvGrpSpPr>
-        <p:grpSpPr>
-          <a:xfrm>
-            <a:off x="5230796" y="5745669"/>
-            <a:ext cx="1068039" cy="469360"/>
-            <a:chOff x="2716212" y="6306901"/>
-            <a:chExt cx="1068039" cy="469360"/>
-          </a:xfrm>
-        </p:grpSpPr>
-        <p:sp>
-          <p:nvSpPr>
-            <p:cNvPr id="51" name="Rectangle: Rounded Corners 50">
-              <a:extLst>
-                <a:ext uri="{FF2B5EF4-FFF2-40B4-BE49-F238E27FC236}">
-                  <a16:creationId xmlns:a16="http://schemas.microsoft.com/office/drawing/2014/main" id="{60129FEE-7A90-4D3A-85A3-34CEC364724E}"/>
-                </a:ext>
-              </a:extLst>
-            </p:cNvPr>
-            <p:cNvSpPr/>
-            <p:nvPr/>
-          </p:nvSpPr>
-          <p:spPr>
-            <a:xfrm>
-              <a:off x="2716212" y="6306901"/>
-              <a:ext cx="1068039" cy="469360"/>
-            </a:xfrm>
-            <a:prstGeom prst="roundRect">
-              <a:avLst/>
-            </a:prstGeom>
-            <a:solidFill>
-              <a:srgbClr val="7030A0"/>
-            </a:solidFill>
-          </p:spPr>
-          <p:style>
-            <a:lnRef idx="2">
-              <a:schemeClr val="accent1">
-                <a:shade val="50000"/>
-              </a:schemeClr>
-            </a:lnRef>
-            <a:fillRef idx="1">
-              <a:schemeClr val="accent1"/>
-            </a:fillRef>
-            <a:effectRef idx="0">
-              <a:schemeClr val="accent1"/>
-            </a:effectRef>
-            <a:fontRef idx="minor">
-              <a:schemeClr val="lt1"/>
-            </a:fontRef>
-          </p:style>
-          <p:txBody>
-            <a:bodyPr rtlCol="0" anchor="ctr"/>
-            <a:lstStyle/>
-            <a:p>
-              <a:pPr algn="ctr"/>
-              <a:endParaRPr lang="en-US"/>
-            </a:p>
-          </p:txBody>
-        </p:sp>
-        <p:pic>
-          <p:nvPicPr>
-            <p:cNvPr id="52" name="Picture 51">
-              <a:extLst>
-                <a:ext uri="{FF2B5EF4-FFF2-40B4-BE49-F238E27FC236}">
-                  <a16:creationId xmlns:a16="http://schemas.microsoft.com/office/drawing/2014/main" id="{B522C727-280F-406A-8395-8A6DCD5CED3B}"/>
-                </a:ext>
-              </a:extLst>
-            </p:cNvPr>
-            <p:cNvPicPr>
-              <a:picLocks noChangeAspect="1"/>
-            </p:cNvPicPr>
-            <p:nvPr/>
-          </p:nvPicPr>
-          <p:blipFill>
-            <a:blip r:embed="rId9"/>
-            <a:stretch>
-              <a:fillRect/>
-            </a:stretch>
-          </p:blipFill>
-          <p:spPr>
-            <a:xfrm>
-              <a:off x="2773973" y="6397468"/>
-              <a:ext cx="278075" cy="318157"/>
-            </a:xfrm>
-            <a:prstGeom prst="rect">
-              <a:avLst/>
-            </a:prstGeom>
-          </p:spPr>
-        </p:pic>
-        <p:sp>
-          <p:nvSpPr>
-            <p:cNvPr id="53" name="TextBox 52">
-              <a:extLst>
-                <a:ext uri="{FF2B5EF4-FFF2-40B4-BE49-F238E27FC236}">
-                  <a16:creationId xmlns:a16="http://schemas.microsoft.com/office/drawing/2014/main" id="{DE66723B-50CF-4A10-A762-6F1476171314}"/>
-                </a:ext>
-              </a:extLst>
-            </p:cNvPr>
-            <p:cNvSpPr txBox="1"/>
-            <p:nvPr/>
-          </p:nvSpPr>
-          <p:spPr>
-            <a:xfrm>
-              <a:off x="2984801" y="6371880"/>
-              <a:ext cx="799450" cy="369332"/>
-            </a:xfrm>
-            <a:prstGeom prst="rect">
-              <a:avLst/>
-            </a:prstGeom>
-            <a:noFill/>
-          </p:spPr>
-          <p:txBody>
-            <a:bodyPr wrap="none" rtlCol="0">
-              <a:spAutoFit/>
-            </a:bodyPr>
-            <a:lstStyle/>
-            <a:p>
-              <a:r>
-                <a:rPr lang="en-US" b="1" dirty="0">
-                  <a:solidFill>
-                    <a:schemeClr val="bg1"/>
-                  </a:solidFill>
-                </a:rPr>
-                <a:t>DEQM</a:t>
-              </a:r>
-            </a:p>
-          </p:txBody>
-        </p:sp>
-      </p:grpSp>
-      <p:grpSp>
-        <p:nvGrpSpPr>
-          <p:cNvPr id="54" name="Group 53">
-            <a:extLst>
-              <a:ext uri="{FF2B5EF4-FFF2-40B4-BE49-F238E27FC236}">
-                <a16:creationId xmlns:a16="http://schemas.microsoft.com/office/drawing/2014/main" id="{F3FEECBE-C83A-49DE-B1A7-8B14403EE452}"/>
-              </a:ext>
-            </a:extLst>
-          </p:cNvPr>
-          <p:cNvGrpSpPr/>
-          <p:nvPr/>
-        </p:nvGrpSpPr>
-        <p:grpSpPr>
-          <a:xfrm>
-            <a:off x="4103666" y="3676488"/>
-            <a:ext cx="864688" cy="469360"/>
-            <a:chOff x="125913" y="5331262"/>
-            <a:chExt cx="864688" cy="469360"/>
-          </a:xfrm>
-        </p:grpSpPr>
-        <p:sp>
-          <p:nvSpPr>
-            <p:cNvPr id="55" name="Rectangle: Rounded Corners 54">
-              <a:extLst>
-                <a:ext uri="{FF2B5EF4-FFF2-40B4-BE49-F238E27FC236}">
-                  <a16:creationId xmlns:a16="http://schemas.microsoft.com/office/drawing/2014/main" id="{E1401F7C-321C-4131-BDD7-CE994F719F30}"/>
-                </a:ext>
-              </a:extLst>
-            </p:cNvPr>
-            <p:cNvSpPr/>
-            <p:nvPr/>
-          </p:nvSpPr>
-          <p:spPr>
-            <a:xfrm>
-              <a:off x="125913" y="5331262"/>
-              <a:ext cx="864688" cy="469360"/>
-            </a:xfrm>
-            <a:prstGeom prst="roundRect">
-              <a:avLst/>
-            </a:prstGeom>
-            <a:solidFill>
-              <a:srgbClr val="00B0F0"/>
-            </a:solidFill>
-          </p:spPr>
-          <p:style>
-            <a:lnRef idx="2">
-              <a:schemeClr val="accent1">
-                <a:shade val="50000"/>
-              </a:schemeClr>
-            </a:lnRef>
-            <a:fillRef idx="1">
-              <a:schemeClr val="accent1"/>
-            </a:fillRef>
-            <a:effectRef idx="0">
-              <a:schemeClr val="accent1"/>
-            </a:effectRef>
-            <a:fontRef idx="minor">
-              <a:schemeClr val="lt1"/>
-            </a:fontRef>
-          </p:style>
-          <p:txBody>
-            <a:bodyPr rtlCol="0" anchor="ctr"/>
-            <a:lstStyle/>
-            <a:p>
-              <a:pPr algn="ctr"/>
-              <a:endParaRPr lang="en-US"/>
-            </a:p>
-          </p:txBody>
-        </p:sp>
-        <p:pic>
-          <p:nvPicPr>
-            <p:cNvPr id="82" name="Picture 81">
-              <a:extLst>
-                <a:ext uri="{FF2B5EF4-FFF2-40B4-BE49-F238E27FC236}">
-                  <a16:creationId xmlns:a16="http://schemas.microsoft.com/office/drawing/2014/main" id="{1116EC26-8D34-47D2-ABC1-7058F17CE522}"/>
-                </a:ext>
-              </a:extLst>
-            </p:cNvPr>
-            <p:cNvPicPr>
-              <a:picLocks noChangeAspect="1"/>
-            </p:cNvPicPr>
-            <p:nvPr/>
-          </p:nvPicPr>
-          <p:blipFill>
-            <a:blip r:embed="rId9"/>
-            <a:stretch>
-              <a:fillRect/>
-            </a:stretch>
-          </p:blipFill>
-          <p:spPr>
-            <a:xfrm>
-              <a:off x="162362" y="5431290"/>
-              <a:ext cx="278075" cy="318157"/>
-            </a:xfrm>
-            <a:prstGeom prst="rect">
-              <a:avLst/>
-            </a:prstGeom>
-          </p:spPr>
-        </p:pic>
-        <p:sp>
-          <p:nvSpPr>
-            <p:cNvPr id="83" name="TextBox 82">
-              <a:extLst>
-                <a:ext uri="{FF2B5EF4-FFF2-40B4-BE49-F238E27FC236}">
-                  <a16:creationId xmlns:a16="http://schemas.microsoft.com/office/drawing/2014/main" id="{46CB00EC-A64C-4718-A1DB-67D957165486}"/>
-                </a:ext>
-              </a:extLst>
-            </p:cNvPr>
-            <p:cNvSpPr txBox="1"/>
-            <p:nvPr/>
-          </p:nvSpPr>
-          <p:spPr>
-            <a:xfrm>
-              <a:off x="373190" y="5405702"/>
-              <a:ext cx="559320" cy="369332"/>
-            </a:xfrm>
-            <a:prstGeom prst="rect">
-              <a:avLst/>
-            </a:prstGeom>
-            <a:noFill/>
-          </p:spPr>
-          <p:txBody>
-            <a:bodyPr wrap="none" rtlCol="0">
-              <a:spAutoFit/>
-            </a:bodyPr>
-            <a:lstStyle/>
-            <a:p>
-              <a:r>
-                <a:rPr lang="en-US" b="1" dirty="0"/>
-                <a:t>CQL</a:t>
-              </a:r>
-            </a:p>
-          </p:txBody>
-        </p:sp>
-      </p:grpSp>
-      <p:grpSp>
-        <p:nvGrpSpPr>
-          <p:cNvPr id="84" name="Group 83">
-            <a:extLst>
-              <a:ext uri="{FF2B5EF4-FFF2-40B4-BE49-F238E27FC236}">
-                <a16:creationId xmlns:a16="http://schemas.microsoft.com/office/drawing/2014/main" id="{27F0B9CD-2614-4F52-9207-53A7EC9CC452}"/>
-              </a:ext>
-            </a:extLst>
-          </p:cNvPr>
-          <p:cNvGrpSpPr/>
-          <p:nvPr/>
-        </p:nvGrpSpPr>
-        <p:grpSpPr>
-          <a:xfrm>
             <a:off x="6253559" y="3667142"/>
             <a:ext cx="864688" cy="469360"/>
             <a:chOff x="125913" y="5331262"/>
@@ -8979,7 +7342,7 @@
           <p:spPr>
             <a:xfrm>
               <a:off x="837680" y="6308209"/>
-              <a:ext cx="718466" cy="369332"/>
+              <a:ext cx="657552" cy="369332"/>
             </a:xfrm>
             <a:prstGeom prst="rect">
               <a:avLst/>
@@ -9006,7 +7369,7 @@
                     <a:schemeClr val="bg1"/>
                   </a:solidFill>
                 </a:rPr>
-                <a:t>eICR</a:t>
+                <a:t>eCR</a:t>
               </a:r>
               <a:endParaRPr lang="en-US" b="1" dirty="0">
                 <a:solidFill>
@@ -9048,6 +7411,42 @@
           </p:spPr>
         </p:pic>
       </p:grpSp>
+      <p:pic>
+        <p:nvPicPr>
+          <p:cNvPr id="3" name="Picture 2">
+            <a:extLst>
+              <a:ext uri="{FF2B5EF4-FFF2-40B4-BE49-F238E27FC236}">
+                <a16:creationId xmlns:a16="http://schemas.microsoft.com/office/drawing/2014/main" id="{4323F97B-673F-44E7-9C2F-0AD4BCECB8E4}"/>
+              </a:ext>
+            </a:extLst>
+          </p:cNvPr>
+          <p:cNvPicPr>
+            <a:picLocks noChangeAspect="1"/>
+          </p:cNvPicPr>
+          <p:nvPr/>
+        </p:nvPicPr>
+        <p:blipFill>
+          <a:blip r:embed="rId10">
+            <a:extLst>
+              <a:ext uri="{28A0092B-C50C-407E-A947-70E740481C1C}">
+                <a14:useLocalDpi xmlns:a14="http://schemas.microsoft.com/office/drawing/2010/main" val="0"/>
+              </a:ext>
+            </a:extLst>
+          </a:blip>
+          <a:stretch>
+            <a:fillRect/>
+          </a:stretch>
+        </p:blipFill>
+        <p:spPr>
+          <a:xfrm>
+            <a:off x="0" y="6563030"/>
+            <a:ext cx="1128965" cy="211681"/>
+          </a:xfrm>
+          <a:prstGeom prst="rect">
+            <a:avLst/>
+          </a:prstGeom>
+        </p:spPr>
+      </p:pic>
     </p:spTree>
     <p:extLst>
       <p:ext uri="{BB962C8B-B14F-4D97-AF65-F5344CB8AC3E}">
@@ -9061,7 +7460,7 @@
 </p:sld>
 </file>
 
-<file path=ppt/slides/slide4.xml><?xml version="1.0" encoding="utf-8"?>
+<file path=ppt/slides/slide3.xml><?xml version="1.0" encoding="utf-8"?>
 <p:sld xmlns:a="http://schemas.openxmlformats.org/drawingml/2006/main" xmlns:r="http://schemas.openxmlformats.org/officeDocument/2006/relationships" xmlns:p="http://schemas.openxmlformats.org/presentationml/2006/main">
   <p:cSld>
     <p:spTree>
@@ -10266,6 +8665,42 @@
           </a:p>
         </p:txBody>
       </p:sp>
+      <p:pic>
+        <p:nvPicPr>
+          <p:cNvPr id="3" name="Picture 2">
+            <a:extLst>
+              <a:ext uri="{FF2B5EF4-FFF2-40B4-BE49-F238E27FC236}">
+                <a16:creationId xmlns:a16="http://schemas.microsoft.com/office/drawing/2014/main" id="{6FF3DD59-766E-4726-93A3-E03985BD5CEE}"/>
+              </a:ext>
+            </a:extLst>
+          </p:cNvPr>
+          <p:cNvPicPr>
+            <a:picLocks noChangeAspect="1"/>
+          </p:cNvPicPr>
+          <p:nvPr/>
+        </p:nvPicPr>
+        <p:blipFill>
+          <a:blip r:embed="rId2">
+            <a:extLst>
+              <a:ext uri="{28A0092B-C50C-407E-A947-70E740481C1C}">
+                <a14:useLocalDpi xmlns:a14="http://schemas.microsoft.com/office/drawing/2010/main" val="0"/>
+              </a:ext>
+            </a:extLst>
+          </a:blip>
+          <a:stretch>
+            <a:fillRect/>
+          </a:stretch>
+        </p:blipFill>
+        <p:spPr>
+          <a:xfrm>
+            <a:off x="0" y="6563030"/>
+            <a:ext cx="1128965" cy="211681"/>
+          </a:xfrm>
+          <a:prstGeom prst="rect">
+            <a:avLst/>
+          </a:prstGeom>
+        </p:spPr>
+      </p:pic>
     </p:spTree>
     <p:extLst>
       <p:ext uri="{BB962C8B-B14F-4D97-AF65-F5344CB8AC3E}">
@@ -10279,7 +8714,7 @@
 </p:sld>
 </file>
 
-<file path=ppt/slides/slide5.xml><?xml version="1.0" encoding="utf-8"?>
+<file path=ppt/slides/slide4.xml><?xml version="1.0" encoding="utf-8"?>
 <p:sld xmlns:a="http://schemas.openxmlformats.org/drawingml/2006/main" xmlns:r="http://schemas.openxmlformats.org/officeDocument/2006/relationships" xmlns:p="http://schemas.openxmlformats.org/presentationml/2006/main">
   <p:cSld>
     <p:spTree>
@@ -12344,6 +10779,42 @@
           </a:prstGeom>
         </p:spPr>
       </p:pic>
+      <p:pic>
+        <p:nvPicPr>
+          <p:cNvPr id="3" name="Picture 2">
+            <a:extLst>
+              <a:ext uri="{FF2B5EF4-FFF2-40B4-BE49-F238E27FC236}">
+                <a16:creationId xmlns:a16="http://schemas.microsoft.com/office/drawing/2014/main" id="{8AEEA2A1-B456-448B-893D-C6ED9499CED2}"/>
+              </a:ext>
+            </a:extLst>
+          </p:cNvPr>
+          <p:cNvPicPr>
+            <a:picLocks noChangeAspect="1"/>
+          </p:cNvPicPr>
+          <p:nvPr/>
+        </p:nvPicPr>
+        <p:blipFill>
+          <a:blip r:embed="rId4">
+            <a:extLst>
+              <a:ext uri="{28A0092B-C50C-407E-A947-70E740481C1C}">
+                <a14:useLocalDpi xmlns:a14="http://schemas.microsoft.com/office/drawing/2010/main" val="0"/>
+              </a:ext>
+            </a:extLst>
+          </a:blip>
+          <a:stretch>
+            <a:fillRect/>
+          </a:stretch>
+        </p:blipFill>
+        <p:spPr>
+          <a:xfrm>
+            <a:off x="0" y="6563030"/>
+            <a:ext cx="1128965" cy="211681"/>
+          </a:xfrm>
+          <a:prstGeom prst="rect">
+            <a:avLst/>
+          </a:prstGeom>
+        </p:spPr>
+      </p:pic>
     </p:spTree>
     <p:extLst>
       <p:ext uri="{BB962C8B-B14F-4D97-AF65-F5344CB8AC3E}">
@@ -12357,7 +10828,7 @@
 </p:sld>
 </file>
 
-<file path=ppt/slides/slide6.xml><?xml version="1.0" encoding="utf-8"?>
+<file path=ppt/slides/slide5.xml><?xml version="1.0" encoding="utf-8"?>
 <p:sld xmlns:a="http://schemas.openxmlformats.org/drawingml/2006/main" xmlns:r="http://schemas.openxmlformats.org/officeDocument/2006/relationships" xmlns:p="http://schemas.openxmlformats.org/presentationml/2006/main">
   <p:cSld>
     <p:spTree>
@@ -12374,6 +10845,456 @@
           <a:chExt cx="0" cy="0"/>
         </a:xfrm>
       </p:grpSpPr>
+      <p:sp>
+        <p:nvSpPr>
+          <p:cNvPr id="114" name="Rectangle 113">
+            <a:extLst>
+              <a:ext uri="{FF2B5EF4-FFF2-40B4-BE49-F238E27FC236}">
+                <a16:creationId xmlns:a16="http://schemas.microsoft.com/office/drawing/2014/main" id="{A608B4B3-6ACA-468C-9B87-D84219668E0A}"/>
+              </a:ext>
+            </a:extLst>
+          </p:cNvPr>
+          <p:cNvSpPr/>
+          <p:nvPr/>
+        </p:nvSpPr>
+        <p:spPr>
+          <a:xfrm>
+            <a:off x="6630477" y="4197082"/>
+            <a:ext cx="107029" cy="789560"/>
+          </a:xfrm>
+          <a:prstGeom prst="rect">
+            <a:avLst/>
+          </a:prstGeom>
+        </p:spPr>
+        <p:style>
+          <a:lnRef idx="2">
+            <a:schemeClr val="accent1">
+              <a:shade val="50000"/>
+            </a:schemeClr>
+          </a:lnRef>
+          <a:fillRef idx="1">
+            <a:schemeClr val="accent1"/>
+          </a:fillRef>
+          <a:effectRef idx="0">
+            <a:schemeClr val="accent1"/>
+          </a:effectRef>
+          <a:fontRef idx="minor">
+            <a:schemeClr val="lt1"/>
+          </a:fontRef>
+        </p:style>
+        <p:txBody>
+          <a:bodyPr rtlCol="0" anchor="ctr"/>
+          <a:lstStyle/>
+          <a:p>
+            <a:pPr algn="ctr"/>
+            <a:endParaRPr lang="en-US"/>
+          </a:p>
+        </p:txBody>
+      </p:sp>
+      <p:sp>
+        <p:nvSpPr>
+          <p:cNvPr id="118" name="Rectangle 117">
+            <a:extLst>
+              <a:ext uri="{FF2B5EF4-FFF2-40B4-BE49-F238E27FC236}">
+                <a16:creationId xmlns:a16="http://schemas.microsoft.com/office/drawing/2014/main" id="{D451E572-F133-420E-A19A-95DD3C3141F3}"/>
+              </a:ext>
+            </a:extLst>
+          </p:cNvPr>
+          <p:cNvSpPr/>
+          <p:nvPr/>
+        </p:nvSpPr>
+        <p:spPr>
+          <a:xfrm>
+            <a:off x="4454819" y="4618912"/>
+            <a:ext cx="91278" cy="346032"/>
+          </a:xfrm>
+          <a:prstGeom prst="rect">
+            <a:avLst/>
+          </a:prstGeom>
+        </p:spPr>
+        <p:style>
+          <a:lnRef idx="2">
+            <a:schemeClr val="accent1">
+              <a:shade val="50000"/>
+            </a:schemeClr>
+          </a:lnRef>
+          <a:fillRef idx="1">
+            <a:schemeClr val="accent1"/>
+          </a:fillRef>
+          <a:effectRef idx="0">
+            <a:schemeClr val="accent1"/>
+          </a:effectRef>
+          <a:fontRef idx="minor">
+            <a:schemeClr val="lt1"/>
+          </a:fontRef>
+        </p:style>
+        <p:txBody>
+          <a:bodyPr rtlCol="0" anchor="ctr"/>
+          <a:lstStyle/>
+          <a:p>
+            <a:pPr algn="ctr"/>
+            <a:endParaRPr lang="en-US"/>
+          </a:p>
+        </p:txBody>
+      </p:sp>
+      <p:sp>
+        <p:nvSpPr>
+          <p:cNvPr id="1055" name="Rectangle 1054">
+            <a:extLst>
+              <a:ext uri="{FF2B5EF4-FFF2-40B4-BE49-F238E27FC236}">
+                <a16:creationId xmlns:a16="http://schemas.microsoft.com/office/drawing/2014/main" id="{71143C50-5FDC-46BC-A593-991634435130}"/>
+              </a:ext>
+            </a:extLst>
+          </p:cNvPr>
+          <p:cNvSpPr/>
+          <p:nvPr/>
+        </p:nvSpPr>
+        <p:spPr>
+          <a:xfrm>
+            <a:off x="5538051" y="4618912"/>
+            <a:ext cx="98685" cy="346032"/>
+          </a:xfrm>
+          <a:prstGeom prst="rect">
+            <a:avLst/>
+          </a:prstGeom>
+        </p:spPr>
+        <p:style>
+          <a:lnRef idx="2">
+            <a:schemeClr val="accent1">
+              <a:shade val="50000"/>
+            </a:schemeClr>
+          </a:lnRef>
+          <a:fillRef idx="1">
+            <a:schemeClr val="accent1"/>
+          </a:fillRef>
+          <a:effectRef idx="0">
+            <a:schemeClr val="accent1"/>
+          </a:effectRef>
+          <a:fontRef idx="minor">
+            <a:schemeClr val="lt1"/>
+          </a:fontRef>
+        </p:style>
+        <p:txBody>
+          <a:bodyPr rtlCol="0" anchor="ctr"/>
+          <a:lstStyle/>
+          <a:p>
+            <a:pPr algn="ctr"/>
+            <a:endParaRPr lang="en-US"/>
+          </a:p>
+        </p:txBody>
+      </p:sp>
+      <p:sp>
+        <p:nvSpPr>
+          <p:cNvPr id="120" name="Rectangle 119">
+            <a:extLst>
+              <a:ext uri="{FF2B5EF4-FFF2-40B4-BE49-F238E27FC236}">
+                <a16:creationId xmlns:a16="http://schemas.microsoft.com/office/drawing/2014/main" id="{E2D882D9-63AB-4B59-9154-358DCECA153C}"/>
+              </a:ext>
+            </a:extLst>
+          </p:cNvPr>
+          <p:cNvSpPr/>
+          <p:nvPr/>
+        </p:nvSpPr>
+        <p:spPr>
+          <a:xfrm>
+            <a:off x="7870476" y="2018553"/>
+            <a:ext cx="110686" cy="355217"/>
+          </a:xfrm>
+          <a:prstGeom prst="rect">
+            <a:avLst/>
+          </a:prstGeom>
+        </p:spPr>
+        <p:style>
+          <a:lnRef idx="2">
+            <a:schemeClr val="accent1">
+              <a:shade val="50000"/>
+            </a:schemeClr>
+          </a:lnRef>
+          <a:fillRef idx="1">
+            <a:schemeClr val="accent1"/>
+          </a:fillRef>
+          <a:effectRef idx="0">
+            <a:schemeClr val="accent1"/>
+          </a:effectRef>
+          <a:fontRef idx="minor">
+            <a:schemeClr val="lt1"/>
+          </a:fontRef>
+        </p:style>
+        <p:txBody>
+          <a:bodyPr rtlCol="0" anchor="ctr"/>
+          <a:lstStyle/>
+          <a:p>
+            <a:pPr algn="ctr"/>
+            <a:endParaRPr lang="en-US"/>
+          </a:p>
+        </p:txBody>
+      </p:sp>
+      <p:sp>
+        <p:nvSpPr>
+          <p:cNvPr id="123" name="Rectangle 122">
+            <a:extLst>
+              <a:ext uri="{FF2B5EF4-FFF2-40B4-BE49-F238E27FC236}">
+                <a16:creationId xmlns:a16="http://schemas.microsoft.com/office/drawing/2014/main" id="{99E795C3-B100-4602-B5C1-8BDAC22BC8A2}"/>
+              </a:ext>
+            </a:extLst>
+          </p:cNvPr>
+          <p:cNvSpPr/>
+          <p:nvPr/>
+        </p:nvSpPr>
+        <p:spPr>
+          <a:xfrm>
+            <a:off x="9504824" y="2022643"/>
+            <a:ext cx="110686" cy="337846"/>
+          </a:xfrm>
+          <a:prstGeom prst="rect">
+            <a:avLst/>
+          </a:prstGeom>
+        </p:spPr>
+        <p:style>
+          <a:lnRef idx="2">
+            <a:schemeClr val="accent1">
+              <a:shade val="50000"/>
+            </a:schemeClr>
+          </a:lnRef>
+          <a:fillRef idx="1">
+            <a:schemeClr val="accent1"/>
+          </a:fillRef>
+          <a:effectRef idx="0">
+            <a:schemeClr val="accent1"/>
+          </a:effectRef>
+          <a:fontRef idx="minor">
+            <a:schemeClr val="lt1"/>
+          </a:fontRef>
+        </p:style>
+        <p:txBody>
+          <a:bodyPr rtlCol="0" anchor="ctr"/>
+          <a:lstStyle/>
+          <a:p>
+            <a:pPr algn="ctr"/>
+            <a:endParaRPr lang="en-US"/>
+          </a:p>
+        </p:txBody>
+      </p:sp>
+      <p:sp>
+        <p:nvSpPr>
+          <p:cNvPr id="122" name="Arrow: Bent 121">
+            <a:extLst>
+              <a:ext uri="{FF2B5EF4-FFF2-40B4-BE49-F238E27FC236}">
+                <a16:creationId xmlns:a16="http://schemas.microsoft.com/office/drawing/2014/main" id="{0A371820-FB66-4B8F-861C-142DE7473493}"/>
+              </a:ext>
+            </a:extLst>
+          </p:cNvPr>
+          <p:cNvSpPr/>
+          <p:nvPr/>
+        </p:nvSpPr>
+        <p:spPr>
+          <a:xfrm rot="16200000" flipV="1">
+            <a:off x="9932099" y="1102780"/>
+            <a:ext cx="436817" cy="1564703"/>
+          </a:xfrm>
+          <a:prstGeom prst="bentArrow">
+            <a:avLst>
+              <a:gd name="adj1" fmla="val 30020"/>
+              <a:gd name="adj2" fmla="val 23858"/>
+              <a:gd name="adj3" fmla="val 31853"/>
+              <a:gd name="adj4" fmla="val 45401"/>
+            </a:avLst>
+          </a:prstGeom>
+        </p:spPr>
+        <p:style>
+          <a:lnRef idx="2">
+            <a:schemeClr val="accent1">
+              <a:shade val="50000"/>
+            </a:schemeClr>
+          </a:lnRef>
+          <a:fillRef idx="1">
+            <a:schemeClr val="accent1"/>
+          </a:fillRef>
+          <a:effectRef idx="0">
+            <a:schemeClr val="accent1"/>
+          </a:effectRef>
+          <a:fontRef idx="minor">
+            <a:schemeClr val="lt1"/>
+          </a:fontRef>
+        </p:style>
+        <p:txBody>
+          <a:bodyPr rtlCol="0" anchor="ctr"/>
+          <a:lstStyle/>
+          <a:p>
+            <a:pPr algn="ctr"/>
+            <a:endParaRPr lang="en-US">
+              <a:solidFill>
+                <a:schemeClr val="tx1"/>
+              </a:solidFill>
+            </a:endParaRPr>
+          </a:p>
+        </p:txBody>
+      </p:sp>
+      <p:sp>
+        <p:nvSpPr>
+          <p:cNvPr id="113" name="Arrow: Bent 112">
+            <a:extLst>
+              <a:ext uri="{FF2B5EF4-FFF2-40B4-BE49-F238E27FC236}">
+                <a16:creationId xmlns:a16="http://schemas.microsoft.com/office/drawing/2014/main" id="{F623CBA2-87DE-4DAE-9661-80903D387E03}"/>
+              </a:ext>
+            </a:extLst>
+          </p:cNvPr>
+          <p:cNvSpPr/>
+          <p:nvPr/>
+        </p:nvSpPr>
+        <p:spPr>
+          <a:xfrm rot="16200000">
+            <a:off x="7040147" y="3059041"/>
+            <a:ext cx="431451" cy="1919552"/>
+          </a:xfrm>
+          <a:prstGeom prst="bentArrow">
+            <a:avLst>
+              <a:gd name="adj1" fmla="val 27528"/>
+              <a:gd name="adj2" fmla="val 23858"/>
+              <a:gd name="adj3" fmla="val 31853"/>
+              <a:gd name="adj4" fmla="val 45401"/>
+            </a:avLst>
+          </a:prstGeom>
+        </p:spPr>
+        <p:style>
+          <a:lnRef idx="2">
+            <a:schemeClr val="accent1">
+              <a:shade val="50000"/>
+            </a:schemeClr>
+          </a:lnRef>
+          <a:fillRef idx="1">
+            <a:schemeClr val="accent1"/>
+          </a:fillRef>
+          <a:effectRef idx="0">
+            <a:schemeClr val="accent1"/>
+          </a:effectRef>
+          <a:fontRef idx="minor">
+            <a:schemeClr val="lt1"/>
+          </a:fontRef>
+        </p:style>
+        <p:txBody>
+          <a:bodyPr rtlCol="0" anchor="ctr"/>
+          <a:lstStyle/>
+          <a:p>
+            <a:pPr algn="ctr"/>
+            <a:endParaRPr lang="en-US">
+              <a:solidFill>
+                <a:schemeClr val="tx1"/>
+              </a:solidFill>
+            </a:endParaRPr>
+          </a:p>
+        </p:txBody>
+      </p:sp>
+      <p:sp>
+        <p:nvSpPr>
+          <p:cNvPr id="111" name="Arrow: Bent 110">
+            <a:extLst>
+              <a:ext uri="{FF2B5EF4-FFF2-40B4-BE49-F238E27FC236}">
+                <a16:creationId xmlns:a16="http://schemas.microsoft.com/office/drawing/2014/main" id="{4C086D16-38B3-4EF5-B13A-0FA4227D36A3}"/>
+              </a:ext>
+            </a:extLst>
+          </p:cNvPr>
+          <p:cNvSpPr/>
+          <p:nvPr/>
+        </p:nvSpPr>
+        <p:spPr>
+          <a:xfrm rot="16200000" flipV="1">
+            <a:off x="10474452" y="3387302"/>
+            <a:ext cx="436817" cy="1257216"/>
+          </a:xfrm>
+          <a:prstGeom prst="bentArrow">
+            <a:avLst>
+              <a:gd name="adj1" fmla="val 30020"/>
+              <a:gd name="adj2" fmla="val 23858"/>
+              <a:gd name="adj3" fmla="val 31853"/>
+              <a:gd name="adj4" fmla="val 45401"/>
+            </a:avLst>
+          </a:prstGeom>
+        </p:spPr>
+        <p:style>
+          <a:lnRef idx="2">
+            <a:schemeClr val="accent1">
+              <a:shade val="50000"/>
+            </a:schemeClr>
+          </a:lnRef>
+          <a:fillRef idx="1">
+            <a:schemeClr val="accent1"/>
+          </a:fillRef>
+          <a:effectRef idx="0">
+            <a:schemeClr val="accent1"/>
+          </a:effectRef>
+          <a:fontRef idx="minor">
+            <a:schemeClr val="lt1"/>
+          </a:fontRef>
+        </p:style>
+        <p:txBody>
+          <a:bodyPr rtlCol="0" anchor="ctr"/>
+          <a:lstStyle/>
+          <a:p>
+            <a:pPr algn="ctr"/>
+            <a:endParaRPr lang="en-US">
+              <a:solidFill>
+                <a:schemeClr val="tx1"/>
+              </a:solidFill>
+            </a:endParaRPr>
+          </a:p>
+        </p:txBody>
+      </p:sp>
+      <p:sp>
+        <p:nvSpPr>
+          <p:cNvPr id="112" name="Arrow: Bent 111">
+            <a:extLst>
+              <a:ext uri="{FF2B5EF4-FFF2-40B4-BE49-F238E27FC236}">
+                <a16:creationId xmlns:a16="http://schemas.microsoft.com/office/drawing/2014/main" id="{B2408D3F-D80B-42E3-BC8A-695D68A689A4}"/>
+              </a:ext>
+            </a:extLst>
+          </p:cNvPr>
+          <p:cNvSpPr/>
+          <p:nvPr/>
+        </p:nvSpPr>
+        <p:spPr>
+          <a:xfrm rot="16200000">
+            <a:off x="8575101" y="3168426"/>
+            <a:ext cx="436817" cy="1694968"/>
+          </a:xfrm>
+          <a:prstGeom prst="bentArrow">
+            <a:avLst>
+              <a:gd name="adj1" fmla="val 30020"/>
+              <a:gd name="adj2" fmla="val 23858"/>
+              <a:gd name="adj3" fmla="val 31853"/>
+              <a:gd name="adj4" fmla="val 45401"/>
+            </a:avLst>
+          </a:prstGeom>
+        </p:spPr>
+        <p:style>
+          <a:lnRef idx="2">
+            <a:schemeClr val="accent1">
+              <a:shade val="50000"/>
+            </a:schemeClr>
+          </a:lnRef>
+          <a:fillRef idx="1">
+            <a:schemeClr val="accent1"/>
+          </a:fillRef>
+          <a:effectRef idx="0">
+            <a:schemeClr val="accent1"/>
+          </a:effectRef>
+          <a:fontRef idx="minor">
+            <a:schemeClr val="lt1"/>
+          </a:fontRef>
+        </p:style>
+        <p:txBody>
+          <a:bodyPr rtlCol="0" anchor="ctr"/>
+          <a:lstStyle/>
+          <a:p>
+            <a:pPr algn="ctr"/>
+            <a:endParaRPr lang="en-US">
+              <a:solidFill>
+                <a:schemeClr val="tx1"/>
+              </a:solidFill>
+            </a:endParaRPr>
+          </a:p>
+        </p:txBody>
+      </p:sp>
       <p:pic>
         <p:nvPicPr>
           <p:cNvPr id="2" name="Picture 1">
@@ -12389,7 +11310,7 @@
           <p:nvPr/>
         </p:nvPicPr>
         <p:blipFill>
-          <a:blip r:embed="rId2"/>
+          <a:blip r:embed="rId3"/>
           <a:stretch>
             <a:fillRect/>
           </a:stretch>
@@ -12418,7 +11339,7 @@
         </p:nvGrpSpPr>
         <p:grpSpPr>
           <a:xfrm>
-            <a:off x="1916327" y="5020961"/>
+            <a:off x="1579406" y="4964946"/>
             <a:ext cx="1352367" cy="1622840"/>
             <a:chOff x="966000" y="2349000"/>
             <a:chExt cx="1800000" cy="2160000"/>
@@ -12498,13 +11419,13 @@
               <a:avLst/>
             </a:prstGeom>
             <a:blipFill>
-              <a:blip r:embed="rId3">
+              <a:blip r:embed="rId4">
                 <a:extLst>
                   <a:ext uri="{28A0092B-C50C-407E-A947-70E740481C1C}">
                     <a14:useLocalDpi xmlns:a14="http://schemas.microsoft.com/office/drawing/2010/main" val="0"/>
                   </a:ext>
                   <a:ext uri="{96DAC541-7B7A-43D3-8B79-37D633B846F1}">
-                    <asvg:svgBlip xmlns:asvg="http://schemas.microsoft.com/office/drawing/2016/SVG/main" r:embed="rId4"/>
+                    <asvg:svgBlip xmlns:asvg="http://schemas.microsoft.com/office/drawing/2016/SVG/main" r:embed="rId5"/>
                   </a:ext>
                 </a:extLst>
               </a:blip>
@@ -12702,7 +11623,7 @@
         </p:nvGrpSpPr>
         <p:grpSpPr>
           <a:xfrm>
-            <a:off x="3268694" y="5018580"/>
+            <a:off x="2679021" y="4964946"/>
             <a:ext cx="1352367" cy="1622840"/>
             <a:chOff x="3081000" y="2349000"/>
             <a:chExt cx="1800000" cy="2160000"/>
@@ -12782,13 +11703,13 @@
               <a:avLst/>
             </a:prstGeom>
             <a:blipFill>
-              <a:blip r:embed="rId5">
+              <a:blip r:embed="rId6">
                 <a:extLst>
                   <a:ext uri="{28A0092B-C50C-407E-A947-70E740481C1C}">
                     <a14:useLocalDpi xmlns:a14="http://schemas.microsoft.com/office/drawing/2010/main" val="0"/>
                   </a:ext>
                   <a:ext uri="{96DAC541-7B7A-43D3-8B79-37D633B846F1}">
-                    <asvg:svgBlip xmlns:asvg="http://schemas.microsoft.com/office/drawing/2016/SVG/main" r:embed="rId6"/>
+                    <asvg:svgBlip xmlns:asvg="http://schemas.microsoft.com/office/drawing/2016/SVG/main" r:embed="rId7"/>
                   </a:ext>
                 </a:extLst>
               </a:blip>
@@ -12986,7 +11907,7 @@
         </p:nvGrpSpPr>
         <p:grpSpPr>
           <a:xfrm>
-            <a:off x="4621061" y="5018580"/>
+            <a:off x="3778636" y="4964946"/>
             <a:ext cx="1352367" cy="1622840"/>
             <a:chOff x="5196000" y="2349000"/>
             <a:chExt cx="1800000" cy="2160000"/>
@@ -13066,13 +11987,13 @@
               <a:avLst/>
             </a:prstGeom>
             <a:blipFill>
-              <a:blip r:embed="rId7">
+              <a:blip r:embed="rId8">
                 <a:extLst>
                   <a:ext uri="{28A0092B-C50C-407E-A947-70E740481C1C}">
                     <a14:useLocalDpi xmlns:a14="http://schemas.microsoft.com/office/drawing/2010/main" val="0"/>
                   </a:ext>
                   <a:ext uri="{96DAC541-7B7A-43D3-8B79-37D633B846F1}">
-                    <asvg:svgBlip xmlns:asvg="http://schemas.microsoft.com/office/drawing/2016/SVG/main" r:embed="rId8"/>
+                    <asvg:svgBlip xmlns:asvg="http://schemas.microsoft.com/office/drawing/2016/SVG/main" r:embed="rId9"/>
                   </a:ext>
                 </a:extLst>
               </a:blip>
@@ -13270,7 +12191,7 @@
         </p:nvGrpSpPr>
         <p:grpSpPr>
           <a:xfrm>
-            <a:off x="5970518" y="5018580"/>
+            <a:off x="4878251" y="4964946"/>
             <a:ext cx="1352367" cy="1622840"/>
             <a:chOff x="7311000" y="2349000"/>
             <a:chExt cx="1800000" cy="2160000"/>
@@ -13350,13 +12271,13 @@
               <a:avLst/>
             </a:prstGeom>
             <a:blipFill>
-              <a:blip r:embed="rId9">
+              <a:blip r:embed="rId10">
                 <a:extLst>
                   <a:ext uri="{28A0092B-C50C-407E-A947-70E740481C1C}">
                     <a14:useLocalDpi xmlns:a14="http://schemas.microsoft.com/office/drawing/2010/main" val="0"/>
                   </a:ext>
                   <a:ext uri="{96DAC541-7B7A-43D3-8B79-37D633B846F1}">
-                    <asvg:svgBlip xmlns:asvg="http://schemas.microsoft.com/office/drawing/2016/SVG/main" r:embed="rId10"/>
+                    <asvg:svgBlip xmlns:asvg="http://schemas.microsoft.com/office/drawing/2016/SVG/main" r:embed="rId11"/>
                   </a:ext>
                 </a:extLst>
               </a:blip>
@@ -13554,7 +12475,7 @@
         </p:nvGrpSpPr>
         <p:grpSpPr>
           <a:xfrm>
-            <a:off x="7325795" y="5007698"/>
+            <a:off x="5977866" y="4964946"/>
             <a:ext cx="1352367" cy="1622840"/>
             <a:chOff x="9426000" y="2349000"/>
             <a:chExt cx="1800000" cy="2160000"/>
@@ -13634,13 +12555,13 @@
               <a:avLst/>
             </a:prstGeom>
             <a:blipFill>
-              <a:blip r:embed="rId11">
+              <a:blip r:embed="rId12">
                 <a:extLst>
                   <a:ext uri="{28A0092B-C50C-407E-A947-70E740481C1C}">
                     <a14:useLocalDpi xmlns:a14="http://schemas.microsoft.com/office/drawing/2010/main" val="0"/>
                   </a:ext>
                   <a:ext uri="{96DAC541-7B7A-43D3-8B79-37D633B846F1}">
-                    <asvg:svgBlip xmlns:asvg="http://schemas.microsoft.com/office/drawing/2016/SVG/main" r:embed="rId12"/>
+                    <asvg:svgBlip xmlns:asvg="http://schemas.microsoft.com/office/drawing/2016/SVG/main" r:embed="rId13"/>
                   </a:ext>
                 </a:extLst>
               </a:blip>
@@ -13990,7 +12911,7 @@
             <p:nvPr/>
           </p:nvPicPr>
           <p:blipFill>
-            <a:blip r:embed="rId13">
+            <a:blip r:embed="rId14">
               <a:extLst>
                 <a:ext uri="{28A0092B-C50C-407E-A947-70E740481C1C}">
                   <a14:useLocalDpi xmlns:a14="http://schemas.microsoft.com/office/drawing/2010/main" val="0"/>
@@ -14112,7 +13033,7 @@
             <p:nvPr/>
           </p:nvPicPr>
           <p:blipFill>
-            <a:blip r:embed="rId14">
+            <a:blip r:embed="rId15">
               <a:extLst>
                 <a:ext uri="{28A0092B-C50C-407E-A947-70E740481C1C}">
                   <a14:useLocalDpi xmlns:a14="http://schemas.microsoft.com/office/drawing/2010/main" val="0"/>
@@ -14346,7 +13267,7 @@
               </a:pPr>
               <a:r>
                 <a:rPr lang="en-US" sz="1200" kern="1200" dirty="0"/>
-                <a:t>DEQM-IG</a:t>
+                <a:t>DEQM</a:t>
               </a:r>
             </a:p>
           </p:txBody>
@@ -14366,7 +13287,7 @@
             <p:nvPr/>
           </p:nvPicPr>
           <p:blipFill>
-            <a:blip r:embed="rId15">
+            <a:blip r:embed="rId16">
               <a:extLst>
                 <a:ext uri="{28A0092B-C50C-407E-A947-70E740481C1C}">
                   <a14:useLocalDpi xmlns:a14="http://schemas.microsoft.com/office/drawing/2010/main" val="0"/>
@@ -14480,8 +13401,8 @@
           </p:nvSpPr>
           <p:spPr>
             <a:xfrm>
-              <a:off x="5696020" y="4252932"/>
-              <a:ext cx="1800000" cy="720000"/>
+              <a:off x="5696020" y="4252931"/>
+              <a:ext cx="1800000" cy="720001"/>
             </a:xfrm>
             <a:prstGeom prst="rect">
               <a:avLst/>
@@ -14527,7 +13448,7 @@
               </a:pPr>
               <a:r>
                 <a:rPr lang="en-US" sz="1200" kern="1200" dirty="0"/>
-                <a:t>QI-Core</a:t>
+                <a:t>QI Core</a:t>
               </a:r>
             </a:p>
           </p:txBody>
@@ -14547,7 +13468,7 @@
             <p:nvPr/>
           </p:nvPicPr>
           <p:blipFill>
-            <a:blip r:embed="rId16">
+            <a:blip r:embed="rId17">
               <a:extLst>
                 <a:ext uri="{28A0092B-C50C-407E-A947-70E740481C1C}">
                   <a14:useLocalDpi xmlns:a14="http://schemas.microsoft.com/office/drawing/2010/main" val="0"/>
@@ -14708,11 +13629,11 @@
               </a:pPr>
               <a:r>
                 <a:rPr lang="en-US" sz="1200" dirty="0"/>
-                <a:t>US</a:t>
+                <a:t>US </a:t>
               </a:r>
               <a:r>
                 <a:rPr lang="en-US" sz="1200" kern="1200" dirty="0"/>
-                <a:t>-Core</a:t>
+                <a:t>Core</a:t>
               </a:r>
             </a:p>
           </p:txBody>
@@ -14732,7 +13653,7 @@
             <p:nvPr/>
           </p:nvPicPr>
           <p:blipFill>
-            <a:blip r:embed="rId17">
+            <a:blip r:embed="rId18">
               <a:extLst>
                 <a:ext uri="{28A0092B-C50C-407E-A947-70E740481C1C}">
                   <a14:useLocalDpi xmlns:a14="http://schemas.microsoft.com/office/drawing/2010/main" val="0"/>
@@ -14900,7 +13821,7 @@
               </a:pPr>
               <a:r>
                 <a:rPr lang="en-US" sz="1200" kern="1200" dirty="0"/>
-                <a:t>QM-IG</a:t>
+                <a:t>QM</a:t>
               </a:r>
             </a:p>
           </p:txBody>
@@ -14920,7 +13841,7 @@
             <p:nvPr/>
           </p:nvPicPr>
           <p:blipFill>
-            <a:blip r:embed="rId18">
+            <a:blip r:embed="rId19">
               <a:extLst>
                 <a:ext uri="{28A0092B-C50C-407E-A947-70E740481C1C}">
                   <a14:useLocalDpi xmlns:a14="http://schemas.microsoft.com/office/drawing/2010/main" val="0"/>
@@ -15088,7 +14009,7 @@
               </a:pPr>
               <a:r>
                 <a:rPr lang="en-US" sz="1200" dirty="0"/>
-                <a:t>HEDIS-IG</a:t>
+                <a:t>HEDIS</a:t>
               </a:r>
               <a:endParaRPr lang="en-US" sz="1200" kern="1200" dirty="0"/>
             </a:p>
@@ -15109,7 +14030,7 @@
             <p:nvPr/>
           </p:nvPicPr>
           <p:blipFill>
-            <a:blip r:embed="rId19">
+            <a:blip r:embed="rId20">
               <a:extLst>
                 <a:ext uri="{28A0092B-C50C-407E-A947-70E740481C1C}">
                   <a14:useLocalDpi xmlns:a14="http://schemas.microsoft.com/office/drawing/2010/main" val="0"/>
@@ -15277,7 +14198,7 @@
               </a:pPr>
               <a:r>
                 <a:rPr lang="en-US" sz="1200" dirty="0"/>
-                <a:t>CDC Opioids</a:t>
+                <a:t>CDC Opioid Prescribing</a:t>
               </a:r>
               <a:endParaRPr lang="en-US" sz="1200" kern="1200" dirty="0"/>
             </a:p>
@@ -15298,7 +14219,7 @@
             <p:nvPr/>
           </p:nvPicPr>
           <p:blipFill>
-            <a:blip r:embed="rId20">
+            <a:blip r:embed="rId21">
               <a:extLst>
                 <a:ext uri="{28A0092B-C50C-407E-A947-70E740481C1C}">
                   <a14:useLocalDpi xmlns:a14="http://schemas.microsoft.com/office/drawing/2010/main" val="0"/>
@@ -15487,7 +14408,7 @@
             <p:nvPr/>
           </p:nvPicPr>
           <p:blipFill>
-            <a:blip r:embed="rId21">
+            <a:blip r:embed="rId22">
               <a:extLst>
                 <a:ext uri="{28A0092B-C50C-407E-A947-70E740481C1C}">
                   <a14:useLocalDpi xmlns:a14="http://schemas.microsoft.com/office/drawing/2010/main" val="0"/>
@@ -15569,8 +14490,8 @@
         </p:nvSpPr>
         <p:spPr>
           <a:xfrm rot="16200000">
-            <a:off x="10060258" y="3168427"/>
-            <a:ext cx="436817" cy="1694968"/>
+            <a:off x="9726068" y="3502617"/>
+            <a:ext cx="436817" cy="1026587"/>
           </a:xfrm>
           <a:prstGeom prst="bentArrow">
             <a:avLst>
@@ -15612,10 +14533,56 @@
       </p:sp>
       <p:sp>
         <p:nvSpPr>
-          <p:cNvPr id="112" name="Arrow: Bent 111">
-            <a:extLst>
-              <a:ext uri="{FF2B5EF4-FFF2-40B4-BE49-F238E27FC236}">
-                <a16:creationId xmlns:a16="http://schemas.microsoft.com/office/drawing/2014/main" id="{B2408D3F-D80B-42E3-BC8A-695D68A689A4}"/>
+          <p:cNvPr id="115" name="Arrow: Up 114">
+            <a:extLst>
+              <a:ext uri="{FF2B5EF4-FFF2-40B4-BE49-F238E27FC236}">
+                <a16:creationId xmlns:a16="http://schemas.microsoft.com/office/drawing/2014/main" id="{8123EF39-9B11-43B1-A79F-09298F53D43D}"/>
+              </a:ext>
+            </a:extLst>
+          </p:cNvPr>
+          <p:cNvSpPr/>
+          <p:nvPr/>
+        </p:nvSpPr>
+        <p:spPr>
+          <a:xfrm rot="5400000">
+            <a:off x="3209046" y="2630950"/>
+            <a:ext cx="262067" cy="531024"/>
+          </a:xfrm>
+          <a:prstGeom prst="upArrow">
+            <a:avLst/>
+          </a:prstGeom>
+        </p:spPr>
+        <p:style>
+          <a:lnRef idx="2">
+            <a:schemeClr val="accent1">
+              <a:shade val="50000"/>
+            </a:schemeClr>
+          </a:lnRef>
+          <a:fillRef idx="1">
+            <a:schemeClr val="accent1"/>
+          </a:fillRef>
+          <a:effectRef idx="0">
+            <a:schemeClr val="accent1"/>
+          </a:effectRef>
+          <a:fontRef idx="minor">
+            <a:schemeClr val="lt1"/>
+          </a:fontRef>
+        </p:style>
+        <p:txBody>
+          <a:bodyPr rtlCol="0" anchor="ctr"/>
+          <a:lstStyle/>
+          <a:p>
+            <a:pPr algn="ctr"/>
+            <a:endParaRPr lang="en-US"/>
+          </a:p>
+        </p:txBody>
+      </p:sp>
+      <p:sp>
+        <p:nvSpPr>
+          <p:cNvPr id="116" name="Arrow: Bent 115">
+            <a:extLst>
+              <a:ext uri="{FF2B5EF4-FFF2-40B4-BE49-F238E27FC236}">
+                <a16:creationId xmlns:a16="http://schemas.microsoft.com/office/drawing/2014/main" id="{58A871F3-AF46-4078-8B4B-C9C7FFAABD6E}"/>
               </a:ext>
             </a:extLst>
           </p:cNvPr>
@@ -15624,8 +14591,63 @@
         </p:nvSpPr>
         <p:spPr>
           <a:xfrm rot="16200000">
-            <a:off x="8575101" y="3168426"/>
-            <a:ext cx="436817" cy="1694968"/>
+            <a:off x="3725737" y="2774506"/>
+            <a:ext cx="690510" cy="3131488"/>
+          </a:xfrm>
+          <a:prstGeom prst="bentArrow">
+            <a:avLst>
+              <a:gd name="adj1" fmla="val 14269"/>
+              <a:gd name="adj2" fmla="val 19109"/>
+              <a:gd name="adj3" fmla="val 23764"/>
+              <a:gd name="adj4" fmla="val 24867"/>
+            </a:avLst>
+          </a:prstGeom>
+        </p:spPr>
+        <p:style>
+          <a:lnRef idx="2">
+            <a:schemeClr val="accent1">
+              <a:shade val="50000"/>
+            </a:schemeClr>
+          </a:lnRef>
+          <a:fillRef idx="1">
+            <a:schemeClr val="accent1"/>
+          </a:fillRef>
+          <a:effectRef idx="0">
+            <a:schemeClr val="accent1"/>
+          </a:effectRef>
+          <a:fontRef idx="minor">
+            <a:schemeClr val="lt1"/>
+          </a:fontRef>
+        </p:style>
+        <p:txBody>
+          <a:bodyPr rtlCol="0" anchor="ctr"/>
+          <a:lstStyle/>
+          <a:p>
+            <a:pPr algn="ctr"/>
+            <a:endParaRPr lang="en-US">
+              <a:solidFill>
+                <a:schemeClr val="tx1"/>
+              </a:solidFill>
+            </a:endParaRPr>
+          </a:p>
+        </p:txBody>
+      </p:sp>
+      <p:sp>
+        <p:nvSpPr>
+          <p:cNvPr id="119" name="Arrow: Bent 118">
+            <a:extLst>
+              <a:ext uri="{FF2B5EF4-FFF2-40B4-BE49-F238E27FC236}">
+                <a16:creationId xmlns:a16="http://schemas.microsoft.com/office/drawing/2014/main" id="{EC12D5A4-4075-434D-989F-805BF9D8F083}"/>
+              </a:ext>
+            </a:extLst>
+          </p:cNvPr>
+          <p:cNvSpPr/>
+          <p:nvPr/>
+        </p:nvSpPr>
+        <p:spPr>
+          <a:xfrm rot="16200000">
+            <a:off x="6983872" y="1130358"/>
+            <a:ext cx="436817" cy="1557762"/>
           </a:xfrm>
           <a:prstGeom prst="bentArrow">
             <a:avLst>
@@ -15667,10 +14689,10 @@
       </p:sp>
       <p:sp>
         <p:nvSpPr>
-          <p:cNvPr id="113" name="Arrow: Bent 112">
-            <a:extLst>
-              <a:ext uri="{FF2B5EF4-FFF2-40B4-BE49-F238E27FC236}">
-                <a16:creationId xmlns:a16="http://schemas.microsoft.com/office/drawing/2014/main" id="{F623CBA2-87DE-4DAE-9661-80903D387E03}"/>
+          <p:cNvPr id="121" name="Arrow: Bent 120">
+            <a:extLst>
+              <a:ext uri="{FF2B5EF4-FFF2-40B4-BE49-F238E27FC236}">
+                <a16:creationId xmlns:a16="http://schemas.microsoft.com/office/drawing/2014/main" id="{3C5B600D-B003-4F23-B24F-32B298F54881}"/>
               </a:ext>
             </a:extLst>
           </p:cNvPr>
@@ -15679,256 +14701,8 @@
         </p:nvSpPr>
         <p:spPr>
           <a:xfrm rot="16200000">
-            <a:off x="7040147" y="3048155"/>
-            <a:ext cx="431451" cy="1919552"/>
-          </a:xfrm>
-          <a:prstGeom prst="bentArrow">
-            <a:avLst>
-              <a:gd name="adj1" fmla="val 27528"/>
-              <a:gd name="adj2" fmla="val 23858"/>
-              <a:gd name="adj3" fmla="val 31853"/>
-              <a:gd name="adj4" fmla="val 45401"/>
-            </a:avLst>
-          </a:prstGeom>
-        </p:spPr>
-        <p:style>
-          <a:lnRef idx="2">
-            <a:schemeClr val="accent1">
-              <a:shade val="50000"/>
-            </a:schemeClr>
-          </a:lnRef>
-          <a:fillRef idx="1">
-            <a:schemeClr val="accent1"/>
-          </a:fillRef>
-          <a:effectRef idx="0">
-            <a:schemeClr val="accent1"/>
-          </a:effectRef>
-          <a:fontRef idx="minor">
-            <a:schemeClr val="lt1"/>
-          </a:fontRef>
-        </p:style>
-        <p:txBody>
-          <a:bodyPr rtlCol="0" anchor="ctr"/>
-          <a:lstStyle/>
-          <a:p>
-            <a:pPr algn="ctr"/>
-            <a:endParaRPr lang="en-US">
-              <a:solidFill>
-                <a:schemeClr val="tx1"/>
-              </a:solidFill>
-            </a:endParaRPr>
-          </a:p>
-        </p:txBody>
-      </p:sp>
-      <p:sp>
-        <p:nvSpPr>
-          <p:cNvPr id="115" name="Arrow: Up 114">
-            <a:extLst>
-              <a:ext uri="{FF2B5EF4-FFF2-40B4-BE49-F238E27FC236}">
-                <a16:creationId xmlns:a16="http://schemas.microsoft.com/office/drawing/2014/main" id="{8123EF39-9B11-43B1-A79F-09298F53D43D}"/>
-              </a:ext>
-            </a:extLst>
-          </p:cNvPr>
-          <p:cNvSpPr/>
-          <p:nvPr/>
-        </p:nvSpPr>
-        <p:spPr>
-          <a:xfrm rot="5400000">
-            <a:off x="3209046" y="2630950"/>
-            <a:ext cx="262067" cy="531024"/>
-          </a:xfrm>
-          <a:prstGeom prst="upArrow">
-            <a:avLst/>
-          </a:prstGeom>
-        </p:spPr>
-        <p:style>
-          <a:lnRef idx="2">
-            <a:schemeClr val="accent1">
-              <a:shade val="50000"/>
-            </a:schemeClr>
-          </a:lnRef>
-          <a:fillRef idx="1">
-            <a:schemeClr val="accent1"/>
-          </a:fillRef>
-          <a:effectRef idx="0">
-            <a:schemeClr val="accent1"/>
-          </a:effectRef>
-          <a:fontRef idx="minor">
-            <a:schemeClr val="lt1"/>
-          </a:fontRef>
-        </p:style>
-        <p:txBody>
-          <a:bodyPr rtlCol="0" anchor="ctr"/>
-          <a:lstStyle/>
-          <a:p>
-            <a:pPr algn="ctr"/>
-            <a:endParaRPr lang="en-US"/>
-          </a:p>
-        </p:txBody>
-      </p:sp>
-      <p:sp>
-        <p:nvSpPr>
-          <p:cNvPr id="116" name="Arrow: Bent 115">
-            <a:extLst>
-              <a:ext uri="{FF2B5EF4-FFF2-40B4-BE49-F238E27FC236}">
-                <a16:creationId xmlns:a16="http://schemas.microsoft.com/office/drawing/2014/main" id="{58A871F3-AF46-4078-8B4B-C9C7FFAABD6E}"/>
-              </a:ext>
-            </a:extLst>
-          </p:cNvPr>
-          <p:cNvSpPr/>
-          <p:nvPr/>
-        </p:nvSpPr>
-        <p:spPr>
-          <a:xfrm rot="16200000">
-            <a:off x="4279966" y="2220277"/>
-            <a:ext cx="690510" cy="4239946"/>
-          </a:xfrm>
-          <a:prstGeom prst="bentArrow">
-            <a:avLst>
-              <a:gd name="adj1" fmla="val 14269"/>
-              <a:gd name="adj2" fmla="val 19109"/>
-              <a:gd name="adj3" fmla="val 23764"/>
-              <a:gd name="adj4" fmla="val 24867"/>
-            </a:avLst>
-          </a:prstGeom>
-        </p:spPr>
-        <p:style>
-          <a:lnRef idx="2">
-            <a:schemeClr val="accent1">
-              <a:shade val="50000"/>
-            </a:schemeClr>
-          </a:lnRef>
-          <a:fillRef idx="1">
-            <a:schemeClr val="accent1"/>
-          </a:fillRef>
-          <a:effectRef idx="0">
-            <a:schemeClr val="accent1"/>
-          </a:effectRef>
-          <a:fontRef idx="minor">
-            <a:schemeClr val="lt1"/>
-          </a:fontRef>
-        </p:style>
-        <p:txBody>
-          <a:bodyPr rtlCol="0" anchor="ctr"/>
-          <a:lstStyle/>
-          <a:p>
-            <a:pPr algn="ctr"/>
-            <a:endParaRPr lang="en-US">
-              <a:solidFill>
-                <a:schemeClr val="tx1"/>
-              </a:solidFill>
-            </a:endParaRPr>
-          </a:p>
-        </p:txBody>
-      </p:sp>
-      <p:sp>
-        <p:nvSpPr>
-          <p:cNvPr id="1055" name="Rectangle 1054">
-            <a:extLst>
-              <a:ext uri="{FF2B5EF4-FFF2-40B4-BE49-F238E27FC236}">
-                <a16:creationId xmlns:a16="http://schemas.microsoft.com/office/drawing/2014/main" id="{71143C50-5FDC-46BC-A593-991634435130}"/>
-              </a:ext>
-            </a:extLst>
-          </p:cNvPr>
-          <p:cNvSpPr/>
-          <p:nvPr/>
-        </p:nvSpPr>
-        <p:spPr>
-          <a:xfrm>
-            <a:off x="6646701" y="4638777"/>
-            <a:ext cx="98685" cy="346032"/>
-          </a:xfrm>
-          <a:prstGeom prst="rect">
-            <a:avLst/>
-          </a:prstGeom>
-        </p:spPr>
-        <p:style>
-          <a:lnRef idx="2">
-            <a:schemeClr val="accent1">
-              <a:shade val="50000"/>
-            </a:schemeClr>
-          </a:lnRef>
-          <a:fillRef idx="1">
-            <a:schemeClr val="accent1"/>
-          </a:fillRef>
-          <a:effectRef idx="0">
-            <a:schemeClr val="accent1"/>
-          </a:effectRef>
-          <a:fontRef idx="minor">
-            <a:schemeClr val="lt1"/>
-          </a:fontRef>
-        </p:style>
-        <p:txBody>
-          <a:bodyPr rtlCol="0" anchor="ctr"/>
-          <a:lstStyle/>
-          <a:p>
-            <a:pPr algn="ctr"/>
-            <a:endParaRPr lang="en-US"/>
-          </a:p>
-        </p:txBody>
-      </p:sp>
-      <p:sp>
-        <p:nvSpPr>
-          <p:cNvPr id="118" name="Rectangle 117">
-            <a:extLst>
-              <a:ext uri="{FF2B5EF4-FFF2-40B4-BE49-F238E27FC236}">
-                <a16:creationId xmlns:a16="http://schemas.microsoft.com/office/drawing/2014/main" id="{D451E572-F133-420E-A19A-95DD3C3141F3}"/>
-              </a:ext>
-            </a:extLst>
-          </p:cNvPr>
-          <p:cNvSpPr/>
-          <p:nvPr/>
-        </p:nvSpPr>
-        <p:spPr>
-          <a:xfrm>
-            <a:off x="5316704" y="4648638"/>
-            <a:ext cx="91278" cy="346032"/>
-          </a:xfrm>
-          <a:prstGeom prst="rect">
-            <a:avLst/>
-          </a:prstGeom>
-        </p:spPr>
-        <p:style>
-          <a:lnRef idx="2">
-            <a:schemeClr val="accent1">
-              <a:shade val="50000"/>
-            </a:schemeClr>
-          </a:lnRef>
-          <a:fillRef idx="1">
-            <a:schemeClr val="accent1"/>
-          </a:fillRef>
-          <a:effectRef idx="0">
-            <a:schemeClr val="accent1"/>
-          </a:effectRef>
-          <a:fontRef idx="minor">
-            <a:schemeClr val="lt1"/>
-          </a:fontRef>
-        </p:style>
-        <p:txBody>
-          <a:bodyPr rtlCol="0" anchor="ctr"/>
-          <a:lstStyle/>
-          <a:p>
-            <a:pPr algn="ctr"/>
-            <a:endParaRPr lang="en-US"/>
-          </a:p>
-        </p:txBody>
-      </p:sp>
-      <p:sp>
-        <p:nvSpPr>
-          <p:cNvPr id="119" name="Arrow: Bent 118">
-            <a:extLst>
-              <a:ext uri="{FF2B5EF4-FFF2-40B4-BE49-F238E27FC236}">
-                <a16:creationId xmlns:a16="http://schemas.microsoft.com/office/drawing/2014/main" id="{EC12D5A4-4075-434D-989F-805BF9D8F083}"/>
-              </a:ext>
-            </a:extLst>
-          </p:cNvPr>
-          <p:cNvSpPr/>
-          <p:nvPr/>
-        </p:nvSpPr>
-        <p:spPr>
-          <a:xfrm rot="16200000">
-            <a:off x="6983872" y="1130358"/>
-            <a:ext cx="436817" cy="1557762"/>
+            <a:off x="8879418" y="1408034"/>
+            <a:ext cx="436817" cy="954195"/>
           </a:xfrm>
           <a:prstGeom prst="bentArrow">
             <a:avLst>
@@ -15970,208 +14744,6 @@
       </p:sp>
       <p:sp>
         <p:nvSpPr>
-          <p:cNvPr id="120" name="Rectangle 119">
-            <a:extLst>
-              <a:ext uri="{FF2B5EF4-FFF2-40B4-BE49-F238E27FC236}">
-                <a16:creationId xmlns:a16="http://schemas.microsoft.com/office/drawing/2014/main" id="{E2D882D9-63AB-4B59-9154-358DCECA153C}"/>
-              </a:ext>
-            </a:extLst>
-          </p:cNvPr>
-          <p:cNvSpPr/>
-          <p:nvPr/>
-        </p:nvSpPr>
-        <p:spPr>
-          <a:xfrm>
-            <a:off x="7870476" y="2018553"/>
-            <a:ext cx="110686" cy="234975"/>
-          </a:xfrm>
-          <a:prstGeom prst="rect">
-            <a:avLst/>
-          </a:prstGeom>
-        </p:spPr>
-        <p:style>
-          <a:lnRef idx="2">
-            <a:schemeClr val="accent1">
-              <a:shade val="50000"/>
-            </a:schemeClr>
-          </a:lnRef>
-          <a:fillRef idx="1">
-            <a:schemeClr val="accent1"/>
-          </a:fillRef>
-          <a:effectRef idx="0">
-            <a:schemeClr val="accent1"/>
-          </a:effectRef>
-          <a:fontRef idx="minor">
-            <a:schemeClr val="lt1"/>
-          </a:fontRef>
-        </p:style>
-        <p:txBody>
-          <a:bodyPr rtlCol="0" anchor="ctr"/>
-          <a:lstStyle/>
-          <a:p>
-            <a:pPr algn="ctr"/>
-            <a:endParaRPr lang="en-US"/>
-          </a:p>
-        </p:txBody>
-      </p:sp>
-      <p:sp>
-        <p:nvSpPr>
-          <p:cNvPr id="121" name="Arrow: Bent 120">
-            <a:extLst>
-              <a:ext uri="{FF2B5EF4-FFF2-40B4-BE49-F238E27FC236}">
-                <a16:creationId xmlns:a16="http://schemas.microsoft.com/office/drawing/2014/main" id="{3C5B600D-B003-4F23-B24F-32B298F54881}"/>
-              </a:ext>
-            </a:extLst>
-          </p:cNvPr>
-          <p:cNvSpPr/>
-          <p:nvPr/>
-        </p:nvSpPr>
-        <p:spPr>
-          <a:xfrm rot="16200000">
-            <a:off x="8879418" y="1408034"/>
-            <a:ext cx="436817" cy="954195"/>
-          </a:xfrm>
-          <a:prstGeom prst="bentArrow">
-            <a:avLst>
-              <a:gd name="adj1" fmla="val 30020"/>
-              <a:gd name="adj2" fmla="val 23858"/>
-              <a:gd name="adj3" fmla="val 31853"/>
-              <a:gd name="adj4" fmla="val 45401"/>
-            </a:avLst>
-          </a:prstGeom>
-        </p:spPr>
-        <p:style>
-          <a:lnRef idx="2">
-            <a:schemeClr val="accent1">
-              <a:shade val="50000"/>
-            </a:schemeClr>
-          </a:lnRef>
-          <a:fillRef idx="1">
-            <a:schemeClr val="accent1"/>
-          </a:fillRef>
-          <a:effectRef idx="0">
-            <a:schemeClr val="accent1"/>
-          </a:effectRef>
-          <a:fontRef idx="minor">
-            <a:schemeClr val="lt1"/>
-          </a:fontRef>
-        </p:style>
-        <p:txBody>
-          <a:bodyPr rtlCol="0" anchor="ctr"/>
-          <a:lstStyle/>
-          <a:p>
-            <a:pPr algn="ctr"/>
-            <a:endParaRPr lang="en-US">
-              <a:solidFill>
-                <a:schemeClr val="tx1"/>
-              </a:solidFill>
-            </a:endParaRPr>
-          </a:p>
-        </p:txBody>
-      </p:sp>
-      <p:sp>
-        <p:nvSpPr>
-          <p:cNvPr id="122" name="Arrow: Bent 121">
-            <a:extLst>
-              <a:ext uri="{FF2B5EF4-FFF2-40B4-BE49-F238E27FC236}">
-                <a16:creationId xmlns:a16="http://schemas.microsoft.com/office/drawing/2014/main" id="{0A371820-FB66-4B8F-861C-142DE7473493}"/>
-              </a:ext>
-            </a:extLst>
-          </p:cNvPr>
-          <p:cNvSpPr/>
-          <p:nvPr/>
-        </p:nvSpPr>
-        <p:spPr>
-          <a:xfrm rot="16200000" flipV="1">
-            <a:off x="9932099" y="1102780"/>
-            <a:ext cx="436817" cy="1564703"/>
-          </a:xfrm>
-          <a:prstGeom prst="bentArrow">
-            <a:avLst>
-              <a:gd name="adj1" fmla="val 30020"/>
-              <a:gd name="adj2" fmla="val 23858"/>
-              <a:gd name="adj3" fmla="val 31853"/>
-              <a:gd name="adj4" fmla="val 45401"/>
-            </a:avLst>
-          </a:prstGeom>
-        </p:spPr>
-        <p:style>
-          <a:lnRef idx="2">
-            <a:schemeClr val="accent1">
-              <a:shade val="50000"/>
-            </a:schemeClr>
-          </a:lnRef>
-          <a:fillRef idx="1">
-            <a:schemeClr val="accent1"/>
-          </a:fillRef>
-          <a:effectRef idx="0">
-            <a:schemeClr val="accent1"/>
-          </a:effectRef>
-          <a:fontRef idx="minor">
-            <a:schemeClr val="lt1"/>
-          </a:fontRef>
-        </p:style>
-        <p:txBody>
-          <a:bodyPr rtlCol="0" anchor="ctr"/>
-          <a:lstStyle/>
-          <a:p>
-            <a:pPr algn="ctr"/>
-            <a:endParaRPr lang="en-US">
-              <a:solidFill>
-                <a:schemeClr val="tx1"/>
-              </a:solidFill>
-            </a:endParaRPr>
-          </a:p>
-        </p:txBody>
-      </p:sp>
-      <p:sp>
-        <p:nvSpPr>
-          <p:cNvPr id="123" name="Rectangle 122">
-            <a:extLst>
-              <a:ext uri="{FF2B5EF4-FFF2-40B4-BE49-F238E27FC236}">
-                <a16:creationId xmlns:a16="http://schemas.microsoft.com/office/drawing/2014/main" id="{99E795C3-B100-4602-B5C1-8BDAC22BC8A2}"/>
-              </a:ext>
-            </a:extLst>
-          </p:cNvPr>
-          <p:cNvSpPr/>
-          <p:nvPr/>
-        </p:nvSpPr>
-        <p:spPr>
-          <a:xfrm>
-            <a:off x="9504824" y="2022643"/>
-            <a:ext cx="110686" cy="234975"/>
-          </a:xfrm>
-          <a:prstGeom prst="rect">
-            <a:avLst/>
-          </a:prstGeom>
-        </p:spPr>
-        <p:style>
-          <a:lnRef idx="2">
-            <a:schemeClr val="accent1">
-              <a:shade val="50000"/>
-            </a:schemeClr>
-          </a:lnRef>
-          <a:fillRef idx="1">
-            <a:schemeClr val="accent1"/>
-          </a:fillRef>
-          <a:effectRef idx="0">
-            <a:schemeClr val="accent1"/>
-          </a:effectRef>
-          <a:fontRef idx="minor">
-            <a:schemeClr val="lt1"/>
-          </a:fontRef>
-        </p:style>
-        <p:txBody>
-          <a:bodyPr rtlCol="0" anchor="ctr"/>
-          <a:lstStyle/>
-          <a:p>
-            <a:pPr algn="ctr"/>
-            <a:endParaRPr lang="en-US"/>
-          </a:p>
-        </p:txBody>
-      </p:sp>
-      <p:sp>
-        <p:nvSpPr>
           <p:cNvPr id="34" name="Left Brace 33">
             <a:extLst>
               <a:ext uri="{FF2B5EF4-FFF2-40B4-BE49-F238E27FC236}">
@@ -16348,7 +14920,7 @@
         </p:nvGrpSpPr>
         <p:grpSpPr>
           <a:xfrm>
-            <a:off x="8839975" y="5007698"/>
+            <a:off x="7077481" y="4964946"/>
             <a:ext cx="1352367" cy="1622840"/>
             <a:chOff x="8839975" y="5007698"/>
             <a:chExt cx="1352367" cy="1622840"/>
@@ -16595,7 +15167,7 @@
             <p:nvPr/>
           </p:nvPicPr>
           <p:blipFill>
-            <a:blip r:embed="rId22">
+            <a:blip r:embed="rId23">
               <a:extLst>
                 <a:ext uri="{28A0092B-C50C-407E-A947-70E740481C1C}">
                   <a14:useLocalDpi xmlns:a14="http://schemas.microsoft.com/office/drawing/2010/main" val="0"/>
@@ -16619,10 +15191,10 @@
       </p:grpSp>
       <p:grpSp>
         <p:nvGrpSpPr>
-          <p:cNvPr id="103" name="Group 102">
-            <a:extLst>
-              <a:ext uri="{FF2B5EF4-FFF2-40B4-BE49-F238E27FC236}">
-                <a16:creationId xmlns:a16="http://schemas.microsoft.com/office/drawing/2014/main" id="{66147118-99FB-4F6B-8B19-C4285A96B1DB}"/>
+          <p:cNvPr id="36" name="Group 35">
+            <a:extLst>
+              <a:ext uri="{FF2B5EF4-FFF2-40B4-BE49-F238E27FC236}">
+                <a16:creationId xmlns:a16="http://schemas.microsoft.com/office/drawing/2014/main" id="{97C383BA-C3EB-4C0B-AA20-33A6B1A2CE2A}"/>
               </a:ext>
             </a:extLst>
           </p:cNvPr>
@@ -16631,76 +15203,18 @@
         </p:nvGrpSpPr>
         <p:grpSpPr>
           <a:xfrm>
-            <a:off x="10011961" y="4984809"/>
+            <a:off x="8177096" y="4964946"/>
             <a:ext cx="1352367" cy="1622840"/>
-            <a:chOff x="9426000" y="2349000"/>
-            <a:chExt cx="1800000" cy="2160000"/>
+            <a:chOff x="10011961" y="4984809"/>
+            <a:chExt cx="1352367" cy="1622840"/>
           </a:xfrm>
         </p:grpSpPr>
-        <p:sp>
-          <p:nvSpPr>
-            <p:cNvPr id="105" name="Rectangle: Diagonal Corners Rounded 104">
+        <p:grpSp>
+          <p:nvGrpSpPr>
+            <p:cNvPr id="103" name="Group 102">
               <a:extLst>
                 <a:ext uri="{FF2B5EF4-FFF2-40B4-BE49-F238E27FC236}">
-                  <a16:creationId xmlns:a16="http://schemas.microsoft.com/office/drawing/2014/main" id="{F8CCAF75-BE03-43D0-8EFC-D672014A0DF2}"/>
-                </a:ext>
-              </a:extLst>
-            </p:cNvPr>
-            <p:cNvSpPr/>
-            <p:nvPr/>
-          </p:nvSpPr>
-          <p:spPr>
-            <a:xfrm>
-              <a:off x="9777000" y="2349000"/>
-              <a:ext cx="1098000" cy="1098000"/>
-            </a:xfrm>
-            <a:prstGeom prst="round2DiagRect">
-              <a:avLst>
-                <a:gd name="adj1" fmla="val 29727"/>
-                <a:gd name="adj2" fmla="val 0"/>
-              </a:avLst>
-            </a:prstGeom>
-            <a:solidFill>
-              <a:schemeClr val="accent6">
-                <a:lumMod val="75000"/>
-              </a:schemeClr>
-            </a:solidFill>
-          </p:spPr>
-          <p:style>
-            <a:lnRef idx="0">
-              <a:schemeClr val="lt2">
-                <a:alpha val="0"/>
-                <a:hueOff val="0"/>
-                <a:satOff val="0"/>
-                <a:lumOff val="0"/>
-                <a:alphaOff val="0"/>
-              </a:schemeClr>
-            </a:lnRef>
-            <a:fillRef idx="1">
-              <a:schemeClr val="dk2">
-                <a:hueOff val="0"/>
-                <a:satOff val="0"/>
-                <a:lumOff val="0"/>
-                <a:alphaOff val="0"/>
-              </a:schemeClr>
-            </a:fillRef>
-            <a:effectRef idx="0">
-              <a:schemeClr val="dk2">
-                <a:hueOff val="0"/>
-                <a:satOff val="0"/>
-                <a:lumOff val="0"/>
-                <a:alphaOff val="0"/>
-              </a:schemeClr>
-            </a:effectRef>
-            <a:fontRef idx="minor"/>
-          </p:style>
-        </p:sp>
-        <p:grpSp>
-          <p:nvGrpSpPr>
-            <p:cNvPr id="106" name="Group 105">
-              <a:extLst>
-                <a:ext uri="{FF2B5EF4-FFF2-40B4-BE49-F238E27FC236}">
-                  <a16:creationId xmlns:a16="http://schemas.microsoft.com/office/drawing/2014/main" id="{2BF21E6E-CC85-417E-B278-EEC4E1862DC9}"/>
+                  <a16:creationId xmlns:a16="http://schemas.microsoft.com/office/drawing/2014/main" id="{66147118-99FB-4F6B-8B19-C4285A96B1DB}"/>
                 </a:ext>
               </a:extLst>
             </p:cNvPr>
@@ -16709,18 +15223,18 @@
           </p:nvGrpSpPr>
           <p:grpSpPr>
             <a:xfrm>
-              <a:off x="9426000" y="3789000"/>
-              <a:ext cx="1800000" cy="720000"/>
-              <a:chOff x="8587800" y="2535669"/>
-              <a:chExt cx="1800000" cy="720000"/>
+              <a:off x="10011961" y="4984809"/>
+              <a:ext cx="1352367" cy="1622840"/>
+              <a:chOff x="9426000" y="2349000"/>
+              <a:chExt cx="1800000" cy="2160000"/>
             </a:xfrm>
           </p:grpSpPr>
           <p:sp>
             <p:nvSpPr>
-              <p:cNvPr id="107" name="Rectangle 106">
+              <p:cNvPr id="105" name="Rectangle: Diagonal Corners Rounded 104">
                 <a:extLst>
                   <a:ext uri="{FF2B5EF4-FFF2-40B4-BE49-F238E27FC236}">
-                    <a16:creationId xmlns:a16="http://schemas.microsoft.com/office/drawing/2014/main" id="{FF76E184-8598-44E4-B4BE-50C178A9BCCC}"/>
+                    <a16:creationId xmlns:a16="http://schemas.microsoft.com/office/drawing/2014/main" id="{F8CCAF75-BE03-43D0-8EFC-D672014A0DF2}"/>
                   </a:ext>
                 </a:extLst>
               </p:cNvPr>
@@ -16729,16 +15243,24 @@
             </p:nvSpPr>
             <p:spPr>
               <a:xfrm>
-                <a:off x="8587800" y="2535669"/>
-                <a:ext cx="1800000" cy="720000"/>
+                <a:off x="9777000" y="2349000"/>
+                <a:ext cx="1098000" cy="1098000"/>
               </a:xfrm>
-              <a:prstGeom prst="rect">
-                <a:avLst/>
+              <a:prstGeom prst="round2DiagRect">
+                <a:avLst>
+                  <a:gd name="adj1" fmla="val 29727"/>
+                  <a:gd name="adj2" fmla="val 0"/>
+                </a:avLst>
               </a:prstGeom>
+              <a:solidFill>
+                <a:schemeClr val="accent6">
+                  <a:lumMod val="75000"/>
+                </a:schemeClr>
+              </a:solidFill>
             </p:spPr>
             <p:style>
               <a:lnRef idx="0">
-                <a:schemeClr val="dk2">
+                <a:schemeClr val="lt2">
                   <a:alpha val="0"/>
                   <a:hueOff val="0"/>
                   <a:satOff val="0"/>
@@ -16746,9 +15268,8 @@
                   <a:alphaOff val="0"/>
                 </a:schemeClr>
               </a:lnRef>
-              <a:fillRef idx="0">
+              <a:fillRef idx="1">
                 <a:schemeClr val="dk2">
-                  <a:alpha val="0"/>
                   <a:hueOff val="0"/>
                   <a:satOff val="0"/>
                   <a:lumOff val="0"/>
@@ -16757,127 +15278,199 @@
               </a:fillRef>
               <a:effectRef idx="0">
                 <a:schemeClr val="dk2">
-                  <a:alpha val="0"/>
                   <a:hueOff val="0"/>
                   <a:satOff val="0"/>
                   <a:lumOff val="0"/>
                   <a:alphaOff val="0"/>
                 </a:schemeClr>
               </a:effectRef>
-              <a:fontRef idx="minor">
-                <a:schemeClr val="dk2">
-                  <a:hueOff val="0"/>
-                  <a:satOff val="0"/>
-                  <a:lumOff val="0"/>
-                  <a:alphaOff val="0"/>
-                </a:schemeClr>
-              </a:fontRef>
+              <a:fontRef idx="minor"/>
             </p:style>
           </p:sp>
-          <p:sp>
-            <p:nvSpPr>
-              <p:cNvPr id="108" name="TextBox 107">
+          <p:grpSp>
+            <p:nvGrpSpPr>
+              <p:cNvPr id="106" name="Group 105">
                 <a:extLst>
                   <a:ext uri="{FF2B5EF4-FFF2-40B4-BE49-F238E27FC236}">
-                    <a16:creationId xmlns:a16="http://schemas.microsoft.com/office/drawing/2014/main" id="{AE0C9817-9135-461A-9E14-BF346D4A42E4}"/>
+                    <a16:creationId xmlns:a16="http://schemas.microsoft.com/office/drawing/2014/main" id="{2BF21E6E-CC85-417E-B278-EEC4E1862DC9}"/>
                   </a:ext>
                 </a:extLst>
               </p:cNvPr>
-              <p:cNvSpPr txBox="1"/>
+              <p:cNvGrpSpPr/>
               <p:nvPr/>
-            </p:nvSpPr>
-            <p:spPr>
+            </p:nvGrpSpPr>
+            <p:grpSpPr>
               <a:xfrm>
-                <a:off x="8587800" y="2535669"/>
+                <a:off x="9426000" y="3789000"/>
                 <a:ext cx="1800000" cy="720000"/>
+                <a:chOff x="8587800" y="2535669"/>
+                <a:chExt cx="1800000" cy="720000"/>
               </a:xfrm>
-              <a:prstGeom prst="rect">
-                <a:avLst/>
-              </a:prstGeom>
-            </p:spPr>
-            <p:style>
-              <a:lnRef idx="0">
-                <a:scrgbClr r="0" g="0" b="0"/>
-              </a:lnRef>
-              <a:fillRef idx="0">
-                <a:scrgbClr r="0" g="0" b="0"/>
-              </a:fillRef>
-              <a:effectRef idx="0">
-                <a:scrgbClr r="0" g="0" b="0"/>
-              </a:effectRef>
-              <a:fontRef idx="minor">
-                <a:schemeClr val="dk2">
-                  <a:hueOff val="0"/>
-                  <a:satOff val="0"/>
-                  <a:lumOff val="0"/>
-                  <a:alphaOff val="0"/>
-                </a:schemeClr>
-              </a:fontRef>
-            </p:style>
-            <p:txBody>
-              <a:bodyPr spcFirstLastPara="0" vert="horz" wrap="square" lIns="0" tIns="0" rIns="0" bIns="0" numCol="1" spcCol="1270" anchor="t" anchorCtr="0">
-                <a:noAutofit/>
-              </a:bodyPr>
-              <a:lstStyle/>
-              <a:p>
-                <a:pPr marL="0" lvl="0" indent="0" algn="ctr" defTabSz="844550">
-                  <a:lnSpc>
-                    <a:spcPct val="90000"/>
-                  </a:lnSpc>
-                  <a:spcBef>
-                    <a:spcPct val="0"/>
-                  </a:spcBef>
-                  <a:spcAft>
-                    <a:spcPct val="35000"/>
-                  </a:spcAft>
-                  <a:buNone/>
-                  <a:defRPr cap="all"/>
-                </a:pPr>
-                <a:r>
-                  <a:rPr lang="en-US" sz="1200" kern="1200" dirty="0"/>
-                  <a:t>CQL</a:t>
-                </a:r>
-              </a:p>
-            </p:txBody>
-          </p:sp>
+            </p:grpSpPr>
+            <p:sp>
+              <p:nvSpPr>
+                <p:cNvPr id="107" name="Rectangle 106">
+                  <a:extLst>
+                    <a:ext uri="{FF2B5EF4-FFF2-40B4-BE49-F238E27FC236}">
+                      <a16:creationId xmlns:a16="http://schemas.microsoft.com/office/drawing/2014/main" id="{FF76E184-8598-44E4-B4BE-50C178A9BCCC}"/>
+                    </a:ext>
+                  </a:extLst>
+                </p:cNvPr>
+                <p:cNvSpPr/>
+                <p:nvPr/>
+              </p:nvSpPr>
+              <p:spPr>
+                <a:xfrm>
+                  <a:off x="8587800" y="2535669"/>
+                  <a:ext cx="1800000" cy="720000"/>
+                </a:xfrm>
+                <a:prstGeom prst="rect">
+                  <a:avLst/>
+                </a:prstGeom>
+              </p:spPr>
+              <p:style>
+                <a:lnRef idx="0">
+                  <a:schemeClr val="dk2">
+                    <a:alpha val="0"/>
+                    <a:hueOff val="0"/>
+                    <a:satOff val="0"/>
+                    <a:lumOff val="0"/>
+                    <a:alphaOff val="0"/>
+                  </a:schemeClr>
+                </a:lnRef>
+                <a:fillRef idx="0">
+                  <a:schemeClr val="dk2">
+                    <a:alpha val="0"/>
+                    <a:hueOff val="0"/>
+                    <a:satOff val="0"/>
+                    <a:lumOff val="0"/>
+                    <a:alphaOff val="0"/>
+                  </a:schemeClr>
+                </a:fillRef>
+                <a:effectRef idx="0">
+                  <a:schemeClr val="dk2">
+                    <a:alpha val="0"/>
+                    <a:hueOff val="0"/>
+                    <a:satOff val="0"/>
+                    <a:lumOff val="0"/>
+                    <a:alphaOff val="0"/>
+                  </a:schemeClr>
+                </a:effectRef>
+                <a:fontRef idx="minor">
+                  <a:schemeClr val="dk2">
+                    <a:hueOff val="0"/>
+                    <a:satOff val="0"/>
+                    <a:lumOff val="0"/>
+                    <a:alphaOff val="0"/>
+                  </a:schemeClr>
+                </a:fontRef>
+              </p:style>
+            </p:sp>
+            <p:sp>
+              <p:nvSpPr>
+                <p:cNvPr id="108" name="TextBox 107">
+                  <a:extLst>
+                    <a:ext uri="{FF2B5EF4-FFF2-40B4-BE49-F238E27FC236}">
+                      <a16:creationId xmlns:a16="http://schemas.microsoft.com/office/drawing/2014/main" id="{AE0C9817-9135-461A-9E14-BF346D4A42E4}"/>
+                    </a:ext>
+                  </a:extLst>
+                </p:cNvPr>
+                <p:cNvSpPr txBox="1"/>
+                <p:nvPr/>
+              </p:nvSpPr>
+              <p:spPr>
+                <a:xfrm>
+                  <a:off x="8587800" y="2535669"/>
+                  <a:ext cx="1800000" cy="720000"/>
+                </a:xfrm>
+                <a:prstGeom prst="rect">
+                  <a:avLst/>
+                </a:prstGeom>
+              </p:spPr>
+              <p:style>
+                <a:lnRef idx="0">
+                  <a:scrgbClr r="0" g="0" b="0"/>
+                </a:lnRef>
+                <a:fillRef idx="0">
+                  <a:scrgbClr r="0" g="0" b="0"/>
+                </a:fillRef>
+                <a:effectRef idx="0">
+                  <a:scrgbClr r="0" g="0" b="0"/>
+                </a:effectRef>
+                <a:fontRef idx="minor">
+                  <a:schemeClr val="dk2">
+                    <a:hueOff val="0"/>
+                    <a:satOff val="0"/>
+                    <a:lumOff val="0"/>
+                    <a:alphaOff val="0"/>
+                  </a:schemeClr>
+                </a:fontRef>
+              </p:style>
+              <p:txBody>
+                <a:bodyPr spcFirstLastPara="0" vert="horz" wrap="square" lIns="0" tIns="0" rIns="0" bIns="0" numCol="1" spcCol="1270" anchor="t" anchorCtr="0">
+                  <a:noAutofit/>
+                </a:bodyPr>
+                <a:lstStyle/>
+                <a:p>
+                  <a:pPr marL="0" lvl="0" indent="0" algn="ctr" defTabSz="844550">
+                    <a:lnSpc>
+                      <a:spcPct val="90000"/>
+                    </a:lnSpc>
+                    <a:spcBef>
+                      <a:spcPct val="0"/>
+                    </a:spcBef>
+                    <a:spcAft>
+                      <a:spcPct val="35000"/>
+                    </a:spcAft>
+                    <a:buNone/>
+                    <a:defRPr cap="all"/>
+                  </a:pPr>
+                  <a:r>
+                    <a:rPr lang="en-US" sz="1200" kern="1200" dirty="0"/>
+                    <a:t>CQL</a:t>
+                  </a:r>
+                </a:p>
+              </p:txBody>
+            </p:sp>
+          </p:grpSp>
         </p:grpSp>
+        <p:pic>
+          <p:nvPicPr>
+            <p:cNvPr id="48" name="Picture 47">
+              <a:extLst>
+                <a:ext uri="{FF2B5EF4-FFF2-40B4-BE49-F238E27FC236}">
+                  <a16:creationId xmlns:a16="http://schemas.microsoft.com/office/drawing/2014/main" id="{E2BAB5B6-AB15-4999-95E0-A9EAA61D4CBD}"/>
+                </a:ext>
+              </a:extLst>
+            </p:cNvPr>
+            <p:cNvPicPr>
+              <a:picLocks noChangeAspect="1"/>
+            </p:cNvPicPr>
+            <p:nvPr/>
+          </p:nvPicPr>
+          <p:blipFill>
+            <a:blip r:embed="rId24">
+              <a:extLst>
+                <a:ext uri="{28A0092B-C50C-407E-A947-70E740481C1C}">
+                  <a14:useLocalDpi xmlns:a14="http://schemas.microsoft.com/office/drawing/2010/main" val="0"/>
+                </a:ext>
+              </a:extLst>
+            </a:blip>
+            <a:stretch>
+              <a:fillRect/>
+            </a:stretch>
+          </p:blipFill>
+          <p:spPr>
+            <a:xfrm>
+              <a:off x="10384240" y="5089793"/>
+              <a:ext cx="607807" cy="607807"/>
+            </a:xfrm>
+            <a:prstGeom prst="rect">
+              <a:avLst/>
+            </a:prstGeom>
+          </p:spPr>
+        </p:pic>
       </p:grpSp>
-      <p:pic>
-        <p:nvPicPr>
-          <p:cNvPr id="48" name="Picture 47">
-            <a:extLst>
-              <a:ext uri="{FF2B5EF4-FFF2-40B4-BE49-F238E27FC236}">
-                <a16:creationId xmlns:a16="http://schemas.microsoft.com/office/drawing/2014/main" id="{E2BAB5B6-AB15-4999-95E0-A9EAA61D4CBD}"/>
-              </a:ext>
-            </a:extLst>
-          </p:cNvPr>
-          <p:cNvPicPr>
-            <a:picLocks noChangeAspect="1"/>
-          </p:cNvPicPr>
-          <p:nvPr/>
-        </p:nvPicPr>
-        <p:blipFill>
-          <a:blip r:embed="rId23">
-            <a:extLst>
-              <a:ext uri="{28A0092B-C50C-407E-A947-70E740481C1C}">
-                <a14:useLocalDpi xmlns:a14="http://schemas.microsoft.com/office/drawing/2010/main" val="0"/>
-              </a:ext>
-            </a:extLst>
-          </a:blip>
-          <a:stretch>
-            <a:fillRect/>
-          </a:stretch>
-        </p:blipFill>
-        <p:spPr>
-          <a:xfrm>
-            <a:off x="10384240" y="5089793"/>
-            <a:ext cx="607807" cy="607807"/>
-          </a:xfrm>
-          <a:prstGeom prst="rect">
-            <a:avLst/>
-          </a:prstGeom>
-        </p:spPr>
-      </p:pic>
       <p:sp>
         <p:nvSpPr>
           <p:cNvPr id="100" name="Left Brace 99">
@@ -17141,7 +15734,7 @@
             <p:nvPr/>
           </p:nvPicPr>
           <p:blipFill>
-            <a:blip r:embed="rId24">
+            <a:blip r:embed="rId25">
               <a:extLst>
                 <a:ext uri="{28A0092B-C50C-407E-A947-70E740481C1C}">
                   <a14:useLocalDpi xmlns:a14="http://schemas.microsoft.com/office/drawing/2010/main" val="0"/>
@@ -17163,12 +15756,612 @@
           </p:spPr>
         </p:pic>
       </p:grpSp>
-      <p:sp>
-        <p:nvSpPr>
-          <p:cNvPr id="111" name="Arrow: Bent 110">
-            <a:extLst>
-              <a:ext uri="{FF2B5EF4-FFF2-40B4-BE49-F238E27FC236}">
-                <a16:creationId xmlns:a16="http://schemas.microsoft.com/office/drawing/2014/main" id="{4C086D16-38B3-4EF5-B13A-0FA4227D36A3}"/>
+      <p:grpSp>
+        <p:nvGrpSpPr>
+          <p:cNvPr id="65" name="Group 64">
+            <a:extLst>
+              <a:ext uri="{FF2B5EF4-FFF2-40B4-BE49-F238E27FC236}">
+                <a16:creationId xmlns:a16="http://schemas.microsoft.com/office/drawing/2014/main" id="{FBECF050-E3C9-493D-AB1D-ADCED9FEF278}"/>
+              </a:ext>
+            </a:extLst>
+          </p:cNvPr>
+          <p:cNvGrpSpPr/>
+          <p:nvPr/>
+        </p:nvGrpSpPr>
+        <p:grpSpPr>
+          <a:xfrm>
+            <a:off x="9276711" y="4964946"/>
+            <a:ext cx="1352367" cy="1622840"/>
+            <a:chOff x="9123397" y="4964946"/>
+            <a:chExt cx="1352367" cy="1622840"/>
+          </a:xfrm>
+        </p:grpSpPr>
+        <p:grpSp>
+          <p:nvGrpSpPr>
+            <p:cNvPr id="117" name="Group 116">
+              <a:extLst>
+                <a:ext uri="{FF2B5EF4-FFF2-40B4-BE49-F238E27FC236}">
+                  <a16:creationId xmlns:a16="http://schemas.microsoft.com/office/drawing/2014/main" id="{326D317E-CD30-4F65-BB63-466EA92EAE79}"/>
+                </a:ext>
+              </a:extLst>
+            </p:cNvPr>
+            <p:cNvGrpSpPr/>
+            <p:nvPr/>
+          </p:nvGrpSpPr>
+          <p:grpSpPr>
+            <a:xfrm>
+              <a:off x="9123397" y="4964946"/>
+              <a:ext cx="1352367" cy="1622840"/>
+              <a:chOff x="9426000" y="2349000"/>
+              <a:chExt cx="1800000" cy="2160000"/>
+            </a:xfrm>
+          </p:grpSpPr>
+          <p:sp>
+            <p:nvSpPr>
+              <p:cNvPr id="125" name="Rectangle: Diagonal Corners Rounded 124">
+                <a:extLst>
+                  <a:ext uri="{FF2B5EF4-FFF2-40B4-BE49-F238E27FC236}">
+                    <a16:creationId xmlns:a16="http://schemas.microsoft.com/office/drawing/2014/main" id="{D5DF4D5B-AC50-4F97-870C-E706AF4E20ED}"/>
+                  </a:ext>
+                </a:extLst>
+              </p:cNvPr>
+              <p:cNvSpPr/>
+              <p:nvPr/>
+            </p:nvSpPr>
+            <p:spPr>
+              <a:xfrm>
+                <a:off x="9777000" y="2349000"/>
+                <a:ext cx="1098000" cy="1098000"/>
+              </a:xfrm>
+              <a:prstGeom prst="round2DiagRect">
+                <a:avLst>
+                  <a:gd name="adj1" fmla="val 29727"/>
+                  <a:gd name="adj2" fmla="val 0"/>
+                </a:avLst>
+              </a:prstGeom>
+              <a:solidFill>
+                <a:schemeClr val="accent6">
+                  <a:lumMod val="75000"/>
+                </a:schemeClr>
+              </a:solidFill>
+            </p:spPr>
+            <p:style>
+              <a:lnRef idx="0">
+                <a:schemeClr val="lt2">
+                  <a:alpha val="0"/>
+                  <a:hueOff val="0"/>
+                  <a:satOff val="0"/>
+                  <a:lumOff val="0"/>
+                  <a:alphaOff val="0"/>
+                </a:schemeClr>
+              </a:lnRef>
+              <a:fillRef idx="1">
+                <a:schemeClr val="dk2">
+                  <a:hueOff val="0"/>
+                  <a:satOff val="0"/>
+                  <a:lumOff val="0"/>
+                  <a:alphaOff val="0"/>
+                </a:schemeClr>
+              </a:fillRef>
+              <a:effectRef idx="0">
+                <a:schemeClr val="dk2">
+                  <a:hueOff val="0"/>
+                  <a:satOff val="0"/>
+                  <a:lumOff val="0"/>
+                  <a:alphaOff val="0"/>
+                </a:schemeClr>
+              </a:effectRef>
+              <a:fontRef idx="minor"/>
+            </p:style>
+          </p:sp>
+          <p:grpSp>
+            <p:nvGrpSpPr>
+              <p:cNvPr id="126" name="Group 125">
+                <a:extLst>
+                  <a:ext uri="{FF2B5EF4-FFF2-40B4-BE49-F238E27FC236}">
+                    <a16:creationId xmlns:a16="http://schemas.microsoft.com/office/drawing/2014/main" id="{DE88F40C-5C7A-4B38-9440-43BD32F4CBC5}"/>
+                  </a:ext>
+                </a:extLst>
+              </p:cNvPr>
+              <p:cNvGrpSpPr/>
+              <p:nvPr/>
+            </p:nvGrpSpPr>
+            <p:grpSpPr>
+              <a:xfrm>
+                <a:off x="9426000" y="3789000"/>
+                <a:ext cx="1800000" cy="720000"/>
+                <a:chOff x="8587800" y="2535669"/>
+                <a:chExt cx="1800000" cy="720000"/>
+              </a:xfrm>
+            </p:grpSpPr>
+            <p:sp>
+              <p:nvSpPr>
+                <p:cNvPr id="127" name="Rectangle 126">
+                  <a:extLst>
+                    <a:ext uri="{FF2B5EF4-FFF2-40B4-BE49-F238E27FC236}">
+                      <a16:creationId xmlns:a16="http://schemas.microsoft.com/office/drawing/2014/main" id="{1DCC155F-2427-4AD8-AFB7-1238B65341E0}"/>
+                    </a:ext>
+                  </a:extLst>
+                </p:cNvPr>
+                <p:cNvSpPr/>
+                <p:nvPr/>
+              </p:nvSpPr>
+              <p:spPr>
+                <a:xfrm>
+                  <a:off x="8587800" y="2535669"/>
+                  <a:ext cx="1800000" cy="720000"/>
+                </a:xfrm>
+                <a:prstGeom prst="rect">
+                  <a:avLst/>
+                </a:prstGeom>
+              </p:spPr>
+              <p:style>
+                <a:lnRef idx="0">
+                  <a:schemeClr val="dk2">
+                    <a:alpha val="0"/>
+                    <a:hueOff val="0"/>
+                    <a:satOff val="0"/>
+                    <a:lumOff val="0"/>
+                    <a:alphaOff val="0"/>
+                  </a:schemeClr>
+                </a:lnRef>
+                <a:fillRef idx="0">
+                  <a:schemeClr val="dk2">
+                    <a:alpha val="0"/>
+                    <a:hueOff val="0"/>
+                    <a:satOff val="0"/>
+                    <a:lumOff val="0"/>
+                    <a:alphaOff val="0"/>
+                  </a:schemeClr>
+                </a:fillRef>
+                <a:effectRef idx="0">
+                  <a:schemeClr val="dk2">
+                    <a:alpha val="0"/>
+                    <a:hueOff val="0"/>
+                    <a:satOff val="0"/>
+                    <a:lumOff val="0"/>
+                    <a:alphaOff val="0"/>
+                  </a:schemeClr>
+                </a:effectRef>
+                <a:fontRef idx="minor">
+                  <a:schemeClr val="dk2">
+                    <a:hueOff val="0"/>
+                    <a:satOff val="0"/>
+                    <a:lumOff val="0"/>
+                    <a:alphaOff val="0"/>
+                  </a:schemeClr>
+                </a:fontRef>
+              </p:style>
+            </p:sp>
+            <p:sp>
+              <p:nvSpPr>
+                <p:cNvPr id="128" name="TextBox 127">
+                  <a:extLst>
+                    <a:ext uri="{FF2B5EF4-FFF2-40B4-BE49-F238E27FC236}">
+                      <a16:creationId xmlns:a16="http://schemas.microsoft.com/office/drawing/2014/main" id="{A0C1873B-CC60-43EB-8498-C25902669AA1}"/>
+                    </a:ext>
+                  </a:extLst>
+                </p:cNvPr>
+                <p:cNvSpPr txBox="1"/>
+                <p:nvPr/>
+              </p:nvSpPr>
+              <p:spPr>
+                <a:xfrm>
+                  <a:off x="8587800" y="2535669"/>
+                  <a:ext cx="1800000" cy="720000"/>
+                </a:xfrm>
+                <a:prstGeom prst="rect">
+                  <a:avLst/>
+                </a:prstGeom>
+              </p:spPr>
+              <p:style>
+                <a:lnRef idx="0">
+                  <a:scrgbClr r="0" g="0" b="0"/>
+                </a:lnRef>
+                <a:fillRef idx="0">
+                  <a:scrgbClr r="0" g="0" b="0"/>
+                </a:fillRef>
+                <a:effectRef idx="0">
+                  <a:scrgbClr r="0" g="0" b="0"/>
+                </a:effectRef>
+                <a:fontRef idx="minor">
+                  <a:schemeClr val="dk2">
+                    <a:hueOff val="0"/>
+                    <a:satOff val="0"/>
+                    <a:lumOff val="0"/>
+                    <a:alphaOff val="0"/>
+                  </a:schemeClr>
+                </a:fontRef>
+              </p:style>
+              <p:txBody>
+                <a:bodyPr spcFirstLastPara="0" vert="horz" wrap="square" lIns="0" tIns="0" rIns="0" bIns="0" numCol="1" spcCol="1270" anchor="t" anchorCtr="0">
+                  <a:noAutofit/>
+                </a:bodyPr>
+                <a:lstStyle/>
+                <a:p>
+                  <a:pPr marL="0" lvl="0" indent="0" algn="ctr" defTabSz="844550">
+                    <a:lnSpc>
+                      <a:spcPct val="90000"/>
+                    </a:lnSpc>
+                    <a:spcBef>
+                      <a:spcPct val="0"/>
+                    </a:spcBef>
+                    <a:spcAft>
+                      <a:spcPct val="35000"/>
+                    </a:spcAft>
+                    <a:buNone/>
+                    <a:defRPr cap="all"/>
+                  </a:pPr>
+                  <a:r>
+                    <a:rPr lang="en-US" sz="1200" kern="1200" dirty="0"/>
+                    <a:t>CDS Hooks</a:t>
+                  </a:r>
+                </a:p>
+              </p:txBody>
+            </p:sp>
+          </p:grpSp>
+        </p:grpSp>
+        <p:pic>
+          <p:nvPicPr>
+            <p:cNvPr id="64" name="Picture 63">
+              <a:extLst>
+                <a:ext uri="{FF2B5EF4-FFF2-40B4-BE49-F238E27FC236}">
+                  <a16:creationId xmlns:a16="http://schemas.microsoft.com/office/drawing/2014/main" id="{801618FB-30C9-4030-8C20-8EC2256CE7FD}"/>
+                </a:ext>
+              </a:extLst>
+            </p:cNvPr>
+            <p:cNvPicPr>
+              <a:picLocks noChangeAspect="1"/>
+            </p:cNvPicPr>
+            <p:nvPr/>
+          </p:nvPicPr>
+          <p:blipFill>
+            <a:blip r:embed="rId26">
+              <a:extLst>
+                <a:ext uri="{28A0092B-C50C-407E-A947-70E740481C1C}">
+                  <a14:useLocalDpi xmlns:a14="http://schemas.microsoft.com/office/drawing/2010/main" val="0"/>
+                </a:ext>
+              </a:extLst>
+            </a:blip>
+            <a:stretch>
+              <a:fillRect/>
+            </a:stretch>
+          </p:blipFill>
+          <p:spPr>
+            <a:xfrm>
+              <a:off x="9583453" y="5108217"/>
+              <a:ext cx="432254" cy="474771"/>
+            </a:xfrm>
+            <a:prstGeom prst="rect">
+              <a:avLst/>
+            </a:prstGeom>
+          </p:spPr>
+        </p:pic>
+      </p:grpSp>
+      <p:grpSp>
+        <p:nvGrpSpPr>
+          <p:cNvPr id="66" name="Group 65">
+            <a:extLst>
+              <a:ext uri="{FF2B5EF4-FFF2-40B4-BE49-F238E27FC236}">
+                <a16:creationId xmlns:a16="http://schemas.microsoft.com/office/drawing/2014/main" id="{14DB6233-86BC-4348-894C-600DEBD4C57A}"/>
+              </a:ext>
+            </a:extLst>
+          </p:cNvPr>
+          <p:cNvGrpSpPr/>
+          <p:nvPr/>
+        </p:nvGrpSpPr>
+        <p:grpSpPr>
+          <a:xfrm>
+            <a:off x="10376326" y="4964946"/>
+            <a:ext cx="1352367" cy="1622840"/>
+            <a:chOff x="10157656" y="4964946"/>
+            <a:chExt cx="1352367" cy="1622840"/>
+          </a:xfrm>
+        </p:grpSpPr>
+        <p:grpSp>
+          <p:nvGrpSpPr>
+            <p:cNvPr id="130" name="Group 129">
+              <a:extLst>
+                <a:ext uri="{FF2B5EF4-FFF2-40B4-BE49-F238E27FC236}">
+                  <a16:creationId xmlns:a16="http://schemas.microsoft.com/office/drawing/2014/main" id="{0C293A96-038E-49B3-BC5D-4F8561E1D655}"/>
+                </a:ext>
+              </a:extLst>
+            </p:cNvPr>
+            <p:cNvGrpSpPr/>
+            <p:nvPr/>
+          </p:nvGrpSpPr>
+          <p:grpSpPr>
+            <a:xfrm>
+              <a:off x="10157656" y="4964946"/>
+              <a:ext cx="1352367" cy="1622840"/>
+              <a:chOff x="9426000" y="2349000"/>
+              <a:chExt cx="1800000" cy="2160000"/>
+            </a:xfrm>
+          </p:grpSpPr>
+          <p:sp>
+            <p:nvSpPr>
+              <p:cNvPr id="131" name="Rectangle: Diagonal Corners Rounded 130">
+                <a:extLst>
+                  <a:ext uri="{FF2B5EF4-FFF2-40B4-BE49-F238E27FC236}">
+                    <a16:creationId xmlns:a16="http://schemas.microsoft.com/office/drawing/2014/main" id="{E6353EEA-3EEC-4ACC-80B4-CD7716EB7BFB}"/>
+                  </a:ext>
+                </a:extLst>
+              </p:cNvPr>
+              <p:cNvSpPr/>
+              <p:nvPr/>
+            </p:nvSpPr>
+            <p:spPr>
+              <a:xfrm>
+                <a:off x="9777000" y="2349000"/>
+                <a:ext cx="1098000" cy="1098000"/>
+              </a:xfrm>
+              <a:prstGeom prst="round2DiagRect">
+                <a:avLst>
+                  <a:gd name="adj1" fmla="val 29727"/>
+                  <a:gd name="adj2" fmla="val 0"/>
+                </a:avLst>
+              </a:prstGeom>
+              <a:solidFill>
+                <a:schemeClr val="accent6">
+                  <a:lumMod val="75000"/>
+                </a:schemeClr>
+              </a:solidFill>
+            </p:spPr>
+            <p:style>
+              <a:lnRef idx="0">
+                <a:schemeClr val="lt2">
+                  <a:alpha val="0"/>
+                  <a:hueOff val="0"/>
+                  <a:satOff val="0"/>
+                  <a:lumOff val="0"/>
+                  <a:alphaOff val="0"/>
+                </a:schemeClr>
+              </a:lnRef>
+              <a:fillRef idx="1">
+                <a:schemeClr val="dk2">
+                  <a:hueOff val="0"/>
+                  <a:satOff val="0"/>
+                  <a:lumOff val="0"/>
+                  <a:alphaOff val="0"/>
+                </a:schemeClr>
+              </a:fillRef>
+              <a:effectRef idx="0">
+                <a:schemeClr val="dk2">
+                  <a:hueOff val="0"/>
+                  <a:satOff val="0"/>
+                  <a:lumOff val="0"/>
+                  <a:alphaOff val="0"/>
+                </a:schemeClr>
+              </a:effectRef>
+              <a:fontRef idx="minor"/>
+            </p:style>
+          </p:sp>
+          <p:grpSp>
+            <p:nvGrpSpPr>
+              <p:cNvPr id="132" name="Group 131">
+                <a:extLst>
+                  <a:ext uri="{FF2B5EF4-FFF2-40B4-BE49-F238E27FC236}">
+                    <a16:creationId xmlns:a16="http://schemas.microsoft.com/office/drawing/2014/main" id="{F6B84A81-3D2F-440A-BD5A-D40515D86705}"/>
+                  </a:ext>
+                </a:extLst>
+              </p:cNvPr>
+              <p:cNvGrpSpPr/>
+              <p:nvPr/>
+            </p:nvGrpSpPr>
+            <p:grpSpPr>
+              <a:xfrm>
+                <a:off x="9426000" y="3789000"/>
+                <a:ext cx="1800000" cy="720000"/>
+                <a:chOff x="8587800" y="2535669"/>
+                <a:chExt cx="1800000" cy="720000"/>
+              </a:xfrm>
+            </p:grpSpPr>
+            <p:sp>
+              <p:nvSpPr>
+                <p:cNvPr id="133" name="Rectangle 132">
+                  <a:extLst>
+                    <a:ext uri="{FF2B5EF4-FFF2-40B4-BE49-F238E27FC236}">
+                      <a16:creationId xmlns:a16="http://schemas.microsoft.com/office/drawing/2014/main" id="{B6268DC6-6D39-4D53-B993-96C3B15D68FF}"/>
+                    </a:ext>
+                  </a:extLst>
+                </p:cNvPr>
+                <p:cNvSpPr/>
+                <p:nvPr/>
+              </p:nvSpPr>
+              <p:spPr>
+                <a:xfrm>
+                  <a:off x="8587800" y="2535669"/>
+                  <a:ext cx="1800000" cy="720000"/>
+                </a:xfrm>
+                <a:prstGeom prst="rect">
+                  <a:avLst/>
+                </a:prstGeom>
+              </p:spPr>
+              <p:style>
+                <a:lnRef idx="0">
+                  <a:schemeClr val="dk2">
+                    <a:alpha val="0"/>
+                    <a:hueOff val="0"/>
+                    <a:satOff val="0"/>
+                    <a:lumOff val="0"/>
+                    <a:alphaOff val="0"/>
+                  </a:schemeClr>
+                </a:lnRef>
+                <a:fillRef idx="0">
+                  <a:schemeClr val="dk2">
+                    <a:alpha val="0"/>
+                    <a:hueOff val="0"/>
+                    <a:satOff val="0"/>
+                    <a:lumOff val="0"/>
+                    <a:alphaOff val="0"/>
+                  </a:schemeClr>
+                </a:fillRef>
+                <a:effectRef idx="0">
+                  <a:schemeClr val="dk2">
+                    <a:alpha val="0"/>
+                    <a:hueOff val="0"/>
+                    <a:satOff val="0"/>
+                    <a:lumOff val="0"/>
+                    <a:alphaOff val="0"/>
+                  </a:schemeClr>
+                </a:effectRef>
+                <a:fontRef idx="minor">
+                  <a:schemeClr val="dk2">
+                    <a:hueOff val="0"/>
+                    <a:satOff val="0"/>
+                    <a:lumOff val="0"/>
+                    <a:alphaOff val="0"/>
+                  </a:schemeClr>
+                </a:fontRef>
+              </p:style>
+            </p:sp>
+            <p:sp>
+              <p:nvSpPr>
+                <p:cNvPr id="134" name="TextBox 133">
+                  <a:extLst>
+                    <a:ext uri="{FF2B5EF4-FFF2-40B4-BE49-F238E27FC236}">
+                      <a16:creationId xmlns:a16="http://schemas.microsoft.com/office/drawing/2014/main" id="{D585DD89-3D7D-403F-AE6C-19D85FB3C577}"/>
+                    </a:ext>
+                  </a:extLst>
+                </p:cNvPr>
+                <p:cNvSpPr txBox="1"/>
+                <p:nvPr/>
+              </p:nvSpPr>
+              <p:spPr>
+                <a:xfrm>
+                  <a:off x="8587800" y="2535669"/>
+                  <a:ext cx="1800000" cy="720000"/>
+                </a:xfrm>
+                <a:prstGeom prst="rect">
+                  <a:avLst/>
+                </a:prstGeom>
+              </p:spPr>
+              <p:style>
+                <a:lnRef idx="0">
+                  <a:scrgbClr r="0" g="0" b="0"/>
+                </a:lnRef>
+                <a:fillRef idx="0">
+                  <a:scrgbClr r="0" g="0" b="0"/>
+                </a:fillRef>
+                <a:effectRef idx="0">
+                  <a:scrgbClr r="0" g="0" b="0"/>
+                </a:effectRef>
+                <a:fontRef idx="minor">
+                  <a:schemeClr val="dk2">
+                    <a:hueOff val="0"/>
+                    <a:satOff val="0"/>
+                    <a:lumOff val="0"/>
+                    <a:alphaOff val="0"/>
+                  </a:schemeClr>
+                </a:fontRef>
+              </p:style>
+              <p:txBody>
+                <a:bodyPr spcFirstLastPara="0" vert="horz" wrap="square" lIns="0" tIns="0" rIns="0" bIns="0" numCol="1" spcCol="1270" anchor="t" anchorCtr="0">
+                  <a:noAutofit/>
+                </a:bodyPr>
+                <a:lstStyle/>
+                <a:p>
+                  <a:pPr marL="0" lvl="0" indent="0" algn="ctr" defTabSz="844550">
+                    <a:lnSpc>
+                      <a:spcPct val="90000"/>
+                    </a:lnSpc>
+                    <a:spcBef>
+                      <a:spcPct val="0"/>
+                    </a:spcBef>
+                    <a:spcAft>
+                      <a:spcPct val="35000"/>
+                    </a:spcAft>
+                    <a:buNone/>
+                    <a:defRPr cap="all"/>
+                  </a:pPr>
+                  <a:r>
+                    <a:rPr lang="en-US" sz="1200" kern="1200" dirty="0"/>
+                    <a:t>SMART</a:t>
+                  </a:r>
+                </a:p>
+              </p:txBody>
+            </p:sp>
+          </p:grpSp>
+        </p:grpSp>
+        <p:pic>
+          <p:nvPicPr>
+            <p:cNvPr id="135" name="Picture 134" descr="smart-logo.png">
+              <a:extLst>
+                <a:ext uri="{FF2B5EF4-FFF2-40B4-BE49-F238E27FC236}">
+                  <a16:creationId xmlns:a16="http://schemas.microsoft.com/office/drawing/2014/main" id="{C2751405-6D8A-4628-AACE-770839E4C596}"/>
+                </a:ext>
+              </a:extLst>
+            </p:cNvPr>
+            <p:cNvPicPr>
+              <a:picLocks noChangeAspect="1"/>
+            </p:cNvPicPr>
+            <p:nvPr/>
+          </p:nvPicPr>
+          <p:blipFill>
+            <a:blip r:embed="rId27" cstate="print">
+              <a:extLst>
+                <a:ext uri="{28A0092B-C50C-407E-A947-70E740481C1C}">
+                  <a14:useLocalDpi xmlns:a14="http://schemas.microsoft.com/office/drawing/2010/main"/>
+                </a:ext>
+              </a:extLst>
+            </a:blip>
+            <a:stretch>
+              <a:fillRect/>
+            </a:stretch>
+          </p:blipFill>
+          <p:spPr>
+            <a:xfrm>
+              <a:off x="10594483" y="5162801"/>
+              <a:ext cx="483387" cy="420187"/>
+            </a:xfrm>
+            <a:prstGeom prst="rect">
+              <a:avLst/>
+            </a:prstGeom>
+          </p:spPr>
+        </p:pic>
+      </p:grpSp>
+      <p:pic>
+        <p:nvPicPr>
+          <p:cNvPr id="53" name="Picture 52">
+            <a:extLst>
+              <a:ext uri="{FF2B5EF4-FFF2-40B4-BE49-F238E27FC236}">
+                <a16:creationId xmlns:a16="http://schemas.microsoft.com/office/drawing/2014/main" id="{E7DFD763-7080-422C-8662-80C8ED61F56B}"/>
+              </a:ext>
+            </a:extLst>
+          </p:cNvPr>
+          <p:cNvPicPr>
+            <a:picLocks noChangeAspect="1"/>
+          </p:cNvPicPr>
+          <p:nvPr/>
+        </p:nvPicPr>
+        <p:blipFill>
+          <a:blip r:embed="rId28">
+            <a:extLst>
+              <a:ext uri="{28A0092B-C50C-407E-A947-70E740481C1C}">
+                <a14:useLocalDpi xmlns:a14="http://schemas.microsoft.com/office/drawing/2010/main" val="0"/>
+              </a:ext>
+            </a:extLst>
+          </a:blip>
+          <a:stretch>
+            <a:fillRect/>
+          </a:stretch>
+        </p:blipFill>
+        <p:spPr>
+          <a:xfrm>
+            <a:off x="0" y="6563030"/>
+            <a:ext cx="1128965" cy="211681"/>
+          </a:xfrm>
+          <a:prstGeom prst="rect">
+            <a:avLst/>
+          </a:prstGeom>
+        </p:spPr>
+      </p:pic>
+      <p:sp>
+        <p:nvSpPr>
+          <p:cNvPr id="57" name="Arrow: Bent 56">
+            <a:extLst>
+              <a:ext uri="{FF2B5EF4-FFF2-40B4-BE49-F238E27FC236}">
+                <a16:creationId xmlns:a16="http://schemas.microsoft.com/office/drawing/2014/main" id="{4AEFB82F-4394-4129-AFCA-443931D9D14E}"/>
               </a:ext>
             </a:extLst>
           </p:cNvPr>
@@ -17176,16 +16369,16 @@
           <p:nvPr/>
         </p:nvSpPr>
         <p:spPr>
-          <a:xfrm rot="16200000" flipV="1">
-            <a:off x="10474452" y="3387302"/>
-            <a:ext cx="436817" cy="1257216"/>
+          <a:xfrm>
+            <a:off x="1337482" y="772259"/>
+            <a:ext cx="3633430" cy="1246294"/>
           </a:xfrm>
           <a:prstGeom prst="bentArrow">
             <a:avLst>
-              <a:gd name="adj1" fmla="val 30020"/>
-              <a:gd name="adj2" fmla="val 23858"/>
-              <a:gd name="adj3" fmla="val 31853"/>
-              <a:gd name="adj4" fmla="val 45401"/>
+              <a:gd name="adj1" fmla="val 10631"/>
+              <a:gd name="adj2" fmla="val 13495"/>
+              <a:gd name="adj3" fmla="val 14332"/>
+              <a:gd name="adj4" fmla="val 40723"/>
             </a:avLst>
           </a:prstGeom>
         </p:spPr>
@@ -17220,10 +16413,10 @@
       </p:sp>
       <p:sp>
         <p:nvSpPr>
-          <p:cNvPr id="114" name="Rectangle 113">
-            <a:extLst>
-              <a:ext uri="{FF2B5EF4-FFF2-40B4-BE49-F238E27FC236}">
-                <a16:creationId xmlns:a16="http://schemas.microsoft.com/office/drawing/2014/main" id="{A608B4B3-6ACA-468C-9B87-D84219668E0A}"/>
+          <p:cNvPr id="67" name="Rectangle 66">
+            <a:extLst>
+              <a:ext uri="{FF2B5EF4-FFF2-40B4-BE49-F238E27FC236}">
+                <a16:creationId xmlns:a16="http://schemas.microsoft.com/office/drawing/2014/main" id="{ED02D3AD-4BF4-4E73-8D35-0A05EA5835E8}"/>
               </a:ext>
             </a:extLst>
           </p:cNvPr>
@@ -17232,8 +16425,8 @@
         </p:nvSpPr>
         <p:spPr>
           <a:xfrm>
-            <a:off x="7988001" y="4223657"/>
-            <a:ext cx="105969" cy="717782"/>
+            <a:off x="2505248" y="1027246"/>
+            <a:ext cx="121920" cy="1042631"/>
           </a:xfrm>
           <a:prstGeom prst="rect">
             <a:avLst/>
@@ -17264,10 +16457,56 @@
           </a:p>
         </p:txBody>
       </p:sp>
+      <p:sp>
+        <p:nvSpPr>
+          <p:cNvPr id="71" name="Rectangle 70">
+            <a:extLst>
+              <a:ext uri="{FF2B5EF4-FFF2-40B4-BE49-F238E27FC236}">
+                <a16:creationId xmlns:a16="http://schemas.microsoft.com/office/drawing/2014/main" id="{EF8B5642-4847-4284-8FFC-AE041B27EA26}"/>
+              </a:ext>
+            </a:extLst>
+          </p:cNvPr>
+          <p:cNvSpPr/>
+          <p:nvPr/>
+        </p:nvSpPr>
+        <p:spPr>
+          <a:xfrm>
+            <a:off x="3994174" y="1027245"/>
+            <a:ext cx="121920" cy="1042631"/>
+          </a:xfrm>
+          <a:prstGeom prst="rect">
+            <a:avLst/>
+          </a:prstGeom>
+        </p:spPr>
+        <p:style>
+          <a:lnRef idx="2">
+            <a:schemeClr val="accent1">
+              <a:shade val="50000"/>
+            </a:schemeClr>
+          </a:lnRef>
+          <a:fillRef idx="1">
+            <a:schemeClr val="accent1"/>
+          </a:fillRef>
+          <a:effectRef idx="0">
+            <a:schemeClr val="accent1"/>
+          </a:effectRef>
+          <a:fontRef idx="minor">
+            <a:schemeClr val="lt1"/>
+          </a:fontRef>
+        </p:style>
+        <p:txBody>
+          <a:bodyPr rtlCol="0" anchor="ctr"/>
+          <a:lstStyle/>
+          <a:p>
+            <a:pPr algn="ctr"/>
+            <a:endParaRPr lang="en-US"/>
+          </a:p>
+        </p:txBody>
+      </p:sp>
     </p:spTree>
     <p:extLst>
       <p:ext uri="{BB962C8B-B14F-4D97-AF65-F5344CB8AC3E}">
-        <p14:creationId xmlns:p14="http://schemas.microsoft.com/office/powerpoint/2010/main" val="3411187017"/>
+        <p14:creationId xmlns:p14="http://schemas.microsoft.com/office/powerpoint/2010/main" val="1584597918"/>
       </p:ext>
     </p:extLst>
   </p:cSld>
@@ -17277,7 +16516,7 @@
 </p:sld>
 </file>
 
-<file path=ppt/slides/slide7.xml><?xml version="1.0" encoding="utf-8"?>
+<file path=ppt/slides/slide6.xml><?xml version="1.0" encoding="utf-8"?>
 <p:sld xmlns:a="http://schemas.openxmlformats.org/drawingml/2006/main" xmlns:r="http://schemas.openxmlformats.org/officeDocument/2006/relationships" xmlns:p="http://schemas.openxmlformats.org/presentationml/2006/main">
   <p:cSld>
     <p:spTree>
@@ -17485,7 +16724,7 @@
             <a:pPr algn="ctr"/>
             <a:r>
               <a:rPr lang="en-US" dirty="0"/>
-              <a:t>Quality Measurement focused</a:t>
+              <a:t>Use case focused</a:t>
             </a:r>
           </a:p>
         </p:txBody>
@@ -17673,13 +16912,8 @@
             <a:pPr algn="ctr"/>
             <a:r>
               <a:rPr lang="en-US" dirty="0"/>
-              <a:t>DEQM/HEDIS/</a:t>
-            </a:r>
-            <a:r>
-              <a:rPr lang="en-US" dirty="0" err="1"/>
-              <a:t>etc</a:t>
-            </a:r>
-            <a:endParaRPr lang="en-US" dirty="0"/>
+              <a:t>Content</a:t>
+            </a:r>
           </a:p>
         </p:txBody>
       </p:sp>
@@ -18051,788 +17285,42 @@
           </a:p>
         </p:txBody>
       </p:sp>
-    </p:spTree>
-    <p:extLst>
-      <p:ext uri="{BB962C8B-B14F-4D97-AF65-F5344CB8AC3E}">
-        <p14:creationId xmlns:p14="http://schemas.microsoft.com/office/powerpoint/2010/main" val="443574612"/>
-      </p:ext>
-    </p:extLst>
-  </p:cSld>
-  <p:clrMapOvr>
-    <a:masterClrMapping/>
-  </p:clrMapOvr>
-</p:sld>
-</file>
-
-<file path=ppt/slides/slide8.xml><?xml version="1.0" encoding="utf-8"?>
-<p:sld xmlns:a="http://schemas.openxmlformats.org/drawingml/2006/main" xmlns:r="http://schemas.openxmlformats.org/officeDocument/2006/relationships" xmlns:p="http://schemas.openxmlformats.org/presentationml/2006/main">
-  <p:cSld>
-    <p:spTree>
-      <p:nvGrpSpPr>
-        <p:cNvPr id="1" name=""/>
-        <p:cNvGrpSpPr/>
-        <p:nvPr/>
-      </p:nvGrpSpPr>
-      <p:grpSpPr>
-        <a:xfrm>
-          <a:off x="0" y="0"/>
-          <a:ext cx="0" cy="0"/>
-          <a:chOff x="0" y="0"/>
-          <a:chExt cx="0" cy="0"/>
-        </a:xfrm>
-      </p:grpSpPr>
-      <p:sp>
-        <p:nvSpPr>
-          <p:cNvPr id="5" name="Trapezoid 4">
-            <a:extLst>
-              <a:ext uri="{FF2B5EF4-FFF2-40B4-BE49-F238E27FC236}">
-                <a16:creationId xmlns:a16="http://schemas.microsoft.com/office/drawing/2014/main" id="{74DF24FE-5007-4763-BE3F-A86B44B2A45E}"/>
-              </a:ext>
-            </a:extLst>
-          </p:cNvPr>
-          <p:cNvSpPr/>
-          <p:nvPr/>
-        </p:nvSpPr>
+      <p:pic>
+        <p:nvPicPr>
+          <p:cNvPr id="2" name="Picture 1">
+            <a:extLst>
+              <a:ext uri="{FF2B5EF4-FFF2-40B4-BE49-F238E27FC236}">
+                <a16:creationId xmlns:a16="http://schemas.microsoft.com/office/drawing/2014/main" id="{68493320-5E20-49CB-B3BE-E79B4F0532A1}"/>
+              </a:ext>
+            </a:extLst>
+          </p:cNvPr>
+          <p:cNvPicPr>
+            <a:picLocks noChangeAspect="1"/>
+          </p:cNvPicPr>
+          <p:nvPr/>
+        </p:nvPicPr>
+        <p:blipFill>
+          <a:blip r:embed="rId2">
+            <a:extLst>
+              <a:ext uri="{28A0092B-C50C-407E-A947-70E740481C1C}">
+                <a14:useLocalDpi xmlns:a14="http://schemas.microsoft.com/office/drawing/2010/main" val="0"/>
+              </a:ext>
+            </a:extLst>
+          </a:blip>
+          <a:stretch>
+            <a:fillRect/>
+          </a:stretch>
+        </p:blipFill>
         <p:spPr>
           <a:xfrm>
-            <a:off x="2551112" y="4495800"/>
-            <a:ext cx="8153400" cy="1028700"/>
-          </a:xfrm>
-          <a:prstGeom prst="trapezoid">
-            <a:avLst>
-              <a:gd name="adj" fmla="val 50926"/>
-            </a:avLst>
-          </a:prstGeom>
-        </p:spPr>
-        <p:style>
-          <a:lnRef idx="1">
-            <a:schemeClr val="accent2"/>
-          </a:lnRef>
-          <a:fillRef idx="2">
-            <a:schemeClr val="accent2"/>
-          </a:fillRef>
-          <a:effectRef idx="1">
-            <a:schemeClr val="accent2"/>
-          </a:effectRef>
-          <a:fontRef idx="minor">
-            <a:schemeClr val="dk1"/>
-          </a:fontRef>
-        </p:style>
-        <p:txBody>
-          <a:bodyPr rtlCol="0" anchor="ctr"/>
-          <a:lstStyle/>
-          <a:p>
-            <a:pPr algn="ctr"/>
-            <a:r>
-              <a:rPr lang="en-US" dirty="0"/>
-              <a:t>Universally applicable resources and guidance</a:t>
-            </a:r>
-          </a:p>
-        </p:txBody>
-      </p:sp>
-      <p:sp>
-        <p:nvSpPr>
-          <p:cNvPr id="6" name="Trapezoid 5">
-            <a:extLst>
-              <a:ext uri="{FF2B5EF4-FFF2-40B4-BE49-F238E27FC236}">
-                <a16:creationId xmlns:a16="http://schemas.microsoft.com/office/drawing/2014/main" id="{50B2B962-9349-4B5B-8FF3-CF5DDD2DEA35}"/>
-              </a:ext>
-            </a:extLst>
-          </p:cNvPr>
-          <p:cNvSpPr/>
-          <p:nvPr/>
-        </p:nvSpPr>
-        <p:spPr>
-          <a:xfrm>
-            <a:off x="3087687" y="3467100"/>
-            <a:ext cx="7070725" cy="1028700"/>
-          </a:xfrm>
-          <a:prstGeom prst="trapezoid">
-            <a:avLst>
-              <a:gd name="adj" fmla="val 50926"/>
-            </a:avLst>
-          </a:prstGeom>
-        </p:spPr>
-        <p:style>
-          <a:lnRef idx="1">
-            <a:schemeClr val="accent3"/>
-          </a:lnRef>
-          <a:fillRef idx="2">
-            <a:schemeClr val="accent3"/>
-          </a:fillRef>
-          <a:effectRef idx="1">
-            <a:schemeClr val="accent3"/>
-          </a:effectRef>
-          <a:fontRef idx="minor">
-            <a:schemeClr val="dk1"/>
-          </a:fontRef>
-        </p:style>
-        <p:txBody>
-          <a:bodyPr rtlCol="0" anchor="ctr"/>
-          <a:lstStyle/>
-          <a:p>
-            <a:pPr algn="ctr"/>
-            <a:r>
-              <a:rPr lang="en-US" dirty="0"/>
-              <a:t>US Realm specific profiles</a:t>
-            </a:r>
-          </a:p>
-        </p:txBody>
-      </p:sp>
-      <p:sp>
-        <p:nvSpPr>
-          <p:cNvPr id="7" name="Trapezoid 6">
-            <a:extLst>
-              <a:ext uri="{FF2B5EF4-FFF2-40B4-BE49-F238E27FC236}">
-                <a16:creationId xmlns:a16="http://schemas.microsoft.com/office/drawing/2014/main" id="{D5F8BA9C-B816-420E-8BA6-29E06DF95C8C}"/>
-              </a:ext>
-            </a:extLst>
-          </p:cNvPr>
-          <p:cNvSpPr/>
-          <p:nvPr/>
-        </p:nvSpPr>
-        <p:spPr>
-          <a:xfrm>
-            <a:off x="3621087" y="2438400"/>
-            <a:ext cx="6016625" cy="1028700"/>
-          </a:xfrm>
-          <a:prstGeom prst="trapezoid">
-            <a:avLst>
-              <a:gd name="adj" fmla="val 50926"/>
-            </a:avLst>
-          </a:prstGeom>
-        </p:spPr>
-        <p:style>
-          <a:lnRef idx="1">
-            <a:schemeClr val="accent4"/>
-          </a:lnRef>
-          <a:fillRef idx="2">
-            <a:schemeClr val="accent4"/>
-          </a:fillRef>
-          <a:effectRef idx="1">
-            <a:schemeClr val="accent4"/>
-          </a:effectRef>
-          <a:fontRef idx="minor">
-            <a:schemeClr val="dk1"/>
-          </a:fontRef>
-        </p:style>
-        <p:txBody>
-          <a:bodyPr rtlCol="0" anchor="ctr"/>
-          <a:lstStyle/>
-          <a:p>
-            <a:pPr algn="ctr"/>
-            <a:r>
-              <a:rPr lang="en-US" dirty="0"/>
-              <a:t>Quality Improvement focused</a:t>
-            </a:r>
-          </a:p>
-        </p:txBody>
-      </p:sp>
-      <p:sp>
-        <p:nvSpPr>
-          <p:cNvPr id="8" name="Trapezoid 7">
-            <a:extLst>
-              <a:ext uri="{FF2B5EF4-FFF2-40B4-BE49-F238E27FC236}">
-                <a16:creationId xmlns:a16="http://schemas.microsoft.com/office/drawing/2014/main" id="{58D92A33-8EEC-4B0F-A875-C570D8F758F1}"/>
-              </a:ext>
-            </a:extLst>
-          </p:cNvPr>
-          <p:cNvSpPr/>
-          <p:nvPr/>
-        </p:nvSpPr>
-        <p:spPr>
-          <a:xfrm>
-            <a:off x="4141787" y="1409700"/>
-            <a:ext cx="4975225" cy="1028700"/>
-          </a:xfrm>
-          <a:prstGeom prst="trapezoid">
-            <a:avLst>
-              <a:gd name="adj" fmla="val 50926"/>
-            </a:avLst>
-          </a:prstGeom>
-        </p:spPr>
-        <p:style>
-          <a:lnRef idx="1">
-            <a:schemeClr val="accent1"/>
-          </a:lnRef>
-          <a:fillRef idx="2">
-            <a:schemeClr val="accent1"/>
-          </a:fillRef>
-          <a:effectRef idx="1">
-            <a:schemeClr val="accent1"/>
-          </a:effectRef>
-          <a:fontRef idx="minor">
-            <a:schemeClr val="dk1"/>
-          </a:fontRef>
-        </p:style>
-        <p:txBody>
-          <a:bodyPr rtlCol="0" anchor="ctr"/>
-          <a:lstStyle/>
-          <a:p>
-            <a:pPr algn="ctr"/>
-            <a:r>
-              <a:rPr lang="en-US" dirty="0"/>
-              <a:t>Use case focused</a:t>
-            </a:r>
-          </a:p>
-        </p:txBody>
-      </p:sp>
-      <p:sp>
-        <p:nvSpPr>
-          <p:cNvPr id="10" name="Rectangle 9">
-            <a:extLst>
-              <a:ext uri="{FF2B5EF4-FFF2-40B4-BE49-F238E27FC236}">
-                <a16:creationId xmlns:a16="http://schemas.microsoft.com/office/drawing/2014/main" id="{B1230B7B-CB86-41C2-8818-A7793453FB67}"/>
-              </a:ext>
-            </a:extLst>
-          </p:cNvPr>
-          <p:cNvSpPr/>
-          <p:nvPr/>
-        </p:nvSpPr>
-        <p:spPr>
-          <a:xfrm>
-            <a:off x="1193800" y="4826000"/>
-            <a:ext cx="2120900" cy="368300"/>
+            <a:off x="0" y="6563030"/>
+            <a:ext cx="1128965" cy="211681"/>
           </a:xfrm>
           <a:prstGeom prst="rect">
             <a:avLst/>
           </a:prstGeom>
         </p:spPr>
-        <p:style>
-          <a:lnRef idx="1">
-            <a:schemeClr val="accent2"/>
-          </a:lnRef>
-          <a:fillRef idx="2">
-            <a:schemeClr val="accent2"/>
-          </a:fillRef>
-          <a:effectRef idx="1">
-            <a:schemeClr val="accent2"/>
-          </a:effectRef>
-          <a:fontRef idx="minor">
-            <a:schemeClr val="dk1"/>
-          </a:fontRef>
-        </p:style>
-        <p:txBody>
-          <a:bodyPr rtlCol="0" anchor="ctr"/>
-          <a:lstStyle/>
-          <a:p>
-            <a:pPr algn="ctr"/>
-            <a:r>
-              <a:rPr lang="en-US" dirty="0"/>
-              <a:t>FHIR</a:t>
-            </a:r>
-          </a:p>
-        </p:txBody>
-      </p:sp>
-      <p:sp>
-        <p:nvSpPr>
-          <p:cNvPr id="11" name="Rectangle 10">
-            <a:extLst>
-              <a:ext uri="{FF2B5EF4-FFF2-40B4-BE49-F238E27FC236}">
-                <a16:creationId xmlns:a16="http://schemas.microsoft.com/office/drawing/2014/main" id="{07191C11-0908-47DE-BA7D-FF6C65FB0B91}"/>
-              </a:ext>
-            </a:extLst>
-          </p:cNvPr>
-          <p:cNvSpPr/>
-          <p:nvPr/>
-        </p:nvSpPr>
-        <p:spPr>
-          <a:xfrm>
-            <a:off x="1193800" y="3797300"/>
-            <a:ext cx="2120900" cy="368300"/>
-          </a:xfrm>
-          <a:prstGeom prst="rect">
-            <a:avLst/>
-          </a:prstGeom>
-        </p:spPr>
-        <p:style>
-          <a:lnRef idx="1">
-            <a:schemeClr val="accent3"/>
-          </a:lnRef>
-          <a:fillRef idx="2">
-            <a:schemeClr val="accent3"/>
-          </a:fillRef>
-          <a:effectRef idx="1">
-            <a:schemeClr val="accent3"/>
-          </a:effectRef>
-          <a:fontRef idx="minor">
-            <a:schemeClr val="dk1"/>
-          </a:fontRef>
-        </p:style>
-        <p:txBody>
-          <a:bodyPr rtlCol="0" anchor="ctr"/>
-          <a:lstStyle/>
-          <a:p>
-            <a:pPr algn="ctr"/>
-            <a:r>
-              <a:rPr lang="en-US" dirty="0"/>
-              <a:t>US Core</a:t>
-            </a:r>
-          </a:p>
-        </p:txBody>
-      </p:sp>
-      <p:sp>
-        <p:nvSpPr>
-          <p:cNvPr id="12" name="Rectangle 11">
-            <a:extLst>
-              <a:ext uri="{FF2B5EF4-FFF2-40B4-BE49-F238E27FC236}">
-                <a16:creationId xmlns:a16="http://schemas.microsoft.com/office/drawing/2014/main" id="{3E920B8A-C1BD-46CE-9080-20E9DE13D2EC}"/>
-              </a:ext>
-            </a:extLst>
-          </p:cNvPr>
-          <p:cNvSpPr/>
-          <p:nvPr/>
-        </p:nvSpPr>
-        <p:spPr>
-          <a:xfrm>
-            <a:off x="1193800" y="2768600"/>
-            <a:ext cx="2120900" cy="368300"/>
-          </a:xfrm>
-          <a:prstGeom prst="rect">
-            <a:avLst/>
-          </a:prstGeom>
-        </p:spPr>
-        <p:style>
-          <a:lnRef idx="1">
-            <a:schemeClr val="accent4"/>
-          </a:lnRef>
-          <a:fillRef idx="2">
-            <a:schemeClr val="accent4"/>
-          </a:fillRef>
-          <a:effectRef idx="1">
-            <a:schemeClr val="accent4"/>
-          </a:effectRef>
-          <a:fontRef idx="minor">
-            <a:schemeClr val="dk1"/>
-          </a:fontRef>
-        </p:style>
-        <p:txBody>
-          <a:bodyPr rtlCol="0" anchor="ctr"/>
-          <a:lstStyle/>
-          <a:p>
-            <a:pPr algn="ctr"/>
-            <a:r>
-              <a:rPr lang="en-US" dirty="0"/>
-              <a:t>QI Core</a:t>
-            </a:r>
-          </a:p>
-        </p:txBody>
-      </p:sp>
-      <p:sp>
-        <p:nvSpPr>
-          <p:cNvPr id="13" name="Rectangle 12">
-            <a:extLst>
-              <a:ext uri="{FF2B5EF4-FFF2-40B4-BE49-F238E27FC236}">
-                <a16:creationId xmlns:a16="http://schemas.microsoft.com/office/drawing/2014/main" id="{5F0E9B49-D113-473E-AA9D-7B2E8A38E8EF}"/>
-              </a:ext>
-            </a:extLst>
-          </p:cNvPr>
-          <p:cNvSpPr/>
-          <p:nvPr/>
-        </p:nvSpPr>
-        <p:spPr>
-          <a:xfrm>
-            <a:off x="1193800" y="1739900"/>
-            <a:ext cx="2120900" cy="368300"/>
-          </a:xfrm>
-          <a:prstGeom prst="rect">
-            <a:avLst/>
-          </a:prstGeom>
-        </p:spPr>
-        <p:style>
-          <a:lnRef idx="1">
-            <a:schemeClr val="accent1"/>
-          </a:lnRef>
-          <a:fillRef idx="2">
-            <a:schemeClr val="accent1"/>
-          </a:fillRef>
-          <a:effectRef idx="1">
-            <a:schemeClr val="accent1"/>
-          </a:effectRef>
-          <a:fontRef idx="minor">
-            <a:schemeClr val="dk1"/>
-          </a:fontRef>
-        </p:style>
-        <p:txBody>
-          <a:bodyPr rtlCol="0" anchor="ctr"/>
-          <a:lstStyle/>
-          <a:p>
-            <a:pPr algn="ctr"/>
-            <a:r>
-              <a:rPr lang="en-US" dirty="0"/>
-              <a:t>Content</a:t>
-            </a:r>
-          </a:p>
-        </p:txBody>
-      </p:sp>
-      <p:sp>
-        <p:nvSpPr>
-          <p:cNvPr id="14" name="Arrow: Down 13">
-            <a:extLst>
-              <a:ext uri="{FF2B5EF4-FFF2-40B4-BE49-F238E27FC236}">
-                <a16:creationId xmlns:a16="http://schemas.microsoft.com/office/drawing/2014/main" id="{639D5AAE-8AA3-4833-A148-7B002C90B6CC}"/>
-              </a:ext>
-            </a:extLst>
-          </p:cNvPr>
-          <p:cNvSpPr/>
-          <p:nvPr/>
-        </p:nvSpPr>
-        <p:spPr>
-          <a:xfrm rot="10800000">
-            <a:off x="10250614" y="1739900"/>
-            <a:ext cx="315786" cy="3245104"/>
-          </a:xfrm>
-          <a:prstGeom prst="downArrow">
-            <a:avLst/>
-          </a:prstGeom>
-          <a:gradFill>
-            <a:gsLst>
-              <a:gs pos="0">
-                <a:schemeClr val="accent2">
-                  <a:lumMod val="60000"/>
-                  <a:lumOff val="40000"/>
-                </a:schemeClr>
-              </a:gs>
-              <a:gs pos="35000">
-                <a:schemeClr val="bg2">
-                  <a:lumMod val="75000"/>
-                </a:schemeClr>
-              </a:gs>
-              <a:gs pos="61000">
-                <a:schemeClr val="accent4">
-                  <a:lumMod val="20000"/>
-                  <a:lumOff val="80000"/>
-                </a:schemeClr>
-              </a:gs>
-              <a:gs pos="85000">
-                <a:schemeClr val="accent1">
-                  <a:lumMod val="60000"/>
-                  <a:lumOff val="40000"/>
-                </a:schemeClr>
-              </a:gs>
-            </a:gsLst>
-            <a:lin ang="5400000" scaled="1"/>
-          </a:gradFill>
-        </p:spPr>
-        <p:style>
-          <a:lnRef idx="2">
-            <a:schemeClr val="accent1">
-              <a:shade val="50000"/>
-            </a:schemeClr>
-          </a:lnRef>
-          <a:fillRef idx="1">
-            <a:schemeClr val="accent1"/>
-          </a:fillRef>
-          <a:effectRef idx="0">
-            <a:schemeClr val="accent1"/>
-          </a:effectRef>
-          <a:fontRef idx="minor">
-            <a:schemeClr val="lt1"/>
-          </a:fontRef>
-        </p:style>
-        <p:txBody>
-          <a:bodyPr rtlCol="0" anchor="ctr"/>
-          <a:lstStyle/>
-          <a:p>
-            <a:pPr algn="ctr"/>
-            <a:endParaRPr lang="en-US"/>
-          </a:p>
-        </p:txBody>
-      </p:sp>
-      <p:sp>
-        <p:nvSpPr>
-          <p:cNvPr id="15" name="TextBox 14">
-            <a:extLst>
-              <a:ext uri="{FF2B5EF4-FFF2-40B4-BE49-F238E27FC236}">
-                <a16:creationId xmlns:a16="http://schemas.microsoft.com/office/drawing/2014/main" id="{31A92138-6F0B-4D0C-B488-D21523198A44}"/>
-              </a:ext>
-            </a:extLst>
-          </p:cNvPr>
-          <p:cNvSpPr txBox="1"/>
-          <p:nvPr/>
-        </p:nvSpPr>
-        <p:spPr>
-          <a:xfrm rot="16200000">
-            <a:off x="9370050" y="3121791"/>
-            <a:ext cx="2762038" cy="369332"/>
-          </a:xfrm>
-          <a:prstGeom prst="rect">
-            <a:avLst/>
-          </a:prstGeom>
-          <a:noFill/>
-        </p:spPr>
-        <p:txBody>
-          <a:bodyPr wrap="none" rtlCol="0">
-            <a:spAutoFit/>
-          </a:bodyPr>
-          <a:lstStyle/>
-          <a:p>
-            <a:r>
-              <a:rPr lang="en-US" dirty="0"/>
-              <a:t>Constraint-based Definition</a:t>
-            </a:r>
-          </a:p>
-        </p:txBody>
-      </p:sp>
-      <p:sp>
-        <p:nvSpPr>
-          <p:cNvPr id="16" name="Arrow: Down 15">
-            <a:extLst>
-              <a:ext uri="{FF2B5EF4-FFF2-40B4-BE49-F238E27FC236}">
-                <a16:creationId xmlns:a16="http://schemas.microsoft.com/office/drawing/2014/main" id="{FD7F0013-E967-4918-BB1A-6C68139D125F}"/>
-              </a:ext>
-            </a:extLst>
-          </p:cNvPr>
-          <p:cNvSpPr/>
-          <p:nvPr/>
-        </p:nvSpPr>
-        <p:spPr>
-          <a:xfrm>
-            <a:off x="1404883" y="2203238"/>
-            <a:ext cx="220717" cy="482600"/>
-          </a:xfrm>
-          <a:prstGeom prst="downArrow">
-            <a:avLst/>
-          </a:prstGeom>
-          <a:gradFill>
-            <a:gsLst>
-              <a:gs pos="0">
-                <a:schemeClr val="accent1">
-                  <a:lumMod val="60000"/>
-                  <a:lumOff val="40000"/>
-                </a:schemeClr>
-              </a:gs>
-              <a:gs pos="100000">
-                <a:schemeClr val="accent4">
-                  <a:lumMod val="60000"/>
-                  <a:lumOff val="40000"/>
-                </a:schemeClr>
-              </a:gs>
-            </a:gsLst>
-            <a:lin ang="5400000" scaled="1"/>
-          </a:gradFill>
-        </p:spPr>
-        <p:style>
-          <a:lnRef idx="2">
-            <a:schemeClr val="accent1">
-              <a:shade val="50000"/>
-            </a:schemeClr>
-          </a:lnRef>
-          <a:fillRef idx="1">
-            <a:schemeClr val="accent1"/>
-          </a:fillRef>
-          <a:effectRef idx="0">
-            <a:schemeClr val="accent1"/>
-          </a:effectRef>
-          <a:fontRef idx="minor">
-            <a:schemeClr val="lt1"/>
-          </a:fontRef>
-        </p:style>
-        <p:txBody>
-          <a:bodyPr rtlCol="0" anchor="ctr"/>
-          <a:lstStyle/>
-          <a:p>
-            <a:pPr algn="ctr"/>
-            <a:endParaRPr lang="en-US"/>
-          </a:p>
-        </p:txBody>
-      </p:sp>
-      <p:sp>
-        <p:nvSpPr>
-          <p:cNvPr id="17" name="Arrow: Down 16">
-            <a:extLst>
-              <a:ext uri="{FF2B5EF4-FFF2-40B4-BE49-F238E27FC236}">
-                <a16:creationId xmlns:a16="http://schemas.microsoft.com/office/drawing/2014/main" id="{57BFF4D7-DBF5-49CE-9AAF-D07FBA4A9F1E}"/>
-              </a:ext>
-            </a:extLst>
-          </p:cNvPr>
-          <p:cNvSpPr/>
-          <p:nvPr/>
-        </p:nvSpPr>
-        <p:spPr>
-          <a:xfrm>
-            <a:off x="1404882" y="3238501"/>
-            <a:ext cx="220717" cy="482600"/>
-          </a:xfrm>
-          <a:prstGeom prst="downArrow">
-            <a:avLst/>
-          </a:prstGeom>
-          <a:gradFill>
-            <a:gsLst>
-              <a:gs pos="0">
-                <a:schemeClr val="accent4">
-                  <a:lumMod val="60000"/>
-                  <a:lumOff val="40000"/>
-                </a:schemeClr>
-              </a:gs>
-              <a:gs pos="100000">
-                <a:schemeClr val="accent3">
-                  <a:lumMod val="60000"/>
-                  <a:lumOff val="40000"/>
-                </a:schemeClr>
-              </a:gs>
-            </a:gsLst>
-            <a:lin ang="5400000" scaled="1"/>
-          </a:gradFill>
-        </p:spPr>
-        <p:style>
-          <a:lnRef idx="2">
-            <a:schemeClr val="accent1">
-              <a:shade val="50000"/>
-            </a:schemeClr>
-          </a:lnRef>
-          <a:fillRef idx="1">
-            <a:schemeClr val="accent1"/>
-          </a:fillRef>
-          <a:effectRef idx="0">
-            <a:schemeClr val="accent1"/>
-          </a:effectRef>
-          <a:fontRef idx="minor">
-            <a:schemeClr val="lt1"/>
-          </a:fontRef>
-        </p:style>
-        <p:txBody>
-          <a:bodyPr rtlCol="0" anchor="ctr"/>
-          <a:lstStyle/>
-          <a:p>
-            <a:pPr algn="ctr"/>
-            <a:endParaRPr lang="en-US"/>
-          </a:p>
-        </p:txBody>
-      </p:sp>
-      <p:sp>
-        <p:nvSpPr>
-          <p:cNvPr id="18" name="Arrow: Down 17">
-            <a:extLst>
-              <a:ext uri="{FF2B5EF4-FFF2-40B4-BE49-F238E27FC236}">
-                <a16:creationId xmlns:a16="http://schemas.microsoft.com/office/drawing/2014/main" id="{3D68A192-3A6E-4946-AA32-A499676C9849}"/>
-              </a:ext>
-            </a:extLst>
-          </p:cNvPr>
-          <p:cNvSpPr/>
-          <p:nvPr/>
-        </p:nvSpPr>
-        <p:spPr>
-          <a:xfrm>
-            <a:off x="1404882" y="4241799"/>
-            <a:ext cx="220717" cy="482600"/>
-          </a:xfrm>
-          <a:prstGeom prst="downArrow">
-            <a:avLst/>
-          </a:prstGeom>
-          <a:gradFill>
-            <a:gsLst>
-              <a:gs pos="0">
-                <a:schemeClr val="accent3">
-                  <a:lumMod val="60000"/>
-                  <a:lumOff val="40000"/>
-                </a:schemeClr>
-              </a:gs>
-              <a:gs pos="100000">
-                <a:schemeClr val="accent2">
-                  <a:lumMod val="60000"/>
-                  <a:lumOff val="40000"/>
-                </a:schemeClr>
-              </a:gs>
-            </a:gsLst>
-            <a:lin ang="5400000" scaled="1"/>
-          </a:gradFill>
-        </p:spPr>
-        <p:style>
-          <a:lnRef idx="2">
-            <a:schemeClr val="accent1">
-              <a:shade val="50000"/>
-            </a:schemeClr>
-          </a:lnRef>
-          <a:fillRef idx="1">
-            <a:schemeClr val="accent1"/>
-          </a:fillRef>
-          <a:effectRef idx="0">
-            <a:schemeClr val="accent1"/>
-          </a:effectRef>
-          <a:fontRef idx="minor">
-            <a:schemeClr val="lt1"/>
-          </a:fontRef>
-        </p:style>
-        <p:txBody>
-          <a:bodyPr rtlCol="0" anchor="ctr"/>
-          <a:lstStyle/>
-          <a:p>
-            <a:pPr algn="ctr"/>
-            <a:endParaRPr lang="en-US"/>
-          </a:p>
-        </p:txBody>
-      </p:sp>
-      <p:sp>
-        <p:nvSpPr>
-          <p:cNvPr id="19" name="TextBox 18">
-            <a:extLst>
-              <a:ext uri="{FF2B5EF4-FFF2-40B4-BE49-F238E27FC236}">
-                <a16:creationId xmlns:a16="http://schemas.microsoft.com/office/drawing/2014/main" id="{2BE96E4D-4470-44D8-93A2-731D8FE9B845}"/>
-              </a:ext>
-            </a:extLst>
-          </p:cNvPr>
-          <p:cNvSpPr txBox="1"/>
-          <p:nvPr/>
-        </p:nvSpPr>
-        <p:spPr>
-          <a:xfrm rot="5400000">
-            <a:off x="-572017" y="3295134"/>
-            <a:ext cx="2859565" cy="369332"/>
-          </a:xfrm>
-          <a:prstGeom prst="rect">
-            <a:avLst/>
-          </a:prstGeom>
-          <a:noFill/>
-        </p:spPr>
-        <p:txBody>
-          <a:bodyPr wrap="none" rtlCol="0">
-            <a:spAutoFit/>
-          </a:bodyPr>
-          <a:lstStyle/>
-          <a:p>
-            <a:r>
-              <a:rPr lang="en-US" dirty="0"/>
-              <a:t>Consensus-based Promotion</a:t>
-            </a:r>
-          </a:p>
-        </p:txBody>
-      </p:sp>
-      <p:sp>
-        <p:nvSpPr>
-          <p:cNvPr id="20" name="TextBox 19">
-            <a:extLst>
-              <a:ext uri="{FF2B5EF4-FFF2-40B4-BE49-F238E27FC236}">
-                <a16:creationId xmlns:a16="http://schemas.microsoft.com/office/drawing/2014/main" id="{7BF904E7-B6D7-4EE0-BB67-E2905293C276}"/>
-              </a:ext>
-            </a:extLst>
-          </p:cNvPr>
-          <p:cNvSpPr txBox="1"/>
-          <p:nvPr/>
-        </p:nvSpPr>
-        <p:spPr>
-          <a:xfrm>
-            <a:off x="188663" y="201721"/>
-            <a:ext cx="3307316" cy="369332"/>
-          </a:xfrm>
-          <a:prstGeom prst="rect">
-            <a:avLst/>
-          </a:prstGeom>
-          <a:noFill/>
-        </p:spPr>
-        <p:txBody>
-          <a:bodyPr wrap="none" rtlCol="0">
-            <a:spAutoFit/>
-          </a:bodyPr>
-          <a:lstStyle/>
-          <a:p>
-            <a:r>
-              <a:rPr lang="en-US" dirty="0"/>
-              <a:t>Data Model Standards Landscape</a:t>
-            </a:r>
-          </a:p>
-        </p:txBody>
-      </p:sp>
+      </p:pic>
     </p:spTree>
     <p:extLst>
       <p:ext uri="{BB962C8B-B14F-4D97-AF65-F5344CB8AC3E}">
@@ -19139,4 +17627,299 @@
     </a:ext>
   </a:extLst>
 </a:theme>
+</file>
+
+<file path=ppt/theme/theme2.xml><?xml version="1.0" encoding="utf-8"?>
+<a:theme xmlns:a="http://schemas.openxmlformats.org/drawingml/2006/main" name="Office Theme">
+  <a:themeElements>
+    <a:clrScheme name="Office">
+      <a:dk1>
+        <a:sysClr val="windowText" lastClr="000000"/>
+      </a:dk1>
+      <a:lt1>
+        <a:sysClr val="window" lastClr="FFFFFF"/>
+      </a:lt1>
+      <a:dk2>
+        <a:srgbClr val="44546A"/>
+      </a:dk2>
+      <a:lt2>
+        <a:srgbClr val="E7E6E6"/>
+      </a:lt2>
+      <a:accent1>
+        <a:srgbClr val="4472C4"/>
+      </a:accent1>
+      <a:accent2>
+        <a:srgbClr val="ED7D31"/>
+      </a:accent2>
+      <a:accent3>
+        <a:srgbClr val="A5A5A5"/>
+      </a:accent3>
+      <a:accent4>
+        <a:srgbClr val="FFC000"/>
+      </a:accent4>
+      <a:accent5>
+        <a:srgbClr val="5B9BD5"/>
+      </a:accent5>
+      <a:accent6>
+        <a:srgbClr val="70AD47"/>
+      </a:accent6>
+      <a:hlink>
+        <a:srgbClr val="0563C1"/>
+      </a:hlink>
+      <a:folHlink>
+        <a:srgbClr val="954F72"/>
+      </a:folHlink>
+    </a:clrScheme>
+    <a:fontScheme name="Office">
+      <a:majorFont>
+        <a:latin typeface="Calibri Light" panose="020F0302020204030204"/>
+        <a:ea typeface=""/>
+        <a:cs typeface=""/>
+        <a:font script="Jpan" typeface="游ゴシック Light"/>
+        <a:font script="Hang" typeface="맑은 고딕"/>
+        <a:font script="Hans" typeface="等线 Light"/>
+        <a:font script="Hant" typeface="新細明體"/>
+        <a:font script="Arab" typeface="Times New Roman"/>
+        <a:font script="Hebr" typeface="Times New Roman"/>
+        <a:font script="Thai" typeface="Angsana New"/>
+        <a:font script="Ethi" typeface="Nyala"/>
+        <a:font script="Beng" typeface="Vrinda"/>
+        <a:font script="Gujr" typeface="Shruti"/>
+        <a:font script="Khmr" typeface="MoolBoran"/>
+        <a:font script="Knda" typeface="Tunga"/>
+        <a:font script="Guru" typeface="Raavi"/>
+        <a:font script="Cans" typeface="Euphemia"/>
+        <a:font script="Cher" typeface="Plantagenet Cherokee"/>
+        <a:font script="Yiii" typeface="Microsoft Yi Baiti"/>
+        <a:font script="Tibt" typeface="Microsoft Himalaya"/>
+        <a:font script="Thaa" typeface="MV Boli"/>
+        <a:font script="Deva" typeface="Mangal"/>
+        <a:font script="Telu" typeface="Gautami"/>
+        <a:font script="Taml" typeface="Latha"/>
+        <a:font script="Syrc" typeface="Estrangelo Edessa"/>
+        <a:font script="Orya" typeface="Kalinga"/>
+        <a:font script="Mlym" typeface="Kartika"/>
+        <a:font script="Laoo" typeface="DokChampa"/>
+        <a:font script="Sinh" typeface="Iskoola Pota"/>
+        <a:font script="Mong" typeface="Mongolian Baiti"/>
+        <a:font script="Viet" typeface="Times New Roman"/>
+        <a:font script="Uigh" typeface="Microsoft Uighur"/>
+        <a:font script="Geor" typeface="Sylfaen"/>
+        <a:font script="Armn" typeface="Arial"/>
+        <a:font script="Bugi" typeface="Leelawadee UI"/>
+        <a:font script="Bopo" typeface="Microsoft JhengHei"/>
+        <a:font script="Java" typeface="Javanese Text"/>
+        <a:font script="Lisu" typeface="Segoe UI"/>
+        <a:font script="Mymr" typeface="Myanmar Text"/>
+        <a:font script="Nkoo" typeface="Ebrima"/>
+        <a:font script="Olck" typeface="Nirmala UI"/>
+        <a:font script="Osma" typeface="Ebrima"/>
+        <a:font script="Phag" typeface="Phagspa"/>
+        <a:font script="Syrn" typeface="Estrangelo Edessa"/>
+        <a:font script="Syrj" typeface="Estrangelo Edessa"/>
+        <a:font script="Syre" typeface="Estrangelo Edessa"/>
+        <a:font script="Sora" typeface="Nirmala UI"/>
+        <a:font script="Tale" typeface="Microsoft Tai Le"/>
+        <a:font script="Talu" typeface="Microsoft New Tai Lue"/>
+        <a:font script="Tfng" typeface="Ebrima"/>
+      </a:majorFont>
+      <a:minorFont>
+        <a:latin typeface="Calibri" panose="020F0502020204030204"/>
+        <a:ea typeface=""/>
+        <a:cs typeface=""/>
+        <a:font script="Jpan" typeface="游ゴシック"/>
+        <a:font script="Hang" typeface="맑은 고딕"/>
+        <a:font script="Hans" typeface="等线"/>
+        <a:font script="Hant" typeface="新細明體"/>
+        <a:font script="Arab" typeface="Arial"/>
+        <a:font script="Hebr" typeface="Arial"/>
+        <a:font script="Thai" typeface="Cordia New"/>
+        <a:font script="Ethi" typeface="Nyala"/>
+        <a:font script="Beng" typeface="Vrinda"/>
+        <a:font script="Gujr" typeface="Shruti"/>
+        <a:font script="Khmr" typeface="DaunPenh"/>
+        <a:font script="Knda" typeface="Tunga"/>
+        <a:font script="Guru" typeface="Raavi"/>
+        <a:font script="Cans" typeface="Euphemia"/>
+        <a:font script="Cher" typeface="Plantagenet Cherokee"/>
+        <a:font script="Yiii" typeface="Microsoft Yi Baiti"/>
+        <a:font script="Tibt" typeface="Microsoft Himalaya"/>
+        <a:font script="Thaa" typeface="MV Boli"/>
+        <a:font script="Deva" typeface="Mangal"/>
+        <a:font script="Telu" typeface="Gautami"/>
+        <a:font script="Taml" typeface="Latha"/>
+        <a:font script="Syrc" typeface="Estrangelo Edessa"/>
+        <a:font script="Orya" typeface="Kalinga"/>
+        <a:font script="Mlym" typeface="Kartika"/>
+        <a:font script="Laoo" typeface="DokChampa"/>
+        <a:font script="Sinh" typeface="Iskoola Pota"/>
+        <a:font script="Mong" typeface="Mongolian Baiti"/>
+        <a:font script="Viet" typeface="Arial"/>
+        <a:font script="Uigh" typeface="Microsoft Uighur"/>
+        <a:font script="Geor" typeface="Sylfaen"/>
+        <a:font script="Armn" typeface="Arial"/>
+        <a:font script="Bugi" typeface="Leelawadee UI"/>
+        <a:font script="Bopo" typeface="Microsoft JhengHei"/>
+        <a:font script="Java" typeface="Javanese Text"/>
+        <a:font script="Lisu" typeface="Segoe UI"/>
+        <a:font script="Mymr" typeface="Myanmar Text"/>
+        <a:font script="Nkoo" typeface="Ebrima"/>
+        <a:font script="Olck" typeface="Nirmala UI"/>
+        <a:font script="Osma" typeface="Ebrima"/>
+        <a:font script="Phag" typeface="Phagspa"/>
+        <a:font script="Syrn" typeface="Estrangelo Edessa"/>
+        <a:font script="Syrj" typeface="Estrangelo Edessa"/>
+        <a:font script="Syre" typeface="Estrangelo Edessa"/>
+        <a:font script="Sora" typeface="Nirmala UI"/>
+        <a:font script="Tale" typeface="Microsoft Tai Le"/>
+        <a:font script="Talu" typeface="Microsoft New Tai Lue"/>
+        <a:font script="Tfng" typeface="Ebrima"/>
+      </a:minorFont>
+    </a:fontScheme>
+    <a:fmtScheme name="Office">
+      <a:fillStyleLst>
+        <a:solidFill>
+          <a:schemeClr val="phClr"/>
+        </a:solidFill>
+        <a:gradFill rotWithShape="1">
+          <a:gsLst>
+            <a:gs pos="0">
+              <a:schemeClr val="phClr">
+                <a:lumMod val="110000"/>
+                <a:satMod val="105000"/>
+                <a:tint val="67000"/>
+              </a:schemeClr>
+            </a:gs>
+            <a:gs pos="50000">
+              <a:schemeClr val="phClr">
+                <a:lumMod val="105000"/>
+                <a:satMod val="103000"/>
+                <a:tint val="73000"/>
+              </a:schemeClr>
+            </a:gs>
+            <a:gs pos="100000">
+              <a:schemeClr val="phClr">
+                <a:lumMod val="105000"/>
+                <a:satMod val="109000"/>
+                <a:tint val="81000"/>
+              </a:schemeClr>
+            </a:gs>
+          </a:gsLst>
+          <a:lin ang="5400000" scaled="0"/>
+        </a:gradFill>
+        <a:gradFill rotWithShape="1">
+          <a:gsLst>
+            <a:gs pos="0">
+              <a:schemeClr val="phClr">
+                <a:satMod val="103000"/>
+                <a:lumMod val="102000"/>
+                <a:tint val="94000"/>
+              </a:schemeClr>
+            </a:gs>
+            <a:gs pos="50000">
+              <a:schemeClr val="phClr">
+                <a:satMod val="110000"/>
+                <a:lumMod val="100000"/>
+                <a:shade val="100000"/>
+              </a:schemeClr>
+            </a:gs>
+            <a:gs pos="100000">
+              <a:schemeClr val="phClr">
+                <a:lumMod val="99000"/>
+                <a:satMod val="120000"/>
+                <a:shade val="78000"/>
+              </a:schemeClr>
+            </a:gs>
+          </a:gsLst>
+          <a:lin ang="5400000" scaled="0"/>
+        </a:gradFill>
+      </a:fillStyleLst>
+      <a:lnStyleLst>
+        <a:ln w="6350" cap="flat" cmpd="sng" algn="ctr">
+          <a:solidFill>
+            <a:schemeClr val="phClr"/>
+          </a:solidFill>
+          <a:prstDash val="solid"/>
+          <a:miter lim="800000"/>
+        </a:ln>
+        <a:ln w="12700" cap="flat" cmpd="sng" algn="ctr">
+          <a:solidFill>
+            <a:schemeClr val="phClr"/>
+          </a:solidFill>
+          <a:prstDash val="solid"/>
+          <a:miter lim="800000"/>
+        </a:ln>
+        <a:ln w="19050" cap="flat" cmpd="sng" algn="ctr">
+          <a:solidFill>
+            <a:schemeClr val="phClr"/>
+          </a:solidFill>
+          <a:prstDash val="solid"/>
+          <a:miter lim="800000"/>
+        </a:ln>
+      </a:lnStyleLst>
+      <a:effectStyleLst>
+        <a:effectStyle>
+          <a:effectLst/>
+        </a:effectStyle>
+        <a:effectStyle>
+          <a:effectLst/>
+        </a:effectStyle>
+        <a:effectStyle>
+          <a:effectLst>
+            <a:outerShdw blurRad="57150" dist="19050" dir="5400000" algn="ctr" rotWithShape="0">
+              <a:srgbClr val="000000">
+                <a:alpha val="63000"/>
+              </a:srgbClr>
+            </a:outerShdw>
+          </a:effectLst>
+        </a:effectStyle>
+      </a:effectStyleLst>
+      <a:bgFillStyleLst>
+        <a:solidFill>
+          <a:schemeClr val="phClr"/>
+        </a:solidFill>
+        <a:solidFill>
+          <a:schemeClr val="phClr">
+            <a:tint val="95000"/>
+            <a:satMod val="170000"/>
+          </a:schemeClr>
+        </a:solidFill>
+        <a:gradFill rotWithShape="1">
+          <a:gsLst>
+            <a:gs pos="0">
+              <a:schemeClr val="phClr">
+                <a:tint val="93000"/>
+                <a:satMod val="150000"/>
+                <a:shade val="98000"/>
+                <a:lumMod val="102000"/>
+              </a:schemeClr>
+            </a:gs>
+            <a:gs pos="50000">
+              <a:schemeClr val="phClr">
+                <a:tint val="98000"/>
+                <a:satMod val="130000"/>
+                <a:shade val="90000"/>
+                <a:lumMod val="103000"/>
+              </a:schemeClr>
+            </a:gs>
+            <a:gs pos="100000">
+              <a:schemeClr val="phClr">
+                <a:shade val="63000"/>
+                <a:satMod val="120000"/>
+              </a:schemeClr>
+            </a:gs>
+          </a:gsLst>
+          <a:lin ang="5400000" scaled="0"/>
+        </a:gradFill>
+      </a:bgFillStyleLst>
+    </a:fmtScheme>
+  </a:themeElements>
+  <a:objectDefaults/>
+  <a:extraClrSchemeLst/>
+  <a:extLst>
+    <a:ext uri="{05A4C25C-085E-4340-85A3-A5531E510DB2}">
+      <thm15:themeFamily xmlns:thm15="http://schemas.microsoft.com/office/thememl/2012/main" name="Office Theme" id="{62F939B6-93AF-4DB8-9C6B-D6C7DFDC589F}" vid="{4A3C46E8-61CC-4603-A589-7422A47A8E4A}"/>
+    </a:ext>
+  </a:extLst>
+</a:theme>
 </file>